--- a/results/Presentation.pptx
+++ b/results/Presentation.pptx
@@ -2,12 +2,12 @@
 <file path=ppt/presentation.xml><?xml version="1.0" encoding="utf-8"?>
 <p:presentation xmlns:a="http://schemas.openxmlformats.org/drawingml/2006/main" xmlns:r="http://schemas.openxmlformats.org/officeDocument/2006/relationships" xmlns:p="http://schemas.openxmlformats.org/presentationml/2006/main" saveSubsetFonts="1" autoCompressPictures="0">
   <p:sldMasterIdLst>
-    <p:sldMasterId id="2147483982" r:id="rId1"/>
+    <p:sldMasterId id="2147484000" r:id="rId1"/>
   </p:sldMasterIdLst>
   <p:sldIdLst>
     <p:sldId id="256" r:id="rId2"/>
   </p:sldIdLst>
-  <p:sldSz cx="32918400" cy="21945600"/>
+  <p:sldSz cx="21945600" cy="32918400"/>
   <p:notesSz cx="6858000" cy="9144000"/>
   <p:defaultTextStyle>
     <a:defPPr>
@@ -104,7 +104,1063 @@
       </a:defRPr>
     </a:lvl9pPr>
   </p:defaultTextStyle>
+  <p:extLst>
+    <p:ext uri="{EFAFB233-063F-42B5-8137-9DF3F51BA10A}">
+      <p15:sldGuideLst xmlns:p15="http://schemas.microsoft.com/office/powerpoint/2012/main"/>
+    </p:ext>
+  </p:extLst>
 </p:presentation>
+</file>
+
+<file path=ppt/charts/chart1.xml><?xml version="1.0" encoding="utf-8"?>
+<c:chartSpace xmlns:c="http://schemas.openxmlformats.org/drawingml/2006/chart" xmlns:a="http://schemas.openxmlformats.org/drawingml/2006/main" xmlns:r="http://schemas.openxmlformats.org/officeDocument/2006/relationships">
+  <c:date1904 val="0"/>
+  <c:lang val="en-US"/>
+  <c:roundedCorners val="0"/>
+  <mc:AlternateContent xmlns:mc="http://schemas.openxmlformats.org/markup-compatibility/2006">
+    <mc:Choice xmlns:c14="http://schemas.microsoft.com/office/drawing/2007/8/2/chart" Requires="c14">
+      <c14:style val="102"/>
+    </mc:Choice>
+    <mc:Fallback>
+      <c:style val="2"/>
+    </mc:Fallback>
+  </mc:AlternateContent>
+  <c:chart>
+    <c:title>
+      <c:tx>
+        <c:rich>
+          <a:bodyPr rot="0" spcFirstLastPara="1" vertOverflow="ellipsis" vert="horz" wrap="square" anchor="ctr" anchorCtr="1"/>
+          <a:lstStyle/>
+          <a:p>
+            <a:pPr>
+              <a:defRPr sz="1400" b="0" i="0" u="none" strike="noStrike" kern="1200" spc="0" baseline="0">
+                <a:solidFill>
+                  <a:schemeClr val="tx1">
+                    <a:lumMod val="65000"/>
+                    <a:lumOff val="35000"/>
+                  </a:schemeClr>
+                </a:solidFill>
+                <a:latin typeface="+mn-lt"/>
+                <a:ea typeface="+mn-ea"/>
+                <a:cs typeface="+mn-cs"/>
+              </a:defRPr>
+            </a:pPr>
+            <a:r>
+              <a:rPr lang="en-US"/>
+              <a:t>Performance</a:t>
+            </a:r>
+            <a:r>
+              <a:rPr lang="en-US" baseline="0"/>
+              <a:t> per periods</a:t>
+            </a:r>
+          </a:p>
+        </c:rich>
+      </c:tx>
+      <c:layout/>
+      <c:overlay val="0"/>
+      <c:spPr>
+        <a:noFill/>
+        <a:ln>
+          <a:noFill/>
+        </a:ln>
+        <a:effectLst/>
+      </c:spPr>
+      <c:txPr>
+        <a:bodyPr rot="0" spcFirstLastPara="1" vertOverflow="ellipsis" vert="horz" wrap="square" anchor="ctr" anchorCtr="1"/>
+        <a:lstStyle/>
+        <a:p>
+          <a:pPr>
+            <a:defRPr sz="1400" b="0" i="0" u="none" strike="noStrike" kern="1200" spc="0" baseline="0">
+              <a:solidFill>
+                <a:schemeClr val="tx1">
+                  <a:lumMod val="65000"/>
+                  <a:lumOff val="35000"/>
+                </a:schemeClr>
+              </a:solidFill>
+              <a:latin typeface="+mn-lt"/>
+              <a:ea typeface="+mn-ea"/>
+              <a:cs typeface="+mn-cs"/>
+            </a:defRPr>
+          </a:pPr>
+          <a:endParaRPr lang="en-US"/>
+        </a:p>
+      </c:txPr>
+    </c:title>
+    <c:autoTitleDeleted val="0"/>
+    <c:plotArea>
+      <c:layout/>
+      <c:barChart>
+        <c:barDir val="col"/>
+        <c:grouping val="clustered"/>
+        <c:varyColors val="0"/>
+        <c:ser>
+          <c:idx val="0"/>
+          <c:order val="0"/>
+          <c:tx>
+            <c:strRef>
+              <c:f>Sheet1!$A$8</c:f>
+              <c:strCache>
+                <c:ptCount val="1"/>
+                <c:pt idx="0">
+                  <c:v>3 periods</c:v>
+                </c:pt>
+              </c:strCache>
+            </c:strRef>
+          </c:tx>
+          <c:spPr>
+            <a:solidFill>
+              <a:schemeClr val="accent1"/>
+            </a:solidFill>
+            <a:ln>
+              <a:noFill/>
+            </a:ln>
+            <a:effectLst/>
+          </c:spPr>
+          <c:invertIfNegative val="0"/>
+          <c:cat>
+            <c:strRef>
+              <c:f>Sheet1!$B$7:$D$7</c:f>
+              <c:strCache>
+                <c:ptCount val="3"/>
+                <c:pt idx="0">
+                  <c:v>Precision</c:v>
+                </c:pt>
+                <c:pt idx="1">
+                  <c:v>Recall</c:v>
+                </c:pt>
+                <c:pt idx="2">
+                  <c:v>Fscore</c:v>
+                </c:pt>
+              </c:strCache>
+            </c:strRef>
+          </c:cat>
+          <c:val>
+            <c:numRef>
+              <c:f>Sheet1!$B$8:$D$8</c:f>
+              <c:numCache>
+                <c:formatCode>General</c:formatCode>
+                <c:ptCount val="3"/>
+                <c:pt idx="0">
+                  <c:v>84.02</c:v>
+                </c:pt>
+                <c:pt idx="1">
+                  <c:v>80.43</c:v>
+                </c:pt>
+                <c:pt idx="2">
+                  <c:v>80.82</c:v>
+                </c:pt>
+              </c:numCache>
+            </c:numRef>
+          </c:val>
+        </c:ser>
+        <c:ser>
+          <c:idx val="1"/>
+          <c:order val="1"/>
+          <c:tx>
+            <c:strRef>
+              <c:f>Sheet1!$A$9</c:f>
+              <c:strCache>
+                <c:ptCount val="1"/>
+                <c:pt idx="0">
+                  <c:v>5 periods</c:v>
+                </c:pt>
+              </c:strCache>
+            </c:strRef>
+          </c:tx>
+          <c:spPr>
+            <a:solidFill>
+              <a:schemeClr val="accent2"/>
+            </a:solidFill>
+            <a:ln>
+              <a:noFill/>
+            </a:ln>
+            <a:effectLst/>
+          </c:spPr>
+          <c:invertIfNegative val="0"/>
+          <c:cat>
+            <c:strRef>
+              <c:f>Sheet1!$B$7:$D$7</c:f>
+              <c:strCache>
+                <c:ptCount val="3"/>
+                <c:pt idx="0">
+                  <c:v>Precision</c:v>
+                </c:pt>
+                <c:pt idx="1">
+                  <c:v>Recall</c:v>
+                </c:pt>
+                <c:pt idx="2">
+                  <c:v>Fscore</c:v>
+                </c:pt>
+              </c:strCache>
+            </c:strRef>
+          </c:cat>
+          <c:val>
+            <c:numRef>
+              <c:f>Sheet1!$B$9:$D$9</c:f>
+              <c:numCache>
+                <c:formatCode>General</c:formatCode>
+                <c:ptCount val="3"/>
+                <c:pt idx="0">
+                  <c:v>59.49</c:v>
+                </c:pt>
+                <c:pt idx="1">
+                  <c:v>53.6</c:v>
+                </c:pt>
+                <c:pt idx="2">
+                  <c:v>52.64</c:v>
+                </c:pt>
+              </c:numCache>
+            </c:numRef>
+          </c:val>
+        </c:ser>
+        <c:ser>
+          <c:idx val="2"/>
+          <c:order val="2"/>
+          <c:tx>
+            <c:strRef>
+              <c:f>Sheet1!$A$10</c:f>
+              <c:strCache>
+                <c:ptCount val="1"/>
+                <c:pt idx="0">
+                  <c:v>7 periods</c:v>
+                </c:pt>
+              </c:strCache>
+            </c:strRef>
+          </c:tx>
+          <c:spPr>
+            <a:solidFill>
+              <a:schemeClr val="accent3"/>
+            </a:solidFill>
+            <a:ln>
+              <a:noFill/>
+            </a:ln>
+            <a:effectLst/>
+          </c:spPr>
+          <c:invertIfNegative val="0"/>
+          <c:cat>
+            <c:strRef>
+              <c:f>Sheet1!$B$7:$D$7</c:f>
+              <c:strCache>
+                <c:ptCount val="3"/>
+                <c:pt idx="0">
+                  <c:v>Precision</c:v>
+                </c:pt>
+                <c:pt idx="1">
+                  <c:v>Recall</c:v>
+                </c:pt>
+                <c:pt idx="2">
+                  <c:v>Fscore</c:v>
+                </c:pt>
+              </c:strCache>
+            </c:strRef>
+          </c:cat>
+          <c:val>
+            <c:numRef>
+              <c:f>Sheet1!$B$10:$D$10</c:f>
+              <c:numCache>
+                <c:formatCode>General</c:formatCode>
+                <c:ptCount val="3"/>
+                <c:pt idx="0">
+                  <c:v>43.19</c:v>
+                </c:pt>
+                <c:pt idx="1">
+                  <c:v>42.48</c:v>
+                </c:pt>
+                <c:pt idx="2">
+                  <c:v>39.51</c:v>
+                </c:pt>
+              </c:numCache>
+            </c:numRef>
+          </c:val>
+        </c:ser>
+        <c:dLbls>
+          <c:showLegendKey val="0"/>
+          <c:showVal val="0"/>
+          <c:showCatName val="0"/>
+          <c:showSerName val="0"/>
+          <c:showPercent val="0"/>
+          <c:showBubbleSize val="0"/>
+        </c:dLbls>
+        <c:gapWidth val="219"/>
+        <c:overlap val="-27"/>
+        <c:axId val="944621248"/>
+        <c:axId val="1034701760"/>
+      </c:barChart>
+      <c:catAx>
+        <c:axId val="944621248"/>
+        <c:scaling>
+          <c:orientation val="minMax"/>
+        </c:scaling>
+        <c:delete val="0"/>
+        <c:axPos val="b"/>
+        <c:numFmt formatCode="General" sourceLinked="1"/>
+        <c:majorTickMark val="none"/>
+        <c:minorTickMark val="none"/>
+        <c:tickLblPos val="nextTo"/>
+        <c:spPr>
+          <a:noFill/>
+          <a:ln w="9525" cap="flat" cmpd="sng" algn="ctr">
+            <a:solidFill>
+              <a:schemeClr val="tx1">
+                <a:lumMod val="15000"/>
+                <a:lumOff val="85000"/>
+              </a:schemeClr>
+            </a:solidFill>
+            <a:round/>
+          </a:ln>
+          <a:effectLst/>
+        </c:spPr>
+        <c:txPr>
+          <a:bodyPr rot="-60000000" spcFirstLastPara="1" vertOverflow="ellipsis" vert="horz" wrap="square" anchor="ctr" anchorCtr="1"/>
+          <a:lstStyle/>
+          <a:p>
+            <a:pPr>
+              <a:defRPr sz="900" b="0" i="0" u="none" strike="noStrike" kern="1200" baseline="0">
+                <a:solidFill>
+                  <a:schemeClr val="tx1">
+                    <a:lumMod val="65000"/>
+                    <a:lumOff val="35000"/>
+                  </a:schemeClr>
+                </a:solidFill>
+                <a:latin typeface="+mn-lt"/>
+                <a:ea typeface="+mn-ea"/>
+                <a:cs typeface="+mn-cs"/>
+              </a:defRPr>
+            </a:pPr>
+            <a:endParaRPr lang="en-US"/>
+          </a:p>
+        </c:txPr>
+        <c:crossAx val="1034701760"/>
+        <c:crosses val="autoZero"/>
+        <c:auto val="1"/>
+        <c:lblAlgn val="ctr"/>
+        <c:lblOffset val="100"/>
+        <c:noMultiLvlLbl val="0"/>
+      </c:catAx>
+      <c:valAx>
+        <c:axId val="1034701760"/>
+        <c:scaling>
+          <c:orientation val="minMax"/>
+        </c:scaling>
+        <c:delete val="0"/>
+        <c:axPos val="l"/>
+        <c:majorGridlines>
+          <c:spPr>
+            <a:ln w="9525" cap="flat" cmpd="sng" algn="ctr">
+              <a:solidFill>
+                <a:schemeClr val="tx1">
+                  <a:lumMod val="15000"/>
+                  <a:lumOff val="85000"/>
+                </a:schemeClr>
+              </a:solidFill>
+              <a:round/>
+            </a:ln>
+            <a:effectLst/>
+          </c:spPr>
+        </c:majorGridlines>
+        <c:title>
+          <c:tx>
+            <c:rich>
+              <a:bodyPr rot="-5400000" spcFirstLastPara="1" vertOverflow="ellipsis" vert="horz" wrap="square" anchor="ctr" anchorCtr="1"/>
+              <a:lstStyle/>
+              <a:p>
+                <a:pPr>
+                  <a:defRPr sz="1000" b="0" i="0" u="none" strike="noStrike" kern="1200" baseline="0">
+                    <a:solidFill>
+                      <a:schemeClr val="tx1">
+                        <a:lumMod val="65000"/>
+                        <a:lumOff val="35000"/>
+                      </a:schemeClr>
+                    </a:solidFill>
+                    <a:latin typeface="+mn-lt"/>
+                    <a:ea typeface="+mn-ea"/>
+                    <a:cs typeface="+mn-cs"/>
+                  </a:defRPr>
+                </a:pPr>
+                <a:r>
+                  <a:rPr lang="en-US"/>
+                  <a:t>Percentage</a:t>
+                </a:r>
+                <a:r>
+                  <a:rPr lang="en-US" baseline="0"/>
+                  <a:t> (%)</a:t>
+                </a:r>
+              </a:p>
+            </c:rich>
+          </c:tx>
+          <c:layout/>
+          <c:overlay val="0"/>
+          <c:spPr>
+            <a:noFill/>
+            <a:ln>
+              <a:noFill/>
+            </a:ln>
+            <a:effectLst/>
+          </c:spPr>
+          <c:txPr>
+            <a:bodyPr rot="-5400000" spcFirstLastPara="1" vertOverflow="ellipsis" vert="horz" wrap="square" anchor="ctr" anchorCtr="1"/>
+            <a:lstStyle/>
+            <a:p>
+              <a:pPr>
+                <a:defRPr sz="1000" b="0" i="0" u="none" strike="noStrike" kern="1200" baseline="0">
+                  <a:solidFill>
+                    <a:schemeClr val="tx1">
+                      <a:lumMod val="65000"/>
+                      <a:lumOff val="35000"/>
+                    </a:schemeClr>
+                  </a:solidFill>
+                  <a:latin typeface="+mn-lt"/>
+                  <a:ea typeface="+mn-ea"/>
+                  <a:cs typeface="+mn-cs"/>
+                </a:defRPr>
+              </a:pPr>
+              <a:endParaRPr lang="en-US"/>
+            </a:p>
+          </c:txPr>
+        </c:title>
+        <c:numFmt formatCode="General" sourceLinked="1"/>
+        <c:majorTickMark val="none"/>
+        <c:minorTickMark val="none"/>
+        <c:tickLblPos val="nextTo"/>
+        <c:spPr>
+          <a:noFill/>
+          <a:ln>
+            <a:noFill/>
+          </a:ln>
+          <a:effectLst/>
+        </c:spPr>
+        <c:txPr>
+          <a:bodyPr rot="-60000000" spcFirstLastPara="1" vertOverflow="ellipsis" vert="horz" wrap="square" anchor="ctr" anchorCtr="1"/>
+          <a:lstStyle/>
+          <a:p>
+            <a:pPr>
+              <a:defRPr sz="900" b="0" i="0" u="none" strike="noStrike" kern="1200" baseline="0">
+                <a:solidFill>
+                  <a:schemeClr val="tx1">
+                    <a:lumMod val="65000"/>
+                    <a:lumOff val="35000"/>
+                  </a:schemeClr>
+                </a:solidFill>
+                <a:latin typeface="+mn-lt"/>
+                <a:ea typeface="+mn-ea"/>
+                <a:cs typeface="+mn-cs"/>
+              </a:defRPr>
+            </a:pPr>
+            <a:endParaRPr lang="en-US"/>
+          </a:p>
+        </c:txPr>
+        <c:crossAx val="944621248"/>
+        <c:crosses val="autoZero"/>
+        <c:crossBetween val="between"/>
+      </c:valAx>
+      <c:spPr>
+        <a:noFill/>
+        <a:ln>
+          <a:noFill/>
+        </a:ln>
+        <a:effectLst/>
+      </c:spPr>
+    </c:plotArea>
+    <c:legend>
+      <c:legendPos val="b"/>
+      <c:layout/>
+      <c:overlay val="0"/>
+      <c:spPr>
+        <a:noFill/>
+        <a:ln>
+          <a:noFill/>
+        </a:ln>
+        <a:effectLst/>
+      </c:spPr>
+      <c:txPr>
+        <a:bodyPr rot="0" spcFirstLastPara="1" vertOverflow="ellipsis" vert="horz" wrap="square" anchor="ctr" anchorCtr="1"/>
+        <a:lstStyle/>
+        <a:p>
+          <a:pPr>
+            <a:defRPr sz="900" b="0" i="0" u="none" strike="noStrike" kern="1200" baseline="0">
+              <a:solidFill>
+                <a:schemeClr val="tx1">
+                  <a:lumMod val="65000"/>
+                  <a:lumOff val="35000"/>
+                </a:schemeClr>
+              </a:solidFill>
+              <a:latin typeface="+mn-lt"/>
+              <a:ea typeface="+mn-ea"/>
+              <a:cs typeface="+mn-cs"/>
+            </a:defRPr>
+          </a:pPr>
+          <a:endParaRPr lang="en-US"/>
+        </a:p>
+      </c:txPr>
+    </c:legend>
+    <c:plotVisOnly val="1"/>
+    <c:dispBlanksAs val="gap"/>
+    <c:showDLblsOverMax val="0"/>
+  </c:chart>
+  <c:spPr>
+    <a:noFill/>
+    <a:ln>
+      <a:noFill/>
+    </a:ln>
+    <a:effectLst/>
+  </c:spPr>
+  <c:txPr>
+    <a:bodyPr/>
+    <a:lstStyle/>
+    <a:p>
+      <a:pPr>
+        <a:defRPr/>
+      </a:pPr>
+      <a:endParaRPr lang="en-US"/>
+    </a:p>
+  </c:txPr>
+  <c:externalData r:id="rId3">
+    <c:autoUpdate val="0"/>
+  </c:externalData>
+</c:chartSpace>
+</file>
+
+<file path=ppt/charts/colors1.xml><?xml version="1.0" encoding="utf-8"?>
+<cs:colorStyle xmlns:cs="http://schemas.microsoft.com/office/drawing/2012/chartStyle" xmlns:a="http://schemas.openxmlformats.org/drawingml/2006/main" meth="cycle" id="10">
+  <a:schemeClr val="accent1"/>
+  <a:schemeClr val="accent2"/>
+  <a:schemeClr val="accent3"/>
+  <a:schemeClr val="accent4"/>
+  <a:schemeClr val="accent5"/>
+  <a:schemeClr val="accent6"/>
+  <cs:variation/>
+  <cs:variation>
+    <a:lumMod val="60000"/>
+  </cs:variation>
+  <cs:variation>
+    <a:lumMod val="80000"/>
+    <a:lumOff val="20000"/>
+  </cs:variation>
+  <cs:variation>
+    <a:lumMod val="80000"/>
+  </cs:variation>
+  <cs:variation>
+    <a:lumMod val="60000"/>
+    <a:lumOff val="40000"/>
+  </cs:variation>
+  <cs:variation>
+    <a:lumMod val="50000"/>
+  </cs:variation>
+  <cs:variation>
+    <a:lumMod val="70000"/>
+    <a:lumOff val="30000"/>
+  </cs:variation>
+  <cs:variation>
+    <a:lumMod val="70000"/>
+  </cs:variation>
+  <cs:variation>
+    <a:lumMod val="50000"/>
+    <a:lumOff val="50000"/>
+  </cs:variation>
+</cs:colorStyle>
+</file>
+
+<file path=ppt/charts/style1.xml><?xml version="1.0" encoding="utf-8"?>
+<cs:chartStyle xmlns:cs="http://schemas.microsoft.com/office/drawing/2012/chartStyle" xmlns:a="http://schemas.openxmlformats.org/drawingml/2006/main" id="201">
+  <cs:axisTitle>
+    <cs:lnRef idx="0"/>
+    <cs:fillRef idx="0"/>
+    <cs:effectRef idx="0"/>
+    <cs:fontRef idx="minor">
+      <a:schemeClr val="tx1">
+        <a:lumMod val="65000"/>
+        <a:lumOff val="35000"/>
+      </a:schemeClr>
+    </cs:fontRef>
+    <cs:defRPr sz="1000" kern="1200"/>
+  </cs:axisTitle>
+  <cs:categoryAxis>
+    <cs:lnRef idx="0"/>
+    <cs:fillRef idx="0"/>
+    <cs:effectRef idx="0"/>
+    <cs:fontRef idx="minor">
+      <a:schemeClr val="tx1">
+        <a:lumMod val="65000"/>
+        <a:lumOff val="35000"/>
+      </a:schemeClr>
+    </cs:fontRef>
+    <cs:spPr>
+      <a:ln w="9525" cap="flat" cmpd="sng" algn="ctr">
+        <a:solidFill>
+          <a:schemeClr val="tx1">
+            <a:lumMod val="15000"/>
+            <a:lumOff val="85000"/>
+          </a:schemeClr>
+        </a:solidFill>
+        <a:round/>
+      </a:ln>
+    </cs:spPr>
+    <cs:defRPr sz="900" kern="1200"/>
+  </cs:categoryAxis>
+  <cs:chartArea mods="allowNoFillOverride allowNoLineOverride">
+    <cs:lnRef idx="0"/>
+    <cs:fillRef idx="0"/>
+    <cs:effectRef idx="0"/>
+    <cs:fontRef idx="minor">
+      <a:schemeClr val="tx1"/>
+    </cs:fontRef>
+    <cs:spPr>
+      <a:solidFill>
+        <a:schemeClr val="bg1"/>
+      </a:solidFill>
+      <a:ln w="9525" cap="flat" cmpd="sng" algn="ctr">
+        <a:solidFill>
+          <a:schemeClr val="tx1">
+            <a:lumMod val="15000"/>
+            <a:lumOff val="85000"/>
+          </a:schemeClr>
+        </a:solidFill>
+        <a:round/>
+      </a:ln>
+    </cs:spPr>
+    <cs:defRPr sz="1000" kern="1200"/>
+  </cs:chartArea>
+  <cs:dataLabel>
+    <cs:lnRef idx="0"/>
+    <cs:fillRef idx="0"/>
+    <cs:effectRef idx="0"/>
+    <cs:fontRef idx="minor">
+      <a:schemeClr val="tx1">
+        <a:lumMod val="75000"/>
+        <a:lumOff val="25000"/>
+      </a:schemeClr>
+    </cs:fontRef>
+    <cs:defRPr sz="900" kern="1200"/>
+  </cs:dataLabel>
+  <cs:dataLabelCallout>
+    <cs:lnRef idx="0"/>
+    <cs:fillRef idx="0"/>
+    <cs:effectRef idx="0"/>
+    <cs:fontRef idx="minor">
+      <a:schemeClr val="dk1">
+        <a:lumMod val="65000"/>
+        <a:lumOff val="35000"/>
+      </a:schemeClr>
+    </cs:fontRef>
+    <cs:spPr>
+      <a:solidFill>
+        <a:schemeClr val="lt1"/>
+      </a:solidFill>
+      <a:ln>
+        <a:solidFill>
+          <a:schemeClr val="dk1">
+            <a:lumMod val="25000"/>
+            <a:lumOff val="75000"/>
+          </a:schemeClr>
+        </a:solidFill>
+      </a:ln>
+    </cs:spPr>
+    <cs:defRPr sz="900" kern="1200"/>
+    <cs:bodyPr rot="0" spcFirstLastPara="1" vertOverflow="clip" horzOverflow="clip" vert="horz" wrap="square" lIns="36576" tIns="18288" rIns="36576" bIns="18288" anchor="ctr" anchorCtr="1">
+      <a:spAutoFit/>
+    </cs:bodyPr>
+  </cs:dataLabelCallout>
+  <cs:dataPoint>
+    <cs:lnRef idx="0"/>
+    <cs:fillRef idx="1">
+      <cs:styleClr val="auto"/>
+    </cs:fillRef>
+    <cs:effectRef idx="0"/>
+    <cs:fontRef idx="minor">
+      <a:schemeClr val="tx1"/>
+    </cs:fontRef>
+  </cs:dataPoint>
+  <cs:dataPoint3D>
+    <cs:lnRef idx="0"/>
+    <cs:fillRef idx="1">
+      <cs:styleClr val="auto"/>
+    </cs:fillRef>
+    <cs:effectRef idx="0"/>
+    <cs:fontRef idx="minor">
+      <a:schemeClr val="tx1"/>
+    </cs:fontRef>
+  </cs:dataPoint3D>
+  <cs:dataPointLine>
+    <cs:lnRef idx="0">
+      <cs:styleClr val="auto"/>
+    </cs:lnRef>
+    <cs:fillRef idx="1"/>
+    <cs:effectRef idx="0"/>
+    <cs:fontRef idx="minor">
+      <a:schemeClr val="tx1"/>
+    </cs:fontRef>
+    <cs:spPr>
+      <a:ln w="28575" cap="rnd">
+        <a:solidFill>
+          <a:schemeClr val="phClr"/>
+        </a:solidFill>
+        <a:round/>
+      </a:ln>
+    </cs:spPr>
+  </cs:dataPointLine>
+  <cs:dataPointMarker>
+    <cs:lnRef idx="0">
+      <cs:styleClr val="auto"/>
+    </cs:lnRef>
+    <cs:fillRef idx="1">
+      <cs:styleClr val="auto"/>
+    </cs:fillRef>
+    <cs:effectRef idx="0"/>
+    <cs:fontRef idx="minor">
+      <a:schemeClr val="tx1"/>
+    </cs:fontRef>
+    <cs:spPr>
+      <a:ln w="9525">
+        <a:solidFill>
+          <a:schemeClr val="phClr"/>
+        </a:solidFill>
+      </a:ln>
+    </cs:spPr>
+  </cs:dataPointMarker>
+  <cs:dataPointMarkerLayout symbol="circle" size="5"/>
+  <cs:dataPointWireframe>
+    <cs:lnRef idx="0">
+      <cs:styleClr val="auto"/>
+    </cs:lnRef>
+    <cs:fillRef idx="1"/>
+    <cs:effectRef idx="0"/>
+    <cs:fontRef idx="minor">
+      <a:schemeClr val="tx1"/>
+    </cs:fontRef>
+    <cs:spPr>
+      <a:ln w="9525" cap="rnd">
+        <a:solidFill>
+          <a:schemeClr val="phClr"/>
+        </a:solidFill>
+        <a:round/>
+      </a:ln>
+    </cs:spPr>
+  </cs:dataPointWireframe>
+  <cs:dataTable>
+    <cs:lnRef idx="0"/>
+    <cs:fillRef idx="0"/>
+    <cs:effectRef idx="0"/>
+    <cs:fontRef idx="minor">
+      <a:schemeClr val="tx1">
+        <a:lumMod val="65000"/>
+        <a:lumOff val="35000"/>
+      </a:schemeClr>
+    </cs:fontRef>
+    <cs:spPr>
+      <a:noFill/>
+      <a:ln w="9525" cap="flat" cmpd="sng" algn="ctr">
+        <a:solidFill>
+          <a:schemeClr val="tx1">
+            <a:lumMod val="15000"/>
+            <a:lumOff val="85000"/>
+          </a:schemeClr>
+        </a:solidFill>
+        <a:round/>
+      </a:ln>
+    </cs:spPr>
+    <cs:defRPr sz="900" kern="1200"/>
+  </cs:dataTable>
+  <cs:downBar>
+    <cs:lnRef idx="0"/>
+    <cs:fillRef idx="0"/>
+    <cs:effectRef idx="0"/>
+    <cs:fontRef idx="minor">
+      <a:schemeClr val="dk1"/>
+    </cs:fontRef>
+    <cs:spPr>
+      <a:solidFill>
+        <a:schemeClr val="dk1">
+          <a:lumMod val="65000"/>
+          <a:lumOff val="35000"/>
+        </a:schemeClr>
+      </a:solidFill>
+      <a:ln w="9525">
+        <a:solidFill>
+          <a:schemeClr val="tx1">
+            <a:lumMod val="65000"/>
+            <a:lumOff val="35000"/>
+          </a:schemeClr>
+        </a:solidFill>
+      </a:ln>
+    </cs:spPr>
+  </cs:downBar>
+  <cs:dropLine>
+    <cs:lnRef idx="0"/>
+    <cs:fillRef idx="0"/>
+    <cs:effectRef idx="0"/>
+    <cs:fontRef idx="minor">
+      <a:schemeClr val="tx1"/>
+    </cs:fontRef>
+    <cs:spPr>
+      <a:ln w="9525" cap="flat" cmpd="sng" algn="ctr">
+        <a:solidFill>
+          <a:schemeClr val="tx1">
+            <a:lumMod val="35000"/>
+            <a:lumOff val="65000"/>
+          </a:schemeClr>
+        </a:solidFill>
+        <a:round/>
+      </a:ln>
+    </cs:spPr>
+  </cs:dropLine>
+  <cs:errorBar>
+    <cs:lnRef idx="0"/>
+    <cs:fillRef idx="0"/>
+    <cs:effectRef idx="0"/>
+    <cs:fontRef idx="minor">
+      <a:schemeClr val="tx1"/>
+    </cs:fontRef>
+    <cs:spPr>
+      <a:ln w="9525" cap="flat" cmpd="sng" algn="ctr">
+        <a:solidFill>
+          <a:schemeClr val="tx1">
+            <a:lumMod val="65000"/>
+            <a:lumOff val="35000"/>
+          </a:schemeClr>
+        </a:solidFill>
+        <a:round/>
+      </a:ln>
+    </cs:spPr>
+  </cs:errorBar>
+  <cs:floor>
+    <cs:lnRef idx="0"/>
+    <cs:fillRef idx="0"/>
+    <cs:effectRef idx="0"/>
+    <cs:fontRef idx="minor">
+      <a:schemeClr val="tx1"/>
+    </cs:fontRef>
+    <cs:spPr>
+      <a:noFill/>
+      <a:ln>
+        <a:noFill/>
+      </a:ln>
+    </cs:spPr>
+  </cs:floor>
+  <cs:gridlineMajor>
+    <cs:lnRef idx="0"/>
+    <cs:fillRef idx="0"/>
+    <cs:effectRef idx="0"/>
+    <cs:fontRef idx="minor">
+      <a:schemeClr val="tx1"/>
+    </cs:fontRef>
+    <cs:spPr>
+      <a:ln w="9525" cap="flat" cmpd="sng" algn="ctr">
+        <a:solidFill>
+          <a:schemeClr val="tx1">
+            <a:lumMod val="15000"/>
+            <a:lumOff val="85000"/>
+          </a:schemeClr>
+        </a:solidFill>
+        <a:round/>
+      </a:ln>
+    </cs:spPr>
+  </cs:gridlineMajor>
+  <cs:gridlineMinor>
+    <cs:lnRef idx="0"/>
+    <cs:fillRef idx="0"/>
+    <cs:effectRef idx="0"/>
+    <cs:fontRef idx="minor">
+      <a:schemeClr val="tx1"/>
+    </cs:fontRef>
+    <cs:spPr>
+      <a:ln w="9525" cap="flat" cmpd="sng" algn="ctr">
+        <a:solidFill>
+          <a:schemeClr val="tx1">
+            <a:lumMod val="5000"/>
+            <a:lumOff val="95000"/>
+          </a:schemeClr>
+        </a:solidFill>
+        <a:round/>
+      </a:ln>
+    </cs:spPr>
+  </cs:gridlineMinor>
+  <cs:hiLoLine>
+    <cs:lnRef idx="0"/>
+    <cs:fillRef idx="0"/>
+    <cs:effectRef idx="0"/>
+    <cs:fontRef idx="minor">
+      <a:schemeClr val="tx1"/>
+    </cs:fontRef>
+    <cs:spPr>
+      <a:ln w="9525" cap="flat" cmpd="sng" algn="ctr">
+        <a:solidFill>
+          <a:schemeClr val="tx1">
+            <a:lumMod val="75000"/>
+            <a:lumOff val="25000"/>
+          </a:schemeClr>
+        </a:solidFill>
+        <a:round/>
+      </a:ln>
+    </cs:spPr>
+  </cs:hiLoLine>
+  <cs:leaderLine>
+    <cs:lnRef idx="0"/>
+    <cs:fillRef idx="0"/>
+    <cs:effectRef idx="0"/>
+    <cs:fontRef idx="minor">
+      <a:schemeClr val="tx1"/>
+    </cs:fontRef>
+    <cs:spPr>
+      <a:ln w="9525" cap="flat" cmpd="sng" algn="ctr">
+        <a:solidFill>
+          <a:schemeClr val="tx1">
+            <a:lumMod val="35000"/>
+            <a:lumOff val="65000"/>
+          </a:schemeClr>
+        </a:solidFill>
+        <a:round/>
+      </a:ln>
+    </cs:spPr>
+  </cs:leaderLine>
+  <cs:legend>
+    <cs:lnRef idx="0"/>
+    <cs:fillRef idx="0"/>
+    <cs:effectRef idx="0"/>
+    <cs:fontRef idx="minor">
+      <a:schemeClr val="tx1">
+        <a:lumMod val="65000"/>
+        <a:lumOff val="35000"/>
+      </a:schemeClr>
+    </cs:fontRef>
+    <cs:defRPr sz="900" kern="1200"/>
+  </cs:legend>
+  <cs:plotArea mods="allowNoFillOverride allowNoLineOverride">
+    <cs:lnRef idx="0"/>
+    <cs:fillRef idx="0"/>
+    <cs:effectRef idx="0"/>
+    <cs:fontRef idx="minor">
+      <a:schemeClr val="tx1"/>
+    </cs:fontRef>
+  </cs:plotArea>
+  <cs:plotArea3D mods="allowNoFillOverride allowNoLineOverride">
+    <cs:lnRef idx="0"/>
+    <cs:fillRef idx="0"/>
+    <cs:effectRef idx="0"/>
+    <cs:fontRef idx="minor">
+      <a:schemeClr val="tx1"/>
+    </cs:fontRef>
+  </cs:plotArea3D>
+  <cs:seriesAxis>
+    <cs:lnRef idx="0"/>
+    <cs:fillRef idx="0"/>
+    <cs:effectRef idx="0"/>
+    <cs:fontRef idx="minor">
+      <a:schemeClr val="tx1">
+        <a:lumMod val="65000"/>
+        <a:lumOff val="35000"/>
+      </a:schemeClr>
+    </cs:fontRef>
+    <cs:defRPr sz="900" kern="1200"/>
+  </cs:seriesAxis>
+  <cs:seriesLine>
+    <cs:lnRef idx="0"/>
+    <cs:fillRef idx="0"/>
+    <cs:effectRef idx="0"/>
+    <cs:fontRef idx="minor">
+      <a:schemeClr val="tx1"/>
+    </cs:fontRef>
+    <cs:spPr>
+      <a:ln w="9525" cap="flat" cmpd="sng" algn="ctr">
+        <a:solidFill>
+          <a:schemeClr val="tx1">
+            <a:lumMod val="35000"/>
+            <a:lumOff val="65000"/>
+          </a:schemeClr>
+        </a:solidFill>
+        <a:round/>
+      </a:ln>
+    </cs:spPr>
+  </cs:seriesLine>
+  <cs:title>
+    <cs:lnRef idx="0"/>
+    <cs:fillRef idx="0"/>
+    <cs:effectRef idx="0"/>
+    <cs:fontRef idx="minor">
+      <a:schemeClr val="tx1">
+        <a:lumMod val="65000"/>
+        <a:lumOff val="35000"/>
+      </a:schemeClr>
+    </cs:fontRef>
+    <cs:defRPr sz="1400" b="0" kern="1200" spc="0" baseline="0"/>
+  </cs:title>
+  <cs:trendline>
+    <cs:lnRef idx="0">
+      <cs:styleClr val="auto"/>
+    </cs:lnRef>
+    <cs:fillRef idx="0"/>
+    <cs:effectRef idx="0"/>
+    <cs:fontRef idx="minor">
+      <a:schemeClr val="tx1"/>
+    </cs:fontRef>
+    <cs:spPr>
+      <a:ln w="19050" cap="rnd">
+        <a:solidFill>
+          <a:schemeClr val="phClr"/>
+        </a:solidFill>
+        <a:prstDash val="sysDot"/>
+      </a:ln>
+    </cs:spPr>
+  </cs:trendline>
+  <cs:trendlineLabel>
+    <cs:lnRef idx="0"/>
+    <cs:fillRef idx="0"/>
+    <cs:effectRef idx="0"/>
+    <cs:fontRef idx="minor">
+      <a:schemeClr val="tx1">
+        <a:lumMod val="65000"/>
+        <a:lumOff val="35000"/>
+      </a:schemeClr>
+    </cs:fontRef>
+    <cs:defRPr sz="900" kern="1200"/>
+  </cs:trendlineLabel>
+  <cs:upBar>
+    <cs:lnRef idx="0"/>
+    <cs:fillRef idx="0"/>
+    <cs:effectRef idx="0"/>
+    <cs:fontRef idx="minor">
+      <a:schemeClr val="dk1"/>
+    </cs:fontRef>
+    <cs:spPr>
+      <a:solidFill>
+        <a:schemeClr val="lt1"/>
+      </a:solidFill>
+      <a:ln w="9525">
+        <a:solidFill>
+          <a:schemeClr val="tx1">
+            <a:lumMod val="15000"/>
+            <a:lumOff val="85000"/>
+          </a:schemeClr>
+        </a:solidFill>
+      </a:ln>
+    </cs:spPr>
+  </cs:upBar>
+  <cs:valueAxis>
+    <cs:lnRef idx="0"/>
+    <cs:fillRef idx="0"/>
+    <cs:effectRef idx="0"/>
+    <cs:fontRef idx="minor">
+      <a:schemeClr val="tx1">
+        <a:lumMod val="65000"/>
+        <a:lumOff val="35000"/>
+      </a:schemeClr>
+    </cs:fontRef>
+    <cs:defRPr sz="900" kern="1200"/>
+  </cs:valueAxis>
+  <cs:wall>
+    <cs:lnRef idx="0"/>
+    <cs:fillRef idx="0"/>
+    <cs:effectRef idx="0"/>
+    <cs:fontRef idx="minor">
+      <a:schemeClr val="tx1"/>
+    </cs:fontRef>
+    <cs:spPr>
+      <a:noFill/>
+      <a:ln>
+        <a:noFill/>
+      </a:ln>
+    </cs:spPr>
+  </cs:wall>
+</cs:chartStyle>
 </file>
 
 <file path=ppt/slideLayouts/slideLayout1.xml><?xml version="1.0" encoding="utf-8"?>
@@ -136,8 +1192,8 @@
         </p:nvSpPr>
         <p:spPr>
           <a:xfrm>
-            <a:off x="5966460" y="14284890"/>
-            <a:ext cx="24688800" cy="3822880"/>
+            <a:off x="3977640" y="21427334"/>
+            <a:ext cx="16459200" cy="5734320"/>
           </a:xfrm>
         </p:spPr>
         <p:txBody>
@@ -146,7 +1202,7 @@
           </a:bodyPr>
           <a:lstStyle>
             <a:lvl1pPr algn="r">
-              <a:defRPr sz="23040" b="0" spc="-720">
+              <a:defRPr sz="17280" b="0" spc="-540">
                 <a:gradFill flip="none" rotWithShape="1">
                   <a:gsLst>
                     <a:gs pos="32000">
@@ -202,8 +1258,8 @@
         </p:nvSpPr>
         <p:spPr>
           <a:xfrm>
-            <a:off x="5966456" y="12255611"/>
-            <a:ext cx="24688800" cy="1979274"/>
+            <a:off x="3977638" y="18383417"/>
+            <a:ext cx="16459200" cy="2968910"/>
           </a:xfrm>
         </p:spPr>
         <p:txBody>
@@ -213,7 +1269,7 @@
           <a:lstStyle>
             <a:lvl1pPr marL="0" indent="0" algn="r">
               <a:buNone/>
-              <a:defRPr sz="7680" b="0">
+              <a:defRPr sz="5760" b="0">
                 <a:gradFill flip="none" rotWithShape="1">
                   <a:gsLst>
                     <a:gs pos="15000">
@@ -244,37 +1300,37 @@
                 <a:latin typeface="+mj-lt"/>
               </a:defRPr>
             </a:lvl1pPr>
-            <a:lvl2pPr marL="1097280" indent="0" algn="ctr">
-              <a:buNone/>
-              <a:defRPr sz="4800"/>
+            <a:lvl2pPr marL="822960" indent="0" algn="ctr">
+              <a:buNone/>
+              <a:defRPr sz="3600"/>
             </a:lvl2pPr>
-            <a:lvl3pPr marL="2194560" indent="0" algn="ctr">
-              <a:buNone/>
-              <a:defRPr sz="4320"/>
+            <a:lvl3pPr marL="1645920" indent="0" algn="ctr">
+              <a:buNone/>
+              <a:defRPr sz="3240"/>
             </a:lvl3pPr>
-            <a:lvl4pPr marL="3291840" indent="0" algn="ctr">
-              <a:buNone/>
-              <a:defRPr sz="3840"/>
+            <a:lvl4pPr marL="2468880" indent="0" algn="ctr">
+              <a:buNone/>
+              <a:defRPr sz="2880"/>
             </a:lvl4pPr>
-            <a:lvl5pPr marL="4389120" indent="0" algn="ctr">
-              <a:buNone/>
-              <a:defRPr sz="3840"/>
+            <a:lvl5pPr marL="3291840" indent="0" algn="ctr">
+              <a:buNone/>
+              <a:defRPr sz="2880"/>
             </a:lvl5pPr>
-            <a:lvl6pPr marL="5486400" indent="0" algn="ctr">
-              <a:buNone/>
-              <a:defRPr sz="3840"/>
+            <a:lvl6pPr marL="4114800" indent="0" algn="ctr">
+              <a:buNone/>
+              <a:defRPr sz="2880"/>
             </a:lvl6pPr>
-            <a:lvl7pPr marL="6583680" indent="0" algn="ctr">
-              <a:buNone/>
-              <a:defRPr sz="3840"/>
+            <a:lvl7pPr marL="4937760" indent="0" algn="ctr">
+              <a:buNone/>
+              <a:defRPr sz="2880"/>
             </a:lvl7pPr>
-            <a:lvl8pPr marL="7680960" indent="0" algn="ctr">
-              <a:buNone/>
-              <a:defRPr sz="3840"/>
+            <a:lvl8pPr marL="5760720" indent="0" algn="ctr">
+              <a:buNone/>
+              <a:defRPr sz="2880"/>
             </a:lvl8pPr>
-            <a:lvl9pPr marL="8778240" indent="0" algn="ctr">
-              <a:buNone/>
-              <a:defRPr sz="3840"/>
+            <a:lvl9pPr marL="6583680" indent="0" algn="ctr">
+              <a:buNone/>
+              <a:defRPr sz="2880"/>
             </a:lvl9pPr>
           </a:lstStyle>
           <a:p>
@@ -303,7 +1359,7 @@
           <a:p>
             <a:fld id="{97BFA24D-4487-334F-A686-89F17C89AD59}" type="datetimeFigureOut">
               <a:rPr lang="en-US" smtClean="0"/>
-              <a:t>12/6/16</a:t>
+              <a:t>12/10/16</a:t>
             </a:fld>
             <a:endParaRPr lang="en-US"/>
           </a:p>
@@ -388,15 +1444,15 @@
         </p:nvSpPr>
         <p:spPr>
           <a:xfrm>
-            <a:off x="2267428" y="13974917"/>
-            <a:ext cx="28392120" cy="2621936"/>
+            <a:off x="1511618" y="20962375"/>
+            <a:ext cx="18928080" cy="3932904"/>
           </a:xfrm>
         </p:spPr>
         <p:txBody>
           <a:bodyPr anchor="b"/>
           <a:lstStyle>
             <a:lvl1pPr>
-              <a:defRPr sz="7680"/>
+              <a:defRPr sz="5760"/>
             </a:lvl1pPr>
           </a:lstStyle>
           <a:p>
@@ -420,8 +1476,8 @@
         </p:nvSpPr>
         <p:spPr>
           <a:xfrm>
-            <a:off x="2267428" y="3159765"/>
-            <a:ext cx="28392120" cy="10815152"/>
+            <a:off x="1511618" y="4739647"/>
+            <a:ext cx="18928080" cy="16222728"/>
           </a:xfrm>
         </p:spPr>
         <p:txBody>
@@ -429,39 +1485,39 @@
           <a:lstStyle>
             <a:lvl1pPr marL="0" indent="0">
               <a:buNone/>
-              <a:defRPr sz="7680"/>
+              <a:defRPr sz="5760"/>
             </a:lvl1pPr>
-            <a:lvl2pPr marL="1097280" indent="0">
-              <a:buNone/>
-              <a:defRPr sz="6720"/>
+            <a:lvl2pPr marL="822960" indent="0">
+              <a:buNone/>
+              <a:defRPr sz="5040"/>
             </a:lvl2pPr>
-            <a:lvl3pPr marL="2194560" indent="0">
-              <a:buNone/>
-              <a:defRPr sz="5760"/>
+            <a:lvl3pPr marL="1645920" indent="0">
+              <a:buNone/>
+              <a:defRPr sz="4320"/>
             </a:lvl3pPr>
-            <a:lvl4pPr marL="3291840" indent="0">
-              <a:buNone/>
-              <a:defRPr sz="4800"/>
+            <a:lvl4pPr marL="2468880" indent="0">
+              <a:buNone/>
+              <a:defRPr sz="3600"/>
             </a:lvl4pPr>
-            <a:lvl5pPr marL="4389120" indent="0">
-              <a:buNone/>
-              <a:defRPr sz="4800"/>
+            <a:lvl5pPr marL="3291840" indent="0">
+              <a:buNone/>
+              <a:defRPr sz="3600"/>
             </a:lvl5pPr>
-            <a:lvl6pPr marL="5486400" indent="0">
-              <a:buNone/>
-              <a:defRPr sz="4800"/>
+            <a:lvl6pPr marL="4114800" indent="0">
+              <a:buNone/>
+              <a:defRPr sz="3600"/>
             </a:lvl6pPr>
-            <a:lvl7pPr marL="6583680" indent="0">
-              <a:buNone/>
-              <a:defRPr sz="4800"/>
+            <a:lvl7pPr marL="4937760" indent="0">
+              <a:buNone/>
+              <a:defRPr sz="3600"/>
             </a:lvl7pPr>
-            <a:lvl8pPr marL="7680960" indent="0">
-              <a:buNone/>
-              <a:defRPr sz="4800"/>
+            <a:lvl8pPr marL="5760720" indent="0">
+              <a:buNone/>
+              <a:defRPr sz="3600"/>
             </a:lvl8pPr>
-            <a:lvl9pPr marL="8778240" indent="0">
-              <a:buNone/>
-              <a:defRPr sz="4800"/>
+            <a:lvl9pPr marL="6583680" indent="0">
+              <a:buNone/>
+              <a:defRPr sz="3600"/>
             </a:lvl9pPr>
           </a:lstStyle>
           <a:p>
@@ -485,8 +1541,8 @@
         </p:nvSpPr>
         <p:spPr>
           <a:xfrm>
-            <a:off x="2267430" y="16596851"/>
-            <a:ext cx="28387832" cy="2183910"/>
+            <a:off x="1511619" y="24895277"/>
+            <a:ext cx="18925222" cy="3275866"/>
           </a:xfrm>
         </p:spPr>
         <p:txBody>
@@ -494,7 +1550,7 @@
           <a:lstStyle>
             <a:lvl1pPr marL="0" indent="0">
               <a:buNone/>
-              <a:defRPr sz="3840">
+              <a:defRPr sz="2880">
                 <a:gradFill>
                   <a:gsLst>
                     <a:gs pos="15000">
@@ -520,37 +1576,37 @@
                 </a:gradFill>
               </a:defRPr>
             </a:lvl1pPr>
-            <a:lvl2pPr marL="1097280" indent="0">
-              <a:buNone/>
-              <a:defRPr sz="3360"/>
+            <a:lvl2pPr marL="822960" indent="0">
+              <a:buNone/>
+              <a:defRPr sz="2520"/>
             </a:lvl2pPr>
-            <a:lvl3pPr marL="2194560" indent="0">
-              <a:buNone/>
-              <a:defRPr sz="2880"/>
+            <a:lvl3pPr marL="1645920" indent="0">
+              <a:buNone/>
+              <a:defRPr sz="2160"/>
             </a:lvl3pPr>
-            <a:lvl4pPr marL="3291840" indent="0">
-              <a:buNone/>
-              <a:defRPr sz="2400"/>
+            <a:lvl4pPr marL="2468880" indent="0">
+              <a:buNone/>
+              <a:defRPr sz="1800"/>
             </a:lvl4pPr>
-            <a:lvl5pPr marL="4389120" indent="0">
-              <a:buNone/>
-              <a:defRPr sz="2400"/>
+            <a:lvl5pPr marL="3291840" indent="0">
+              <a:buNone/>
+              <a:defRPr sz="1800"/>
             </a:lvl5pPr>
-            <a:lvl6pPr marL="5486400" indent="0">
-              <a:buNone/>
-              <a:defRPr sz="2400"/>
+            <a:lvl6pPr marL="4114800" indent="0">
+              <a:buNone/>
+              <a:defRPr sz="1800"/>
             </a:lvl6pPr>
-            <a:lvl7pPr marL="6583680" indent="0">
-              <a:buNone/>
-              <a:defRPr sz="2400"/>
+            <a:lvl7pPr marL="4937760" indent="0">
+              <a:buNone/>
+              <a:defRPr sz="1800"/>
             </a:lvl7pPr>
-            <a:lvl8pPr marL="7680960" indent="0">
-              <a:buNone/>
-              <a:defRPr sz="2400"/>
+            <a:lvl8pPr marL="5760720" indent="0">
+              <a:buNone/>
+              <a:defRPr sz="1800"/>
             </a:lvl8pPr>
-            <a:lvl9pPr marL="8778240" indent="0">
-              <a:buNone/>
-              <a:defRPr sz="2400"/>
+            <a:lvl9pPr marL="6583680" indent="0">
+              <a:buNone/>
+              <a:defRPr sz="1800"/>
             </a:lvl9pPr>
           </a:lstStyle>
           <a:p>
@@ -579,7 +1635,7 @@
           <a:p>
             <a:fld id="{97BFA24D-4487-334F-A686-89F17C89AD59}" type="datetimeFigureOut">
               <a:rPr lang="en-US" smtClean="0"/>
-              <a:t>12/6/16</a:t>
+              <a:t>12/10/16</a:t>
             </a:fld>
             <a:endParaRPr lang="en-US"/>
           </a:p>
@@ -664,15 +1720,15 @@
         </p:nvSpPr>
         <p:spPr>
           <a:xfrm>
-            <a:off x="2267428" y="1168400"/>
-            <a:ext cx="28392120" cy="11309901"/>
+            <a:off x="1511618" y="1752600"/>
+            <a:ext cx="18928080" cy="16964851"/>
           </a:xfrm>
         </p:spPr>
         <p:txBody>
           <a:bodyPr anchor="ctr"/>
           <a:lstStyle>
             <a:lvl1pPr>
-              <a:defRPr sz="7680"/>
+              <a:defRPr sz="5760"/>
             </a:lvl1pPr>
           </a:lstStyle>
           <a:p>
@@ -696,8 +1752,8 @@
         </p:nvSpPr>
         <p:spPr>
           <a:xfrm>
-            <a:off x="2267430" y="14366077"/>
-            <a:ext cx="28387832" cy="4805843"/>
+            <a:off x="1511619" y="21549115"/>
+            <a:ext cx="18925222" cy="7208765"/>
           </a:xfrm>
         </p:spPr>
         <p:txBody>
@@ -705,39 +1761,39 @@
           <a:lstStyle>
             <a:lvl1pPr marL="0" indent="0">
               <a:buNone/>
-              <a:defRPr sz="3840"/>
+              <a:defRPr sz="2880"/>
             </a:lvl1pPr>
-            <a:lvl2pPr marL="1097280" indent="0">
-              <a:buNone/>
-              <a:defRPr sz="3360"/>
+            <a:lvl2pPr marL="822960" indent="0">
+              <a:buNone/>
+              <a:defRPr sz="2520"/>
             </a:lvl2pPr>
-            <a:lvl3pPr marL="2194560" indent="0">
-              <a:buNone/>
-              <a:defRPr sz="2880"/>
+            <a:lvl3pPr marL="1645920" indent="0">
+              <a:buNone/>
+              <a:defRPr sz="2160"/>
             </a:lvl3pPr>
-            <a:lvl4pPr marL="3291840" indent="0">
-              <a:buNone/>
-              <a:defRPr sz="2400"/>
+            <a:lvl4pPr marL="2468880" indent="0">
+              <a:buNone/>
+              <a:defRPr sz="1800"/>
             </a:lvl4pPr>
-            <a:lvl5pPr marL="4389120" indent="0">
-              <a:buNone/>
-              <a:defRPr sz="2400"/>
+            <a:lvl5pPr marL="3291840" indent="0">
+              <a:buNone/>
+              <a:defRPr sz="1800"/>
             </a:lvl5pPr>
-            <a:lvl6pPr marL="5486400" indent="0">
-              <a:buNone/>
-              <a:defRPr sz="2400"/>
+            <a:lvl6pPr marL="4114800" indent="0">
+              <a:buNone/>
+              <a:defRPr sz="1800"/>
             </a:lvl6pPr>
-            <a:lvl7pPr marL="6583680" indent="0">
-              <a:buNone/>
-              <a:defRPr sz="2400"/>
+            <a:lvl7pPr marL="4937760" indent="0">
+              <a:buNone/>
+              <a:defRPr sz="1800"/>
             </a:lvl7pPr>
-            <a:lvl8pPr marL="7680960" indent="0">
-              <a:buNone/>
-              <a:defRPr sz="2400"/>
+            <a:lvl8pPr marL="5760720" indent="0">
+              <a:buNone/>
+              <a:defRPr sz="1800"/>
             </a:lvl8pPr>
-            <a:lvl9pPr marL="8778240" indent="0">
-              <a:buNone/>
-              <a:defRPr sz="2400"/>
+            <a:lvl9pPr marL="6583680" indent="0">
+              <a:buNone/>
+              <a:defRPr sz="1800"/>
             </a:lvl9pPr>
           </a:lstStyle>
           <a:p>
@@ -766,7 +1822,7 @@
           <a:p>
             <a:fld id="{97BFA24D-4487-334F-A686-89F17C89AD59}" type="datetimeFigureOut">
               <a:rPr lang="en-US" smtClean="0"/>
-              <a:t>12/6/16</a:t>
+              <a:t>12/10/16</a:t>
             </a:fld>
             <a:endParaRPr lang="en-US"/>
           </a:p>
@@ -851,15 +1907,15 @@
         </p:nvSpPr>
         <p:spPr>
           <a:xfrm>
-            <a:off x="3904773" y="1168400"/>
-            <a:ext cx="25117430" cy="9577293"/>
+            <a:off x="2603181" y="1752600"/>
+            <a:ext cx="16744954" cy="14365939"/>
           </a:xfrm>
         </p:spPr>
         <p:txBody>
           <a:bodyPr anchor="ctr"/>
           <a:lstStyle>
             <a:lvl1pPr>
-              <a:defRPr sz="10560"/>
+              <a:defRPr sz="7920"/>
             </a:lvl1pPr>
           </a:lstStyle>
           <a:p>
@@ -883,8 +1939,8 @@
         </p:nvSpPr>
         <p:spPr>
           <a:xfrm>
-            <a:off x="4645743" y="10769782"/>
-            <a:ext cx="23631206" cy="1756698"/>
+            <a:off x="3097161" y="16154674"/>
+            <a:ext cx="15754138" cy="2635046"/>
           </a:xfrm>
         </p:spPr>
         <p:txBody>
@@ -894,39 +1950,39 @@
           <a:lstStyle>
             <a:lvl1pPr marL="0" indent="0">
               <a:buNone/>
-              <a:defRPr sz="3360"/>
+              <a:defRPr sz="2520"/>
             </a:lvl1pPr>
-            <a:lvl2pPr marL="1097280" indent="0">
-              <a:buNone/>
-              <a:defRPr sz="3360"/>
+            <a:lvl2pPr marL="822960" indent="0">
+              <a:buNone/>
+              <a:defRPr sz="2520"/>
             </a:lvl2pPr>
-            <a:lvl3pPr marL="2194560" indent="0">
-              <a:buNone/>
-              <a:defRPr sz="2880"/>
+            <a:lvl3pPr marL="1645920" indent="0">
+              <a:buNone/>
+              <a:defRPr sz="2160"/>
             </a:lvl3pPr>
-            <a:lvl4pPr marL="3291840" indent="0">
-              <a:buNone/>
-              <a:defRPr sz="2400"/>
+            <a:lvl4pPr marL="2468880" indent="0">
+              <a:buNone/>
+              <a:defRPr sz="1800"/>
             </a:lvl4pPr>
-            <a:lvl5pPr marL="4389120" indent="0">
-              <a:buNone/>
-              <a:defRPr sz="2400"/>
+            <a:lvl5pPr marL="3291840" indent="0">
+              <a:buNone/>
+              <a:defRPr sz="1800"/>
             </a:lvl5pPr>
-            <a:lvl6pPr marL="5486400" indent="0">
-              <a:buNone/>
-              <a:defRPr sz="2400"/>
+            <a:lvl6pPr marL="4114800" indent="0">
+              <a:buNone/>
+              <a:defRPr sz="1800"/>
             </a:lvl6pPr>
-            <a:lvl7pPr marL="6583680" indent="0">
-              <a:buNone/>
-              <a:defRPr sz="2400"/>
+            <a:lvl7pPr marL="4937760" indent="0">
+              <a:buNone/>
+              <a:defRPr sz="1800"/>
             </a:lvl7pPr>
-            <a:lvl8pPr marL="7680960" indent="0">
-              <a:buNone/>
-              <a:defRPr sz="2400"/>
+            <a:lvl8pPr marL="5760720" indent="0">
+              <a:buNone/>
+              <a:defRPr sz="1800"/>
             </a:lvl8pPr>
-            <a:lvl9pPr marL="8778240" indent="0">
-              <a:buNone/>
-              <a:defRPr sz="2400"/>
+            <a:lvl9pPr marL="6583680" indent="0">
+              <a:buNone/>
+              <a:defRPr sz="1800"/>
             </a:lvl9pPr>
           </a:lstStyle>
           <a:p>
@@ -950,8 +2006,8 @@
         </p:nvSpPr>
         <p:spPr>
           <a:xfrm>
-            <a:off x="2263140" y="14405533"/>
-            <a:ext cx="28383545" cy="4766387"/>
+            <a:off x="1508760" y="21608299"/>
+            <a:ext cx="18922363" cy="7149581"/>
           </a:xfrm>
         </p:spPr>
         <p:txBody>
@@ -961,39 +2017,39 @@
           <a:lstStyle>
             <a:lvl1pPr marL="0" indent="0">
               <a:buNone/>
-              <a:defRPr sz="3840"/>
+              <a:defRPr sz="2880"/>
             </a:lvl1pPr>
-            <a:lvl2pPr marL="1097280" indent="0">
-              <a:buNone/>
-              <a:defRPr sz="3360"/>
+            <a:lvl2pPr marL="822960" indent="0">
+              <a:buNone/>
+              <a:defRPr sz="2520"/>
             </a:lvl2pPr>
-            <a:lvl3pPr marL="2194560" indent="0">
-              <a:buNone/>
-              <a:defRPr sz="2880"/>
+            <a:lvl3pPr marL="1645920" indent="0">
+              <a:buNone/>
+              <a:defRPr sz="2160"/>
             </a:lvl3pPr>
-            <a:lvl4pPr marL="3291840" indent="0">
-              <a:buNone/>
-              <a:defRPr sz="2400"/>
+            <a:lvl4pPr marL="2468880" indent="0">
+              <a:buNone/>
+              <a:defRPr sz="1800"/>
             </a:lvl4pPr>
-            <a:lvl5pPr marL="4389120" indent="0">
-              <a:buNone/>
-              <a:defRPr sz="2400"/>
+            <a:lvl5pPr marL="3291840" indent="0">
+              <a:buNone/>
+              <a:defRPr sz="1800"/>
             </a:lvl5pPr>
-            <a:lvl6pPr marL="5486400" indent="0">
-              <a:buNone/>
-              <a:defRPr sz="2400"/>
+            <a:lvl6pPr marL="4114800" indent="0">
+              <a:buNone/>
+              <a:defRPr sz="1800"/>
             </a:lvl6pPr>
-            <a:lvl7pPr marL="6583680" indent="0">
-              <a:buNone/>
-              <a:defRPr sz="2400"/>
+            <a:lvl7pPr marL="4937760" indent="0">
+              <a:buNone/>
+              <a:defRPr sz="1800"/>
             </a:lvl7pPr>
-            <a:lvl8pPr marL="7680960" indent="0">
-              <a:buNone/>
-              <a:defRPr sz="2400"/>
+            <a:lvl8pPr marL="5760720" indent="0">
+              <a:buNone/>
+              <a:defRPr sz="1800"/>
             </a:lvl8pPr>
-            <a:lvl9pPr marL="8778240" indent="0">
-              <a:buNone/>
-              <a:defRPr sz="2400"/>
+            <a:lvl9pPr marL="6583680" indent="0">
+              <a:buNone/>
+              <a:defRPr sz="1800"/>
             </a:lvl9pPr>
           </a:lstStyle>
           <a:p>
@@ -1022,7 +2078,7 @@
           <a:p>
             <a:fld id="{97BFA24D-4487-334F-A686-89F17C89AD59}" type="datetimeFigureOut">
               <a:rPr lang="en-US" smtClean="0"/>
-              <a:t>12/6/16</a:t>
+              <a:t>12/10/16</a:t>
             </a:fld>
             <a:endParaRPr lang="en-US"/>
           </a:p>
@@ -1078,15 +2134,15 @@
         </p:nvSpPr>
         <p:spPr>
           <a:xfrm>
-            <a:off x="2999819" y="2517837"/>
-            <a:ext cx="1645920" cy="1871283"/>
+            <a:off x="1999879" y="3776755"/>
+            <a:ext cx="1097280" cy="2806925"/>
           </a:xfrm>
           <a:prstGeom prst="rect">
             <a:avLst/>
           </a:prstGeom>
         </p:spPr>
         <p:txBody>
-          <a:bodyPr vert="horz" lIns="219456" tIns="109728" rIns="219456" bIns="109728" rtlCol="0" anchor="ctr">
+          <a:bodyPr vert="horz" lIns="164592" tIns="82296" rIns="164592" bIns="82296" rtlCol="0" anchor="ctr">
             <a:noAutofit/>
           </a:bodyPr>
           <a:lstStyle>
@@ -1175,7 +2231,7 @@
           <a:p>
             <a:pPr lvl="0"/>
             <a:r>
-              <a:rPr lang="en-US" sz="19200" dirty="0">
+              <a:rPr lang="en-US" sz="14400" dirty="0">
                 <a:solidFill>
                   <a:schemeClr val="tx1"/>
                 </a:solidFill>
@@ -1194,15 +2250,15 @@
         </p:nvSpPr>
         <p:spPr>
           <a:xfrm>
-            <a:off x="28182092" y="8778240"/>
-            <a:ext cx="1645920" cy="1871283"/>
+            <a:off x="18788062" y="13167360"/>
+            <a:ext cx="1097280" cy="2806925"/>
           </a:xfrm>
           <a:prstGeom prst="rect">
             <a:avLst/>
           </a:prstGeom>
         </p:spPr>
         <p:txBody>
-          <a:bodyPr vert="horz" lIns="219456" tIns="109728" rIns="219456" bIns="109728" rtlCol="0" anchor="ctr">
+          <a:bodyPr vert="horz" lIns="164592" tIns="82296" rIns="164592" bIns="82296" rtlCol="0" anchor="ctr">
             <a:noAutofit/>
           </a:bodyPr>
           <a:lstStyle>
@@ -1291,7 +2347,7 @@
           <a:p>
             <a:pPr lvl="0" algn="r"/>
             <a:r>
-              <a:rPr lang="en-US" sz="19200" dirty="0">
+              <a:rPr lang="en-US" sz="14400" dirty="0">
                 <a:solidFill>
                   <a:schemeClr val="tx1"/>
                 </a:solidFill>
@@ -1339,8 +2395,8 @@
         </p:nvSpPr>
         <p:spPr>
           <a:xfrm>
-            <a:off x="2267428" y="7446299"/>
-            <a:ext cx="28392120" cy="8037872"/>
+            <a:off x="1511618" y="11169449"/>
+            <a:ext cx="18928080" cy="12056808"/>
           </a:xfrm>
         </p:spPr>
         <p:txBody>
@@ -1349,7 +2405,7 @@
           </a:bodyPr>
           <a:lstStyle>
             <a:lvl1pPr>
-              <a:defRPr sz="12960"/>
+              <a:defRPr sz="9720"/>
             </a:lvl1pPr>
           </a:lstStyle>
           <a:p>
@@ -1373,8 +2429,8 @@
         </p:nvSpPr>
         <p:spPr>
           <a:xfrm>
-            <a:off x="2267430" y="15521859"/>
-            <a:ext cx="28387832" cy="3650061"/>
+            <a:off x="1511619" y="23282789"/>
+            <a:ext cx="18925222" cy="5475091"/>
           </a:xfrm>
         </p:spPr>
         <p:txBody>
@@ -1382,39 +2438,39 @@
           <a:lstStyle>
             <a:lvl1pPr marL="0" indent="0">
               <a:buNone/>
-              <a:defRPr sz="3840"/>
+              <a:defRPr sz="2880"/>
             </a:lvl1pPr>
-            <a:lvl2pPr marL="1097280" indent="0">
-              <a:buNone/>
-              <a:defRPr sz="3360"/>
+            <a:lvl2pPr marL="822960" indent="0">
+              <a:buNone/>
+              <a:defRPr sz="2520"/>
             </a:lvl2pPr>
-            <a:lvl3pPr marL="2194560" indent="0">
-              <a:buNone/>
-              <a:defRPr sz="2880"/>
+            <a:lvl3pPr marL="1645920" indent="0">
+              <a:buNone/>
+              <a:defRPr sz="2160"/>
             </a:lvl3pPr>
-            <a:lvl4pPr marL="3291840" indent="0">
-              <a:buNone/>
-              <a:defRPr sz="2400"/>
+            <a:lvl4pPr marL="2468880" indent="0">
+              <a:buNone/>
+              <a:defRPr sz="1800"/>
             </a:lvl4pPr>
-            <a:lvl5pPr marL="4389120" indent="0">
-              <a:buNone/>
-              <a:defRPr sz="2400"/>
+            <a:lvl5pPr marL="3291840" indent="0">
+              <a:buNone/>
+              <a:defRPr sz="1800"/>
             </a:lvl5pPr>
-            <a:lvl6pPr marL="5486400" indent="0">
-              <a:buNone/>
-              <a:defRPr sz="2400"/>
+            <a:lvl6pPr marL="4114800" indent="0">
+              <a:buNone/>
+              <a:defRPr sz="1800"/>
             </a:lvl6pPr>
-            <a:lvl7pPr marL="6583680" indent="0">
-              <a:buNone/>
-              <a:defRPr sz="2400"/>
+            <a:lvl7pPr marL="4937760" indent="0">
+              <a:buNone/>
+              <a:defRPr sz="1800"/>
             </a:lvl7pPr>
-            <a:lvl8pPr marL="7680960" indent="0">
-              <a:buNone/>
-              <a:defRPr sz="2400"/>
+            <a:lvl8pPr marL="5760720" indent="0">
+              <a:buNone/>
+              <a:defRPr sz="1800"/>
             </a:lvl8pPr>
-            <a:lvl9pPr marL="8778240" indent="0">
-              <a:buNone/>
-              <a:defRPr sz="2400"/>
+            <a:lvl9pPr marL="6583680" indent="0">
+              <a:buNone/>
+              <a:defRPr sz="1800"/>
             </a:lvl9pPr>
           </a:lstStyle>
           <a:p>
@@ -1443,7 +2499,7 @@
           <a:p>
             <a:fld id="{97BFA24D-4487-334F-A686-89F17C89AD59}" type="datetimeFigureOut">
               <a:rPr lang="en-US" smtClean="0"/>
-              <a:t>12/6/16</a:t>
+              <a:t>12/10/16</a:t>
             </a:fld>
             <a:endParaRPr lang="en-US"/>
           </a:p>
@@ -1528,8 +2584,8 @@
         </p:nvSpPr>
         <p:spPr>
           <a:xfrm>
-            <a:off x="2263140" y="1168405"/>
-            <a:ext cx="28392120" cy="4241802"/>
+            <a:off x="1508760" y="1752607"/>
+            <a:ext cx="18928080" cy="6362702"/>
           </a:xfrm>
         </p:spPr>
         <p:txBody>
@@ -1556,8 +2612,8 @@
         </p:nvSpPr>
         <p:spPr>
           <a:xfrm>
-            <a:off x="3610660" y="6035040"/>
-            <a:ext cx="7956540" cy="1844038"/>
+            <a:off x="2407106" y="9052560"/>
+            <a:ext cx="5304360" cy="2766058"/>
           </a:xfrm>
         </p:spPr>
         <p:txBody>
@@ -1567,7 +2623,7 @@
           <a:lstStyle>
             <a:lvl1pPr marL="0" indent="0">
               <a:buNone/>
-              <a:defRPr sz="5760" b="0">
+              <a:defRPr sz="4320" b="0">
                 <a:gradFill>
                   <a:gsLst>
                     <a:gs pos="15000">
@@ -1596,37 +2652,37 @@
                 </a:gradFill>
               </a:defRPr>
             </a:lvl1pPr>
-            <a:lvl2pPr marL="1097280" indent="0">
-              <a:buNone/>
-              <a:defRPr sz="4800" b="1"/>
+            <a:lvl2pPr marL="822960" indent="0">
+              <a:buNone/>
+              <a:defRPr sz="3600" b="1"/>
             </a:lvl2pPr>
-            <a:lvl3pPr marL="2194560" indent="0">
-              <a:buNone/>
-              <a:defRPr sz="4320" b="1"/>
+            <a:lvl3pPr marL="1645920" indent="0">
+              <a:buNone/>
+              <a:defRPr sz="3240" b="1"/>
             </a:lvl3pPr>
-            <a:lvl4pPr marL="3291840" indent="0">
-              <a:buNone/>
-              <a:defRPr sz="3840" b="1"/>
+            <a:lvl4pPr marL="2468880" indent="0">
+              <a:buNone/>
+              <a:defRPr sz="2880" b="1"/>
             </a:lvl4pPr>
-            <a:lvl5pPr marL="4389120" indent="0">
-              <a:buNone/>
-              <a:defRPr sz="3840" b="1"/>
+            <a:lvl5pPr marL="3291840" indent="0">
+              <a:buNone/>
+              <a:defRPr sz="2880" b="1"/>
             </a:lvl5pPr>
-            <a:lvl6pPr marL="5486400" indent="0">
-              <a:buNone/>
-              <a:defRPr sz="3840" b="1"/>
+            <a:lvl6pPr marL="4114800" indent="0">
+              <a:buNone/>
+              <a:defRPr sz="2880" b="1"/>
             </a:lvl6pPr>
-            <a:lvl7pPr marL="6583680" indent="0">
-              <a:buNone/>
-              <a:defRPr sz="3840" b="1"/>
+            <a:lvl7pPr marL="4937760" indent="0">
+              <a:buNone/>
+              <a:defRPr sz="2880" b="1"/>
             </a:lvl7pPr>
-            <a:lvl8pPr marL="7680960" indent="0">
-              <a:buNone/>
-              <a:defRPr sz="3840" b="1"/>
+            <a:lvl8pPr marL="5760720" indent="0">
+              <a:buNone/>
+              <a:defRPr sz="2880" b="1"/>
             </a:lvl8pPr>
-            <a:lvl9pPr marL="8778240" indent="0">
-              <a:buNone/>
-              <a:defRPr sz="3840" b="1"/>
+            <a:lvl9pPr marL="6583680" indent="0">
+              <a:buNone/>
+              <a:defRPr sz="2880" b="1"/>
             </a:lvl9pPr>
           </a:lstStyle>
           <a:p>
@@ -1650,8 +2706,8 @@
         </p:nvSpPr>
         <p:spPr>
           <a:xfrm>
-            <a:off x="3663355" y="8229600"/>
-            <a:ext cx="7903847" cy="11485882"/>
+            <a:off x="2442237" y="12344400"/>
+            <a:ext cx="5269231" cy="17228822"/>
           </a:xfrm>
         </p:spPr>
         <p:txBody>
@@ -1661,39 +2717,39 @@
           <a:lstStyle>
             <a:lvl1pPr marL="0" indent="0">
               <a:buNone/>
-              <a:defRPr sz="3360"/>
+              <a:defRPr sz="2520"/>
             </a:lvl1pPr>
-            <a:lvl2pPr marL="1097280" indent="0">
-              <a:buNone/>
-              <a:defRPr sz="2880"/>
+            <a:lvl2pPr marL="822960" indent="0">
+              <a:buNone/>
+              <a:defRPr sz="2160"/>
             </a:lvl2pPr>
-            <a:lvl3pPr marL="2194560" indent="0">
-              <a:buNone/>
-              <a:defRPr sz="2400"/>
+            <a:lvl3pPr marL="1645920" indent="0">
+              <a:buNone/>
+              <a:defRPr sz="1800"/>
             </a:lvl3pPr>
-            <a:lvl4pPr marL="3291840" indent="0">
-              <a:buNone/>
-              <a:defRPr sz="2160"/>
+            <a:lvl4pPr marL="2468880" indent="0">
+              <a:buNone/>
+              <a:defRPr sz="1620"/>
             </a:lvl4pPr>
-            <a:lvl5pPr marL="4389120" indent="0">
-              <a:buNone/>
-              <a:defRPr sz="2160"/>
+            <a:lvl5pPr marL="3291840" indent="0">
+              <a:buNone/>
+              <a:defRPr sz="1620"/>
             </a:lvl5pPr>
-            <a:lvl6pPr marL="5486400" indent="0">
-              <a:buNone/>
-              <a:defRPr sz="2160"/>
+            <a:lvl6pPr marL="4114800" indent="0">
+              <a:buNone/>
+              <a:defRPr sz="1620"/>
             </a:lvl6pPr>
-            <a:lvl7pPr marL="6583680" indent="0">
-              <a:buNone/>
-              <a:defRPr sz="2160"/>
+            <a:lvl7pPr marL="4937760" indent="0">
+              <a:buNone/>
+              <a:defRPr sz="1620"/>
             </a:lvl7pPr>
-            <a:lvl8pPr marL="7680960" indent="0">
-              <a:buNone/>
-              <a:defRPr sz="2160"/>
+            <a:lvl8pPr marL="5760720" indent="0">
+              <a:buNone/>
+              <a:defRPr sz="1620"/>
             </a:lvl8pPr>
-            <a:lvl9pPr marL="8778240" indent="0">
-              <a:buNone/>
-              <a:defRPr sz="2160"/>
+            <a:lvl9pPr marL="6583680" indent="0">
+              <a:buNone/>
+              <a:defRPr sz="1620"/>
             </a:lvl9pPr>
           </a:lstStyle>
           <a:p>
@@ -1717,8 +2773,8 @@
         </p:nvSpPr>
         <p:spPr>
           <a:xfrm>
-            <a:off x="12387587" y="6035040"/>
-            <a:ext cx="7927852" cy="1844038"/>
+            <a:off x="8258392" y="9052560"/>
+            <a:ext cx="5285234" cy="2766058"/>
           </a:xfrm>
         </p:spPr>
         <p:txBody>
@@ -1728,7 +2784,7 @@
           <a:lstStyle>
             <a:lvl1pPr>
               <a:buNone/>
-              <a:defRPr lang="en-US" sz="5760" b="0">
+              <a:defRPr lang="en-US" sz="4320" b="0">
                 <a:gradFill>
                   <a:gsLst>
                     <a:gs pos="15000">
@@ -1781,8 +2837,8 @@
         </p:nvSpPr>
         <p:spPr>
           <a:xfrm>
-            <a:off x="12359091" y="8229600"/>
-            <a:ext cx="7956346" cy="11485882"/>
+            <a:off x="8239395" y="12344400"/>
+            <a:ext cx="5304230" cy="17228822"/>
           </a:xfrm>
         </p:spPr>
         <p:txBody>
@@ -1792,39 +2848,39 @@
           <a:lstStyle>
             <a:lvl1pPr marL="0" indent="0">
               <a:buNone/>
-              <a:defRPr sz="3360"/>
+              <a:defRPr sz="2520"/>
             </a:lvl1pPr>
-            <a:lvl2pPr marL="1097280" indent="0">
-              <a:buNone/>
-              <a:defRPr sz="2880"/>
+            <a:lvl2pPr marL="822960" indent="0">
+              <a:buNone/>
+              <a:defRPr sz="2160"/>
             </a:lvl2pPr>
-            <a:lvl3pPr marL="2194560" indent="0">
-              <a:buNone/>
-              <a:defRPr sz="2400"/>
+            <a:lvl3pPr marL="1645920" indent="0">
+              <a:buNone/>
+              <a:defRPr sz="1800"/>
             </a:lvl3pPr>
-            <a:lvl4pPr marL="3291840" indent="0">
-              <a:buNone/>
-              <a:defRPr sz="2160"/>
+            <a:lvl4pPr marL="2468880" indent="0">
+              <a:buNone/>
+              <a:defRPr sz="1620"/>
             </a:lvl4pPr>
-            <a:lvl5pPr marL="4389120" indent="0">
-              <a:buNone/>
-              <a:defRPr sz="2160"/>
+            <a:lvl5pPr marL="3291840" indent="0">
+              <a:buNone/>
+              <a:defRPr sz="1620"/>
             </a:lvl5pPr>
-            <a:lvl6pPr marL="5486400" indent="0">
-              <a:buNone/>
-              <a:defRPr sz="2160"/>
+            <a:lvl6pPr marL="4114800" indent="0">
+              <a:buNone/>
+              <a:defRPr sz="1620"/>
             </a:lvl6pPr>
-            <a:lvl7pPr marL="6583680" indent="0">
-              <a:buNone/>
-              <a:defRPr sz="2160"/>
+            <a:lvl7pPr marL="4937760" indent="0">
+              <a:buNone/>
+              <a:defRPr sz="1620"/>
             </a:lvl7pPr>
-            <a:lvl8pPr marL="7680960" indent="0">
-              <a:buNone/>
-              <a:defRPr sz="2160"/>
+            <a:lvl8pPr marL="5760720" indent="0">
+              <a:buNone/>
+              <a:defRPr sz="1620"/>
             </a:lvl8pPr>
-            <a:lvl9pPr marL="8778240" indent="0">
-              <a:buNone/>
-              <a:defRPr sz="2160"/>
+            <a:lvl9pPr marL="6583680" indent="0">
+              <a:buNone/>
+              <a:defRPr sz="1620"/>
             </a:lvl9pPr>
           </a:lstStyle>
           <a:p>
@@ -1848,8 +2904,8 @@
         </p:nvSpPr>
         <p:spPr>
           <a:xfrm>
-            <a:off x="21138399" y="6035040"/>
-            <a:ext cx="7916706" cy="1844038"/>
+            <a:off x="14092266" y="9052560"/>
+            <a:ext cx="5277804" cy="2766058"/>
           </a:xfrm>
         </p:spPr>
         <p:txBody>
@@ -1859,7 +2915,7 @@
           <a:lstStyle>
             <a:lvl1pPr>
               <a:buNone/>
-              <a:defRPr lang="en-US" sz="5760" b="0" dirty="0">
+              <a:defRPr lang="en-US" sz="4320" b="0" dirty="0">
                 <a:gradFill>
                   <a:gsLst>
                     <a:gs pos="15000">
@@ -1912,8 +2968,8 @@
         </p:nvSpPr>
         <p:spPr>
           <a:xfrm>
-            <a:off x="21138399" y="8229600"/>
-            <a:ext cx="7916706" cy="11485882"/>
+            <a:off x="14092266" y="12344400"/>
+            <a:ext cx="5277804" cy="17228822"/>
           </a:xfrm>
         </p:spPr>
         <p:txBody>
@@ -1923,39 +2979,39 @@
           <a:lstStyle>
             <a:lvl1pPr marL="0" indent="0">
               <a:buNone/>
-              <a:defRPr sz="3360"/>
+              <a:defRPr sz="2520"/>
             </a:lvl1pPr>
-            <a:lvl2pPr marL="1097280" indent="0">
-              <a:buNone/>
-              <a:defRPr sz="2880"/>
+            <a:lvl2pPr marL="822960" indent="0">
+              <a:buNone/>
+              <a:defRPr sz="2160"/>
             </a:lvl2pPr>
-            <a:lvl3pPr marL="2194560" indent="0">
-              <a:buNone/>
-              <a:defRPr sz="2400"/>
+            <a:lvl3pPr marL="1645920" indent="0">
+              <a:buNone/>
+              <a:defRPr sz="1800"/>
             </a:lvl3pPr>
-            <a:lvl4pPr marL="3291840" indent="0">
-              <a:buNone/>
-              <a:defRPr sz="2160"/>
+            <a:lvl4pPr marL="2468880" indent="0">
+              <a:buNone/>
+              <a:defRPr sz="1620"/>
             </a:lvl4pPr>
-            <a:lvl5pPr marL="4389120" indent="0">
-              <a:buNone/>
-              <a:defRPr sz="2160"/>
+            <a:lvl5pPr marL="3291840" indent="0">
+              <a:buNone/>
+              <a:defRPr sz="1620"/>
             </a:lvl5pPr>
-            <a:lvl6pPr marL="5486400" indent="0">
-              <a:buNone/>
-              <a:defRPr sz="2160"/>
+            <a:lvl6pPr marL="4114800" indent="0">
+              <a:buNone/>
+              <a:defRPr sz="1620"/>
             </a:lvl6pPr>
-            <a:lvl7pPr marL="6583680" indent="0">
-              <a:buNone/>
-              <a:defRPr sz="2160"/>
+            <a:lvl7pPr marL="4937760" indent="0">
+              <a:buNone/>
+              <a:defRPr sz="1620"/>
             </a:lvl7pPr>
-            <a:lvl8pPr marL="7680960" indent="0">
-              <a:buNone/>
-              <a:defRPr sz="2160"/>
+            <a:lvl8pPr marL="5760720" indent="0">
+              <a:buNone/>
+              <a:defRPr sz="1620"/>
             </a:lvl8pPr>
-            <a:lvl9pPr marL="8778240" indent="0">
-              <a:buNone/>
-              <a:defRPr sz="2160"/>
+            <a:lvl9pPr marL="6583680" indent="0">
+              <a:buNone/>
+              <a:defRPr sz="1620"/>
             </a:lvl9pPr>
           </a:lstStyle>
           <a:p>
@@ -1984,7 +3040,7 @@
           <a:p>
             <a:fld id="{97BFA24D-4487-334F-A686-89F17C89AD59}" type="datetimeFigureOut">
               <a:rPr lang="en-US" smtClean="0"/>
-              <a:t>12/6/16</a:t>
+              <a:t>12/10/16</a:t>
             </a:fld>
             <a:endParaRPr lang="en-US"/>
           </a:p>
@@ -2069,8 +3125,8 @@
         </p:nvSpPr>
         <p:spPr>
           <a:xfrm>
-            <a:off x="2263140" y="1168405"/>
-            <a:ext cx="28392120" cy="4241802"/>
+            <a:off x="1508760" y="1752607"/>
+            <a:ext cx="18928080" cy="6362702"/>
           </a:xfrm>
         </p:spPr>
         <p:txBody>
@@ -2097,8 +3153,8 @@
         </p:nvSpPr>
         <p:spPr>
           <a:xfrm>
-            <a:off x="3596630" y="13752010"/>
-            <a:ext cx="7938137" cy="1844038"/>
+            <a:off x="2397754" y="20628014"/>
+            <a:ext cx="5292091" cy="2766058"/>
           </a:xfrm>
         </p:spPr>
         <p:txBody>
@@ -2108,7 +3164,7 @@
           <a:lstStyle>
             <a:lvl1pPr marL="0" indent="0">
               <a:buNone/>
-              <a:defRPr sz="5760" b="0">
+              <a:defRPr sz="4320" b="0">
                 <a:gradFill>
                   <a:gsLst>
                     <a:gs pos="34000">
@@ -2133,37 +3189,37 @@
                 </a:gradFill>
               </a:defRPr>
             </a:lvl1pPr>
-            <a:lvl2pPr marL="1097280" indent="0">
-              <a:buNone/>
-              <a:defRPr sz="4800" b="1"/>
+            <a:lvl2pPr marL="822960" indent="0">
+              <a:buNone/>
+              <a:defRPr sz="3600" b="1"/>
             </a:lvl2pPr>
-            <a:lvl3pPr marL="2194560" indent="0">
-              <a:buNone/>
-              <a:defRPr sz="4320" b="1"/>
+            <a:lvl3pPr marL="1645920" indent="0">
+              <a:buNone/>
+              <a:defRPr sz="3240" b="1"/>
             </a:lvl3pPr>
-            <a:lvl4pPr marL="3291840" indent="0">
-              <a:buNone/>
-              <a:defRPr sz="3840" b="1"/>
+            <a:lvl4pPr marL="2468880" indent="0">
+              <a:buNone/>
+              <a:defRPr sz="2880" b="1"/>
             </a:lvl4pPr>
-            <a:lvl5pPr marL="4389120" indent="0">
-              <a:buNone/>
-              <a:defRPr sz="3840" b="1"/>
+            <a:lvl5pPr marL="3291840" indent="0">
+              <a:buNone/>
+              <a:defRPr sz="2880" b="1"/>
             </a:lvl5pPr>
-            <a:lvl6pPr marL="5486400" indent="0">
-              <a:buNone/>
-              <a:defRPr sz="3840" b="1"/>
+            <a:lvl6pPr marL="4114800" indent="0">
+              <a:buNone/>
+              <a:defRPr sz="2880" b="1"/>
             </a:lvl6pPr>
-            <a:lvl7pPr marL="6583680" indent="0">
-              <a:buNone/>
-              <a:defRPr sz="3840" b="1"/>
+            <a:lvl7pPr marL="4937760" indent="0">
+              <a:buNone/>
+              <a:defRPr sz="2880" b="1"/>
             </a:lvl7pPr>
-            <a:lvl8pPr marL="7680960" indent="0">
-              <a:buNone/>
-              <a:defRPr sz="3840" b="1"/>
+            <a:lvl8pPr marL="5760720" indent="0">
+              <a:buNone/>
+              <a:defRPr sz="2880" b="1"/>
             </a:lvl8pPr>
-            <a:lvl9pPr marL="8778240" indent="0">
-              <a:buNone/>
-              <a:defRPr sz="3840" b="1"/>
+            <a:lvl9pPr marL="6583680" indent="0">
+              <a:buNone/>
+              <a:defRPr sz="2880" b="1"/>
             </a:lvl9pPr>
           </a:lstStyle>
           <a:p>
@@ -2187,8 +3243,8 @@
         </p:nvSpPr>
         <p:spPr>
           <a:xfrm>
-            <a:off x="3596630" y="7220333"/>
-            <a:ext cx="7938137" cy="4876800"/>
+            <a:off x="2397754" y="10830499"/>
+            <a:ext cx="5292091" cy="7315200"/>
           </a:xfrm>
           <a:prstGeom prst="roundRect">
             <a:avLst>
@@ -2210,39 +3266,39 @@
           <a:lstStyle>
             <a:lvl1pPr marL="0" indent="0" algn="ctr">
               <a:buNone/>
-              <a:defRPr sz="3840"/>
+              <a:defRPr sz="2880"/>
             </a:lvl1pPr>
-            <a:lvl2pPr marL="1097280" indent="0">
-              <a:buNone/>
-              <a:defRPr sz="3840"/>
+            <a:lvl2pPr marL="822960" indent="0">
+              <a:buNone/>
+              <a:defRPr sz="2880"/>
             </a:lvl2pPr>
-            <a:lvl3pPr marL="2194560" indent="0">
-              <a:buNone/>
-              <a:defRPr sz="3840"/>
+            <a:lvl3pPr marL="1645920" indent="0">
+              <a:buNone/>
+              <a:defRPr sz="2880"/>
             </a:lvl3pPr>
-            <a:lvl4pPr marL="3291840" indent="0">
-              <a:buNone/>
-              <a:defRPr sz="3840"/>
+            <a:lvl4pPr marL="2468880" indent="0">
+              <a:buNone/>
+              <a:defRPr sz="2880"/>
             </a:lvl4pPr>
-            <a:lvl5pPr marL="4389120" indent="0">
-              <a:buNone/>
-              <a:defRPr sz="3840"/>
+            <a:lvl5pPr marL="3291840" indent="0">
+              <a:buNone/>
+              <a:defRPr sz="2880"/>
             </a:lvl5pPr>
-            <a:lvl6pPr marL="5486400" indent="0">
-              <a:buNone/>
-              <a:defRPr sz="3840"/>
+            <a:lvl6pPr marL="4114800" indent="0">
+              <a:buNone/>
+              <a:defRPr sz="2880"/>
             </a:lvl6pPr>
-            <a:lvl7pPr marL="6583680" indent="0">
-              <a:buNone/>
-              <a:defRPr sz="3840"/>
+            <a:lvl7pPr marL="4937760" indent="0">
+              <a:buNone/>
+              <a:defRPr sz="2880"/>
             </a:lvl7pPr>
-            <a:lvl8pPr marL="7680960" indent="0">
-              <a:buNone/>
-              <a:defRPr sz="3840"/>
+            <a:lvl8pPr marL="5760720" indent="0">
+              <a:buNone/>
+              <a:defRPr sz="2880"/>
             </a:lvl8pPr>
-            <a:lvl9pPr marL="8778240" indent="0">
-              <a:buNone/>
-              <a:defRPr sz="3840"/>
+            <a:lvl9pPr marL="6583680" indent="0">
+              <a:buNone/>
+              <a:defRPr sz="2880"/>
             </a:lvl9pPr>
           </a:lstStyle>
           <a:p>
@@ -2266,8 +3322,8 @@
         </p:nvSpPr>
         <p:spPr>
           <a:xfrm>
-            <a:off x="3596630" y="15596053"/>
-            <a:ext cx="7938137" cy="2109405"/>
+            <a:off x="2397754" y="23394079"/>
+            <a:ext cx="5292091" cy="3164107"/>
           </a:xfrm>
         </p:spPr>
         <p:txBody>
@@ -2277,39 +3333,39 @@
           <a:lstStyle>
             <a:lvl1pPr marL="0" indent="0">
               <a:buNone/>
-              <a:defRPr sz="3360"/>
+              <a:defRPr sz="2520"/>
             </a:lvl1pPr>
-            <a:lvl2pPr marL="1097280" indent="0">
-              <a:buNone/>
-              <a:defRPr sz="2880"/>
+            <a:lvl2pPr marL="822960" indent="0">
+              <a:buNone/>
+              <a:defRPr sz="2160"/>
             </a:lvl2pPr>
-            <a:lvl3pPr marL="2194560" indent="0">
-              <a:buNone/>
-              <a:defRPr sz="2400"/>
+            <a:lvl3pPr marL="1645920" indent="0">
+              <a:buNone/>
+              <a:defRPr sz="1800"/>
             </a:lvl3pPr>
-            <a:lvl4pPr marL="3291840" indent="0">
-              <a:buNone/>
-              <a:defRPr sz="2160"/>
+            <a:lvl4pPr marL="2468880" indent="0">
+              <a:buNone/>
+              <a:defRPr sz="1620"/>
             </a:lvl4pPr>
-            <a:lvl5pPr marL="4389120" indent="0">
-              <a:buNone/>
-              <a:defRPr sz="2160"/>
+            <a:lvl5pPr marL="3291840" indent="0">
+              <a:buNone/>
+              <a:defRPr sz="1620"/>
             </a:lvl5pPr>
-            <a:lvl6pPr marL="5486400" indent="0">
-              <a:buNone/>
-              <a:defRPr sz="2160"/>
+            <a:lvl6pPr marL="4114800" indent="0">
+              <a:buNone/>
+              <a:defRPr sz="1620"/>
             </a:lvl6pPr>
-            <a:lvl7pPr marL="6583680" indent="0">
-              <a:buNone/>
-              <a:defRPr sz="2160"/>
+            <a:lvl7pPr marL="4937760" indent="0">
+              <a:buNone/>
+              <a:defRPr sz="1620"/>
             </a:lvl7pPr>
-            <a:lvl8pPr marL="7680960" indent="0">
-              <a:buNone/>
-              <a:defRPr sz="2160"/>
+            <a:lvl8pPr marL="5760720" indent="0">
+              <a:buNone/>
+              <a:defRPr sz="1620"/>
             </a:lvl8pPr>
-            <a:lvl9pPr marL="8778240" indent="0">
-              <a:buNone/>
-              <a:defRPr sz="2160"/>
+            <a:lvl9pPr marL="6583680" indent="0">
+              <a:buNone/>
+              <a:defRPr sz="1620"/>
             </a:lvl9pPr>
           </a:lstStyle>
           <a:p>
@@ -2333,8 +3389,8 @@
         </p:nvSpPr>
         <p:spPr>
           <a:xfrm>
-            <a:off x="12336293" y="13752010"/>
-            <a:ext cx="7912418" cy="1844038"/>
+            <a:off x="8224195" y="20628014"/>
+            <a:ext cx="5274946" cy="2766058"/>
           </a:xfrm>
         </p:spPr>
         <p:txBody>
@@ -2344,7 +3400,7 @@
           <a:lstStyle>
             <a:lvl1pPr marL="0" indent="0">
               <a:buNone/>
-              <a:defRPr sz="5760" b="0">
+              <a:defRPr sz="4320" b="0">
                 <a:gradFill>
                   <a:gsLst>
                     <a:gs pos="34000">
@@ -2369,37 +3425,37 @@
                 </a:gradFill>
               </a:defRPr>
             </a:lvl1pPr>
-            <a:lvl2pPr marL="1097280" indent="0">
-              <a:buNone/>
-              <a:defRPr sz="4800" b="1"/>
+            <a:lvl2pPr marL="822960" indent="0">
+              <a:buNone/>
+              <a:defRPr sz="3600" b="1"/>
             </a:lvl2pPr>
-            <a:lvl3pPr marL="2194560" indent="0">
-              <a:buNone/>
-              <a:defRPr sz="4320" b="1"/>
+            <a:lvl3pPr marL="1645920" indent="0">
+              <a:buNone/>
+              <a:defRPr sz="3240" b="1"/>
             </a:lvl3pPr>
-            <a:lvl4pPr marL="3291840" indent="0">
-              <a:buNone/>
-              <a:defRPr sz="3840" b="1"/>
+            <a:lvl4pPr marL="2468880" indent="0">
+              <a:buNone/>
+              <a:defRPr sz="2880" b="1"/>
             </a:lvl4pPr>
-            <a:lvl5pPr marL="4389120" indent="0">
-              <a:buNone/>
-              <a:defRPr sz="3840" b="1"/>
+            <a:lvl5pPr marL="3291840" indent="0">
+              <a:buNone/>
+              <a:defRPr sz="2880" b="1"/>
             </a:lvl5pPr>
-            <a:lvl6pPr marL="5486400" indent="0">
-              <a:buNone/>
-              <a:defRPr sz="3840" b="1"/>
+            <a:lvl6pPr marL="4114800" indent="0">
+              <a:buNone/>
+              <a:defRPr sz="2880" b="1"/>
             </a:lvl6pPr>
-            <a:lvl7pPr marL="6583680" indent="0">
-              <a:buNone/>
-              <a:defRPr sz="3840" b="1"/>
+            <a:lvl7pPr marL="4937760" indent="0">
+              <a:buNone/>
+              <a:defRPr sz="2880" b="1"/>
             </a:lvl7pPr>
-            <a:lvl8pPr marL="7680960" indent="0">
-              <a:buNone/>
-              <a:defRPr sz="3840" b="1"/>
+            <a:lvl8pPr marL="5760720" indent="0">
+              <a:buNone/>
+              <a:defRPr sz="2880" b="1"/>
             </a:lvl8pPr>
-            <a:lvl9pPr marL="8778240" indent="0">
-              <a:buNone/>
-              <a:defRPr sz="3840" b="1"/>
+            <a:lvl9pPr marL="6583680" indent="0">
+              <a:buNone/>
+              <a:defRPr sz="2880" b="1"/>
             </a:lvl9pPr>
           </a:lstStyle>
           <a:p>
@@ -2423,8 +3479,8 @@
         </p:nvSpPr>
         <p:spPr>
           <a:xfrm>
-            <a:off x="12336289" y="7220333"/>
-            <a:ext cx="7912418" cy="4876800"/>
+            <a:off x="8224193" y="10830499"/>
+            <a:ext cx="5274946" cy="7315200"/>
           </a:xfrm>
           <a:prstGeom prst="roundRect">
             <a:avLst>
@@ -2446,39 +3502,39 @@
           <a:lstStyle>
             <a:lvl1pPr marL="0" indent="0" algn="ctr">
               <a:buNone/>
-              <a:defRPr sz="3840"/>
+              <a:defRPr sz="2880"/>
             </a:lvl1pPr>
-            <a:lvl2pPr marL="1097280" indent="0">
-              <a:buNone/>
-              <a:defRPr sz="3840"/>
+            <a:lvl2pPr marL="822960" indent="0">
+              <a:buNone/>
+              <a:defRPr sz="2880"/>
             </a:lvl2pPr>
-            <a:lvl3pPr marL="2194560" indent="0">
-              <a:buNone/>
-              <a:defRPr sz="3840"/>
+            <a:lvl3pPr marL="1645920" indent="0">
+              <a:buNone/>
+              <a:defRPr sz="2880"/>
             </a:lvl3pPr>
-            <a:lvl4pPr marL="3291840" indent="0">
-              <a:buNone/>
-              <a:defRPr sz="3840"/>
+            <a:lvl4pPr marL="2468880" indent="0">
+              <a:buNone/>
+              <a:defRPr sz="2880"/>
             </a:lvl4pPr>
-            <a:lvl5pPr marL="4389120" indent="0">
-              <a:buNone/>
-              <a:defRPr sz="3840"/>
+            <a:lvl5pPr marL="3291840" indent="0">
+              <a:buNone/>
+              <a:defRPr sz="2880"/>
             </a:lvl5pPr>
-            <a:lvl6pPr marL="5486400" indent="0">
-              <a:buNone/>
-              <a:defRPr sz="3840"/>
+            <a:lvl6pPr marL="4114800" indent="0">
+              <a:buNone/>
+              <a:defRPr sz="2880"/>
             </a:lvl6pPr>
-            <a:lvl7pPr marL="6583680" indent="0">
-              <a:buNone/>
-              <a:defRPr sz="3840"/>
+            <a:lvl7pPr marL="4937760" indent="0">
+              <a:buNone/>
+              <a:defRPr sz="2880"/>
             </a:lvl7pPr>
-            <a:lvl8pPr marL="7680960" indent="0">
-              <a:buNone/>
-              <a:defRPr sz="3840"/>
+            <a:lvl8pPr marL="5760720" indent="0">
+              <a:buNone/>
+              <a:defRPr sz="2880"/>
             </a:lvl8pPr>
-            <a:lvl9pPr marL="8778240" indent="0">
-              <a:buNone/>
-              <a:defRPr sz="3840"/>
+            <a:lvl9pPr marL="6583680" indent="0">
+              <a:buNone/>
+              <a:defRPr sz="2880"/>
             </a:lvl9pPr>
           </a:lstStyle>
           <a:p>
@@ -2502,8 +3558,8 @@
         </p:nvSpPr>
         <p:spPr>
           <a:xfrm>
-            <a:off x="12332641" y="15596050"/>
-            <a:ext cx="7922898" cy="2109405"/>
+            <a:off x="8221760" y="23394075"/>
+            <a:ext cx="5281932" cy="3164107"/>
           </a:xfrm>
         </p:spPr>
         <p:txBody>
@@ -2513,39 +3569,39 @@
           <a:lstStyle>
             <a:lvl1pPr marL="0" indent="0">
               <a:buNone/>
-              <a:defRPr sz="3360"/>
+              <a:defRPr sz="2520"/>
             </a:lvl1pPr>
-            <a:lvl2pPr marL="1097280" indent="0">
-              <a:buNone/>
-              <a:defRPr sz="2880"/>
+            <a:lvl2pPr marL="822960" indent="0">
+              <a:buNone/>
+              <a:defRPr sz="2160"/>
             </a:lvl2pPr>
-            <a:lvl3pPr marL="2194560" indent="0">
-              <a:buNone/>
-              <a:defRPr sz="2400"/>
+            <a:lvl3pPr marL="1645920" indent="0">
+              <a:buNone/>
+              <a:defRPr sz="1800"/>
             </a:lvl3pPr>
-            <a:lvl4pPr marL="3291840" indent="0">
-              <a:buNone/>
-              <a:defRPr sz="2160"/>
+            <a:lvl4pPr marL="2468880" indent="0">
+              <a:buNone/>
+              <a:defRPr sz="1620"/>
             </a:lvl4pPr>
-            <a:lvl5pPr marL="4389120" indent="0">
-              <a:buNone/>
-              <a:defRPr sz="2160"/>
+            <a:lvl5pPr marL="3291840" indent="0">
+              <a:buNone/>
+              <a:defRPr sz="1620"/>
             </a:lvl5pPr>
-            <a:lvl6pPr marL="5486400" indent="0">
-              <a:buNone/>
-              <a:defRPr sz="2160"/>
+            <a:lvl6pPr marL="4114800" indent="0">
+              <a:buNone/>
+              <a:defRPr sz="1620"/>
             </a:lvl6pPr>
-            <a:lvl7pPr marL="6583680" indent="0">
-              <a:buNone/>
-              <a:defRPr sz="2160"/>
+            <a:lvl7pPr marL="4937760" indent="0">
+              <a:buNone/>
+              <a:defRPr sz="1620"/>
             </a:lvl7pPr>
-            <a:lvl8pPr marL="7680960" indent="0">
-              <a:buNone/>
-              <a:defRPr sz="2160"/>
+            <a:lvl8pPr marL="5760720" indent="0">
+              <a:buNone/>
+              <a:defRPr sz="1620"/>
             </a:lvl8pPr>
-            <a:lvl9pPr marL="8778240" indent="0">
-              <a:buNone/>
-              <a:defRPr sz="2160"/>
+            <a:lvl9pPr marL="6583680" indent="0">
+              <a:buNone/>
+              <a:defRPr sz="1620"/>
             </a:lvl9pPr>
           </a:lstStyle>
           <a:p>
@@ -2569,8 +3625,8 @@
         </p:nvSpPr>
         <p:spPr>
           <a:xfrm>
-            <a:off x="21071673" y="13752010"/>
-            <a:ext cx="7916706" cy="1844038"/>
+            <a:off x="14047782" y="20628014"/>
+            <a:ext cx="5277804" cy="2766058"/>
           </a:xfrm>
         </p:spPr>
         <p:txBody>
@@ -2580,7 +3636,7 @@
           <a:lstStyle>
             <a:lvl1pPr marL="0" indent="0">
               <a:buNone/>
-              <a:defRPr sz="5760" b="0">
+              <a:defRPr sz="4320" b="0">
                 <a:gradFill>
                   <a:gsLst>
                     <a:gs pos="34000">
@@ -2605,37 +3661,37 @@
                 </a:gradFill>
               </a:defRPr>
             </a:lvl1pPr>
-            <a:lvl2pPr marL="1097280" indent="0">
-              <a:buNone/>
-              <a:defRPr sz="4800" b="1"/>
+            <a:lvl2pPr marL="822960" indent="0">
+              <a:buNone/>
+              <a:defRPr sz="3600" b="1"/>
             </a:lvl2pPr>
-            <a:lvl3pPr marL="2194560" indent="0">
-              <a:buNone/>
-              <a:defRPr sz="4320" b="1"/>
+            <a:lvl3pPr marL="1645920" indent="0">
+              <a:buNone/>
+              <a:defRPr sz="3240" b="1"/>
             </a:lvl3pPr>
-            <a:lvl4pPr marL="3291840" indent="0">
-              <a:buNone/>
-              <a:defRPr sz="3840" b="1"/>
+            <a:lvl4pPr marL="2468880" indent="0">
+              <a:buNone/>
+              <a:defRPr sz="2880" b="1"/>
             </a:lvl4pPr>
-            <a:lvl5pPr marL="4389120" indent="0">
-              <a:buNone/>
-              <a:defRPr sz="3840" b="1"/>
+            <a:lvl5pPr marL="3291840" indent="0">
+              <a:buNone/>
+              <a:defRPr sz="2880" b="1"/>
             </a:lvl5pPr>
-            <a:lvl6pPr marL="5486400" indent="0">
-              <a:buNone/>
-              <a:defRPr sz="3840" b="1"/>
+            <a:lvl6pPr marL="4114800" indent="0">
+              <a:buNone/>
+              <a:defRPr sz="2880" b="1"/>
             </a:lvl6pPr>
-            <a:lvl7pPr marL="6583680" indent="0">
-              <a:buNone/>
-              <a:defRPr sz="3840" b="1"/>
+            <a:lvl7pPr marL="4937760" indent="0">
+              <a:buNone/>
+              <a:defRPr sz="2880" b="1"/>
             </a:lvl7pPr>
-            <a:lvl8pPr marL="7680960" indent="0">
-              <a:buNone/>
-              <a:defRPr sz="3840" b="1"/>
+            <a:lvl8pPr marL="5760720" indent="0">
+              <a:buNone/>
+              <a:defRPr sz="2880" b="1"/>
             </a:lvl8pPr>
-            <a:lvl9pPr marL="8778240" indent="0">
-              <a:buNone/>
-              <a:defRPr sz="3840" b="1"/>
+            <a:lvl9pPr marL="6583680" indent="0">
+              <a:buNone/>
+              <a:defRPr sz="2880" b="1"/>
             </a:lvl9pPr>
           </a:lstStyle>
           <a:p>
@@ -2659,8 +3715,8 @@
         </p:nvSpPr>
         <p:spPr>
           <a:xfrm>
-            <a:off x="21071669" y="7220333"/>
-            <a:ext cx="7916706" cy="4876800"/>
+            <a:off x="14047780" y="10830499"/>
+            <a:ext cx="5277804" cy="7315200"/>
           </a:xfrm>
           <a:prstGeom prst="roundRect">
             <a:avLst>
@@ -2682,39 +3738,39 @@
           <a:lstStyle>
             <a:lvl1pPr marL="0" indent="0" algn="ctr">
               <a:buNone/>
-              <a:defRPr sz="3840"/>
+              <a:defRPr sz="2880"/>
             </a:lvl1pPr>
-            <a:lvl2pPr marL="1097280" indent="0">
-              <a:buNone/>
-              <a:defRPr sz="3840"/>
+            <a:lvl2pPr marL="822960" indent="0">
+              <a:buNone/>
+              <a:defRPr sz="2880"/>
             </a:lvl2pPr>
-            <a:lvl3pPr marL="2194560" indent="0">
-              <a:buNone/>
-              <a:defRPr sz="3840"/>
+            <a:lvl3pPr marL="1645920" indent="0">
+              <a:buNone/>
+              <a:defRPr sz="2880"/>
             </a:lvl3pPr>
-            <a:lvl4pPr marL="3291840" indent="0">
-              <a:buNone/>
-              <a:defRPr sz="3840"/>
+            <a:lvl4pPr marL="2468880" indent="0">
+              <a:buNone/>
+              <a:defRPr sz="2880"/>
             </a:lvl4pPr>
-            <a:lvl5pPr marL="4389120" indent="0">
-              <a:buNone/>
-              <a:defRPr sz="3840"/>
+            <a:lvl5pPr marL="3291840" indent="0">
+              <a:buNone/>
+              <a:defRPr sz="2880"/>
             </a:lvl5pPr>
-            <a:lvl6pPr marL="5486400" indent="0">
-              <a:buNone/>
-              <a:defRPr sz="3840"/>
+            <a:lvl6pPr marL="4114800" indent="0">
+              <a:buNone/>
+              <a:defRPr sz="2880"/>
             </a:lvl6pPr>
-            <a:lvl7pPr marL="6583680" indent="0">
-              <a:buNone/>
-              <a:defRPr sz="3840"/>
+            <a:lvl7pPr marL="4937760" indent="0">
+              <a:buNone/>
+              <a:defRPr sz="2880"/>
             </a:lvl7pPr>
-            <a:lvl8pPr marL="7680960" indent="0">
-              <a:buNone/>
-              <a:defRPr sz="3840"/>
+            <a:lvl8pPr marL="5760720" indent="0">
+              <a:buNone/>
+              <a:defRPr sz="2880"/>
             </a:lvl8pPr>
-            <a:lvl9pPr marL="8778240" indent="0">
-              <a:buNone/>
-              <a:defRPr sz="3840"/>
+            <a:lvl9pPr marL="6583680" indent="0">
+              <a:buNone/>
+              <a:defRPr sz="2880"/>
             </a:lvl9pPr>
           </a:lstStyle>
           <a:p>
@@ -2738,8 +3794,8 @@
         </p:nvSpPr>
         <p:spPr>
           <a:xfrm>
-            <a:off x="21071333" y="15596043"/>
-            <a:ext cx="7927193" cy="2109405"/>
+            <a:off x="14047555" y="23394065"/>
+            <a:ext cx="5284795" cy="3164107"/>
           </a:xfrm>
         </p:spPr>
         <p:txBody>
@@ -2749,39 +3805,39 @@
           <a:lstStyle>
             <a:lvl1pPr marL="0" indent="0">
               <a:buNone/>
-              <a:defRPr sz="3360"/>
+              <a:defRPr sz="2520"/>
             </a:lvl1pPr>
-            <a:lvl2pPr marL="1097280" indent="0">
-              <a:buNone/>
-              <a:defRPr sz="2880"/>
+            <a:lvl2pPr marL="822960" indent="0">
+              <a:buNone/>
+              <a:defRPr sz="2160"/>
             </a:lvl2pPr>
-            <a:lvl3pPr marL="2194560" indent="0">
-              <a:buNone/>
-              <a:defRPr sz="2400"/>
+            <a:lvl3pPr marL="1645920" indent="0">
+              <a:buNone/>
+              <a:defRPr sz="1800"/>
             </a:lvl3pPr>
-            <a:lvl4pPr marL="3291840" indent="0">
-              <a:buNone/>
-              <a:defRPr sz="2160"/>
+            <a:lvl4pPr marL="2468880" indent="0">
+              <a:buNone/>
+              <a:defRPr sz="1620"/>
             </a:lvl4pPr>
-            <a:lvl5pPr marL="4389120" indent="0">
-              <a:buNone/>
-              <a:defRPr sz="2160"/>
+            <a:lvl5pPr marL="3291840" indent="0">
+              <a:buNone/>
+              <a:defRPr sz="1620"/>
             </a:lvl5pPr>
-            <a:lvl6pPr marL="5486400" indent="0">
-              <a:buNone/>
-              <a:defRPr sz="2160"/>
+            <a:lvl6pPr marL="4114800" indent="0">
+              <a:buNone/>
+              <a:defRPr sz="1620"/>
             </a:lvl6pPr>
-            <a:lvl7pPr marL="6583680" indent="0">
-              <a:buNone/>
-              <a:defRPr sz="2160"/>
+            <a:lvl7pPr marL="4937760" indent="0">
+              <a:buNone/>
+              <a:defRPr sz="1620"/>
             </a:lvl7pPr>
-            <a:lvl8pPr marL="7680960" indent="0">
-              <a:buNone/>
-              <a:defRPr sz="2160"/>
+            <a:lvl8pPr marL="5760720" indent="0">
+              <a:buNone/>
+              <a:defRPr sz="1620"/>
             </a:lvl8pPr>
-            <a:lvl9pPr marL="8778240" indent="0">
-              <a:buNone/>
-              <a:defRPr sz="2160"/>
+            <a:lvl9pPr marL="6583680" indent="0">
+              <a:buNone/>
+              <a:defRPr sz="1620"/>
             </a:lvl9pPr>
           </a:lstStyle>
           <a:p>
@@ -2810,7 +3866,7 @@
           <a:p>
             <a:fld id="{97BFA24D-4487-334F-A686-89F17C89AD59}" type="datetimeFigureOut">
               <a:rPr lang="en-US" smtClean="0"/>
-              <a:t>12/6/16</a:t>
+              <a:t>12/10/16</a:t>
             </a:fld>
             <a:endParaRPr lang="en-US"/>
           </a:p>
@@ -2975,7 +4031,7 @@
           <a:p>
             <a:fld id="{97BFA24D-4487-334F-A686-89F17C89AD59}" type="datetimeFigureOut">
               <a:rPr lang="en-US" smtClean="0"/>
-              <a:t>12/6/16</a:t>
+              <a:t>12/10/16</a:t>
             </a:fld>
             <a:endParaRPr lang="en-US"/>
           </a:p>
@@ -3060,8 +4116,8 @@
         </p:nvSpPr>
         <p:spPr>
           <a:xfrm>
-            <a:off x="23557232" y="1168400"/>
-            <a:ext cx="7098030" cy="18597882"/>
+            <a:off x="15704821" y="1752600"/>
+            <a:ext cx="4732020" cy="27896822"/>
           </a:xfrm>
         </p:spPr>
         <p:txBody>
@@ -3088,8 +4144,8 @@
         </p:nvSpPr>
         <p:spPr>
           <a:xfrm>
-            <a:off x="2263142" y="1168400"/>
-            <a:ext cx="20882610" cy="18597882"/>
+            <a:off x="1508761" y="1752600"/>
+            <a:ext cx="13921740" cy="27896822"/>
           </a:xfrm>
         </p:spPr>
         <p:txBody>
@@ -3150,7 +4206,7 @@
           <a:p>
             <a:fld id="{97BFA24D-4487-334F-A686-89F17C89AD59}" type="datetimeFigureOut">
               <a:rPr lang="en-US" smtClean="0"/>
-              <a:t>12/6/16</a:t>
+              <a:t>12/10/16</a:t>
             </a:fld>
             <a:endParaRPr lang="en-US"/>
           </a:p>
@@ -3315,7 +4371,7 @@
           <a:p>
             <a:fld id="{97BFA24D-4487-334F-A686-89F17C89AD59}" type="datetimeFigureOut">
               <a:rPr lang="en-US" smtClean="0"/>
-              <a:t>12/6/16</a:t>
+              <a:t>12/10/16</a:t>
             </a:fld>
             <a:endParaRPr lang="en-US"/>
           </a:p>
@@ -3400,8 +4456,8 @@
         </p:nvSpPr>
         <p:spPr>
           <a:xfrm>
-            <a:off x="2307236" y="14284890"/>
-            <a:ext cx="24688800" cy="3822880"/>
+            <a:off x="1538158" y="21427334"/>
+            <a:ext cx="16459200" cy="5734320"/>
           </a:xfrm>
         </p:spPr>
         <p:txBody>
@@ -3410,7 +4466,7 @@
           </a:bodyPr>
           <a:lstStyle>
             <a:lvl1pPr algn="l">
-              <a:defRPr sz="23040" b="0" spc="-720">
+              <a:defRPr sz="17280" b="0" spc="-540">
                 <a:gradFill flip="none" rotWithShape="1">
                   <a:gsLst>
                     <a:gs pos="32000">
@@ -3466,8 +4522,8 @@
         </p:nvSpPr>
         <p:spPr>
           <a:xfrm>
-            <a:off x="2307236" y="12255610"/>
-            <a:ext cx="24688800" cy="1977030"/>
+            <a:off x="1538158" y="18383414"/>
+            <a:ext cx="16459200" cy="2965546"/>
           </a:xfrm>
         </p:spPr>
         <p:txBody>
@@ -3477,7 +4533,7 @@
           <a:lstStyle>
             <a:lvl1pPr marL="0" indent="0" algn="l">
               <a:buNone/>
-              <a:defRPr sz="7680" b="0">
+              <a:defRPr sz="5760" b="0">
                 <a:gradFill flip="none" rotWithShape="1">
                   <a:gsLst>
                     <a:gs pos="15000">
@@ -3508,37 +4564,37 @@
                 <a:latin typeface="+mj-lt"/>
               </a:defRPr>
             </a:lvl1pPr>
-            <a:lvl2pPr marL="1097280" indent="0" algn="ctr">
-              <a:buNone/>
-              <a:defRPr sz="4800"/>
+            <a:lvl2pPr marL="822960" indent="0" algn="ctr">
+              <a:buNone/>
+              <a:defRPr sz="3600"/>
             </a:lvl2pPr>
-            <a:lvl3pPr marL="2194560" indent="0" algn="ctr">
-              <a:buNone/>
-              <a:defRPr sz="4320"/>
+            <a:lvl3pPr marL="1645920" indent="0" algn="ctr">
+              <a:buNone/>
+              <a:defRPr sz="3240"/>
             </a:lvl3pPr>
-            <a:lvl4pPr marL="3291840" indent="0" algn="ctr">
-              <a:buNone/>
-              <a:defRPr sz="3840"/>
+            <a:lvl4pPr marL="2468880" indent="0" algn="ctr">
+              <a:buNone/>
+              <a:defRPr sz="2880"/>
             </a:lvl4pPr>
-            <a:lvl5pPr marL="4389120" indent="0" algn="ctr">
-              <a:buNone/>
-              <a:defRPr sz="3840"/>
+            <a:lvl5pPr marL="3291840" indent="0" algn="ctr">
+              <a:buNone/>
+              <a:defRPr sz="2880"/>
             </a:lvl5pPr>
-            <a:lvl6pPr marL="5486400" indent="0" algn="ctr">
-              <a:buNone/>
-              <a:defRPr sz="3840"/>
+            <a:lvl6pPr marL="4114800" indent="0" algn="ctr">
+              <a:buNone/>
+              <a:defRPr sz="2880"/>
             </a:lvl6pPr>
-            <a:lvl7pPr marL="6583680" indent="0" algn="ctr">
-              <a:buNone/>
-              <a:defRPr sz="3840"/>
+            <a:lvl7pPr marL="4937760" indent="0" algn="ctr">
+              <a:buNone/>
+              <a:defRPr sz="2880"/>
             </a:lvl7pPr>
-            <a:lvl8pPr marL="7680960" indent="0" algn="ctr">
-              <a:buNone/>
-              <a:defRPr sz="3840"/>
+            <a:lvl8pPr marL="5760720" indent="0" algn="ctr">
+              <a:buNone/>
+              <a:defRPr sz="2880"/>
             </a:lvl8pPr>
-            <a:lvl9pPr marL="8778240" indent="0" algn="ctr">
-              <a:buNone/>
-              <a:defRPr sz="3840"/>
+            <a:lvl9pPr marL="6583680" indent="0" algn="ctr">
+              <a:buNone/>
+              <a:defRPr sz="2880"/>
             </a:lvl9pPr>
           </a:lstStyle>
           <a:p>
@@ -3567,7 +4623,7 @@
           <a:p>
             <a:fld id="{97BFA24D-4487-334F-A686-89F17C89AD59}" type="datetimeFigureOut">
               <a:rPr lang="en-US" smtClean="0"/>
-              <a:t>12/6/16</a:t>
+              <a:t>12/10/16</a:t>
             </a:fld>
             <a:endParaRPr lang="en-US"/>
           </a:p>
@@ -3675,8 +4731,8 @@
         </p:nvSpPr>
         <p:spPr>
           <a:xfrm>
-            <a:off x="3024000" y="5842000"/>
-            <a:ext cx="13568083" cy="13924282"/>
+            <a:off x="2016000" y="8763000"/>
+            <a:ext cx="9045389" cy="20886422"/>
           </a:xfrm>
         </p:spPr>
         <p:txBody>
@@ -3732,8 +4788,8 @@
         </p:nvSpPr>
         <p:spPr>
           <a:xfrm>
-            <a:off x="17063568" y="5842000"/>
-            <a:ext cx="13591692" cy="13924282"/>
+            <a:off x="11375712" y="8763000"/>
+            <a:ext cx="9061128" cy="20886422"/>
           </a:xfrm>
         </p:spPr>
         <p:txBody>
@@ -3794,7 +4850,7 @@
           <a:p>
             <a:fld id="{97BFA24D-4487-334F-A686-89F17C89AD59}" type="datetimeFigureOut">
               <a:rPr lang="en-US" smtClean="0"/>
-              <a:t>12/6/16</a:t>
+              <a:t>12/10/16</a:t>
             </a:fld>
             <a:endParaRPr lang="en-US"/>
           </a:p>
@@ -3884,8 +4940,8 @@
         </p:nvSpPr>
         <p:spPr>
           <a:xfrm>
-            <a:off x="2267428" y="1168405"/>
-            <a:ext cx="28392120" cy="4241802"/>
+            <a:off x="1511618" y="1752607"/>
+            <a:ext cx="18928080" cy="6362702"/>
           </a:xfrm>
         </p:spPr>
         <p:txBody>
@@ -3912,8 +4968,8 @@
         </p:nvSpPr>
         <p:spPr>
           <a:xfrm>
-            <a:off x="3024000" y="5379722"/>
-            <a:ext cx="13568083" cy="2636518"/>
+            <a:off x="2016000" y="8069582"/>
+            <a:ext cx="9045389" cy="3954778"/>
           </a:xfrm>
         </p:spPr>
         <p:txBody>
@@ -3923,7 +4979,7 @@
           <a:lstStyle>
             <a:lvl1pPr marL="0" indent="0">
               <a:buNone/>
-              <a:defRPr sz="6400" b="0">
+              <a:defRPr sz="4800" b="0">
                 <a:gradFill>
                   <a:gsLst>
                     <a:gs pos="15000">
@@ -3952,37 +5008,37 @@
                 </a:gradFill>
               </a:defRPr>
             </a:lvl1pPr>
-            <a:lvl2pPr marL="1097280" indent="0">
-              <a:buNone/>
-              <a:defRPr sz="4800" b="1"/>
+            <a:lvl2pPr marL="822960" indent="0">
+              <a:buNone/>
+              <a:defRPr sz="3600" b="1"/>
             </a:lvl2pPr>
-            <a:lvl3pPr marL="2194560" indent="0">
-              <a:buNone/>
-              <a:defRPr sz="4320" b="1"/>
+            <a:lvl3pPr marL="1645920" indent="0">
+              <a:buNone/>
+              <a:defRPr sz="3240" b="1"/>
             </a:lvl3pPr>
-            <a:lvl4pPr marL="3291840" indent="0">
-              <a:buNone/>
-              <a:defRPr sz="3840" b="1"/>
+            <a:lvl4pPr marL="2468880" indent="0">
+              <a:buNone/>
+              <a:defRPr sz="2880" b="1"/>
             </a:lvl4pPr>
-            <a:lvl5pPr marL="4389120" indent="0">
-              <a:buNone/>
-              <a:defRPr sz="3840" b="1"/>
+            <a:lvl5pPr marL="3291840" indent="0">
+              <a:buNone/>
+              <a:defRPr sz="2880" b="1"/>
             </a:lvl5pPr>
-            <a:lvl6pPr marL="5486400" indent="0">
-              <a:buNone/>
-              <a:defRPr sz="3840" b="1"/>
+            <a:lvl6pPr marL="4114800" indent="0">
+              <a:buNone/>
+              <a:defRPr sz="2880" b="1"/>
             </a:lvl6pPr>
-            <a:lvl7pPr marL="6583680" indent="0">
-              <a:buNone/>
-              <a:defRPr sz="3840" b="1"/>
+            <a:lvl7pPr marL="4937760" indent="0">
+              <a:buNone/>
+              <a:defRPr sz="2880" b="1"/>
             </a:lvl7pPr>
-            <a:lvl8pPr marL="7680960" indent="0">
-              <a:buNone/>
-              <a:defRPr sz="3840" b="1"/>
+            <a:lvl8pPr marL="5760720" indent="0">
+              <a:buNone/>
+              <a:defRPr sz="2880" b="1"/>
             </a:lvl8pPr>
-            <a:lvl9pPr marL="8778240" indent="0">
-              <a:buNone/>
-              <a:defRPr sz="3840" b="1"/>
+            <a:lvl9pPr marL="6583680" indent="0">
+              <a:buNone/>
+              <a:defRPr sz="2880" b="1"/>
             </a:lvl9pPr>
           </a:lstStyle>
           <a:p>
@@ -4006,8 +5062,8 @@
         </p:nvSpPr>
         <p:spPr>
           <a:xfrm>
-            <a:off x="3024000" y="8016240"/>
-            <a:ext cx="13568083" cy="11790682"/>
+            <a:off x="2016000" y="12024360"/>
+            <a:ext cx="9045389" cy="17686022"/>
           </a:xfrm>
         </p:spPr>
         <p:txBody>
@@ -4063,8 +5119,8 @@
         </p:nvSpPr>
         <p:spPr>
           <a:xfrm>
-            <a:off x="17063570" y="5379722"/>
-            <a:ext cx="13595980" cy="2636518"/>
+            <a:off x="11375713" y="8069582"/>
+            <a:ext cx="9063986" cy="3954778"/>
           </a:xfrm>
         </p:spPr>
         <p:txBody>
@@ -4074,7 +5130,7 @@
           <a:lstStyle>
             <a:lvl1pPr>
               <a:buNone/>
-              <a:defRPr lang="en-US" sz="6400" b="0">
+              <a:defRPr lang="en-US" sz="4800" b="0">
                 <a:gradFill>
                   <a:gsLst>
                     <a:gs pos="15000">
@@ -4127,8 +5183,8 @@
         </p:nvSpPr>
         <p:spPr>
           <a:xfrm>
-            <a:off x="17063570" y="8016240"/>
-            <a:ext cx="13595980" cy="11790682"/>
+            <a:off x="11375713" y="12024360"/>
+            <a:ext cx="9063986" cy="17686022"/>
           </a:xfrm>
         </p:spPr>
         <p:txBody>
@@ -4189,7 +5245,7 @@
           <a:p>
             <a:fld id="{97BFA24D-4487-334F-A686-89F17C89AD59}" type="datetimeFigureOut">
               <a:rPr lang="en-US" smtClean="0"/>
-              <a:t>12/6/16</a:t>
+              <a:t>12/10/16</a:t>
             </a:fld>
             <a:endParaRPr lang="en-US"/>
           </a:p>
@@ -4307,7 +5363,7 @@
           <a:p>
             <a:fld id="{97BFA24D-4487-334F-A686-89F17C89AD59}" type="datetimeFigureOut">
               <a:rPr lang="en-US" smtClean="0"/>
-              <a:t>12/6/16</a:t>
+              <a:t>12/10/16</a:t>
             </a:fld>
             <a:endParaRPr lang="en-US"/>
           </a:p>
@@ -4397,7 +5453,7 @@
           <a:p>
             <a:fld id="{97BFA24D-4487-334F-A686-89F17C89AD59}" type="datetimeFigureOut">
               <a:rPr lang="en-US" smtClean="0"/>
-              <a:t>12/6/16</a:t>
+              <a:t>12/10/16</a:t>
             </a:fld>
             <a:endParaRPr lang="en-US"/>
           </a:p>
@@ -4482,15 +5538,15 @@
         </p:nvSpPr>
         <p:spPr>
           <a:xfrm>
-            <a:off x="2267428" y="1463040"/>
-            <a:ext cx="10617041" cy="5120640"/>
+            <a:off x="1511619" y="2194560"/>
+            <a:ext cx="7078027" cy="7680960"/>
           </a:xfrm>
         </p:spPr>
         <p:txBody>
           <a:bodyPr anchor="b"/>
           <a:lstStyle>
             <a:lvl1pPr>
-              <a:defRPr sz="7680"/>
+              <a:defRPr sz="5760"/>
             </a:lvl1pPr>
           </a:lstStyle>
           <a:p>
@@ -4514,8 +5570,8 @@
         </p:nvSpPr>
         <p:spPr>
           <a:xfrm>
-            <a:off x="13994608" y="3159765"/>
-            <a:ext cx="16664940" cy="15595600"/>
+            <a:off x="9329738" y="4739647"/>
+            <a:ext cx="11109960" cy="23393400"/>
           </a:xfrm>
         </p:spPr>
         <p:txBody>
@@ -4571,8 +5627,8 @@
         </p:nvSpPr>
         <p:spPr>
           <a:xfrm>
-            <a:off x="3024002" y="6583680"/>
-            <a:ext cx="9860468" cy="12197082"/>
+            <a:off x="2016001" y="9875520"/>
+            <a:ext cx="6573646" cy="18295622"/>
           </a:xfrm>
         </p:spPr>
         <p:txBody>
@@ -4582,7 +5638,7 @@
           <a:lstStyle>
             <a:lvl1pPr marL="0" indent="0">
               <a:buNone/>
-              <a:defRPr sz="4480">
+              <a:defRPr sz="3360">
                 <a:gradFill>
                   <a:gsLst>
                     <a:gs pos="15000">
@@ -4608,37 +5664,37 @@
                 </a:gradFill>
               </a:defRPr>
             </a:lvl1pPr>
-            <a:lvl2pPr marL="1097280" indent="0">
-              <a:buNone/>
-              <a:defRPr sz="3360"/>
+            <a:lvl2pPr marL="822960" indent="0">
+              <a:buNone/>
+              <a:defRPr sz="2520"/>
             </a:lvl2pPr>
-            <a:lvl3pPr marL="2194560" indent="0">
-              <a:buNone/>
-              <a:defRPr sz="2880"/>
+            <a:lvl3pPr marL="1645920" indent="0">
+              <a:buNone/>
+              <a:defRPr sz="2160"/>
             </a:lvl3pPr>
-            <a:lvl4pPr marL="3291840" indent="0">
-              <a:buNone/>
-              <a:defRPr sz="2400"/>
+            <a:lvl4pPr marL="2468880" indent="0">
+              <a:buNone/>
+              <a:defRPr sz="1800"/>
             </a:lvl4pPr>
-            <a:lvl5pPr marL="4389120" indent="0">
-              <a:buNone/>
-              <a:defRPr sz="2400"/>
+            <a:lvl5pPr marL="3291840" indent="0">
+              <a:buNone/>
+              <a:defRPr sz="1800"/>
             </a:lvl5pPr>
-            <a:lvl6pPr marL="5486400" indent="0">
-              <a:buNone/>
-              <a:defRPr sz="2400"/>
+            <a:lvl6pPr marL="4114800" indent="0">
+              <a:buNone/>
+              <a:defRPr sz="1800"/>
             </a:lvl6pPr>
-            <a:lvl7pPr marL="6583680" indent="0">
-              <a:buNone/>
-              <a:defRPr sz="2400"/>
+            <a:lvl7pPr marL="4937760" indent="0">
+              <a:buNone/>
+              <a:defRPr sz="1800"/>
             </a:lvl7pPr>
-            <a:lvl8pPr marL="7680960" indent="0">
-              <a:buNone/>
-              <a:defRPr sz="2400"/>
+            <a:lvl8pPr marL="5760720" indent="0">
+              <a:buNone/>
+              <a:defRPr sz="1800"/>
             </a:lvl8pPr>
-            <a:lvl9pPr marL="8778240" indent="0">
-              <a:buNone/>
-              <a:defRPr sz="2400"/>
+            <a:lvl9pPr marL="6583680" indent="0">
+              <a:buNone/>
+              <a:defRPr sz="1800"/>
             </a:lvl9pPr>
           </a:lstStyle>
           <a:p>
@@ -4667,7 +5723,7 @@
           <a:p>
             <a:fld id="{97BFA24D-4487-334F-A686-89F17C89AD59}" type="datetimeFigureOut">
               <a:rPr lang="en-US" smtClean="0"/>
-              <a:t>12/6/16</a:t>
+              <a:t>12/10/16</a:t>
             </a:fld>
             <a:endParaRPr lang="en-US"/>
           </a:p>
@@ -4757,15 +5813,15 @@
         </p:nvSpPr>
         <p:spPr>
           <a:xfrm>
-            <a:off x="2267428" y="1463040"/>
-            <a:ext cx="10617041" cy="5120640"/>
+            <a:off x="1511619" y="2194560"/>
+            <a:ext cx="7078027" cy="7680960"/>
           </a:xfrm>
         </p:spPr>
         <p:txBody>
           <a:bodyPr anchor="b"/>
           <a:lstStyle>
             <a:lvl1pPr>
-              <a:defRPr sz="7680"/>
+              <a:defRPr sz="5760"/>
             </a:lvl1pPr>
           </a:lstStyle>
           <a:p>
@@ -4789,8 +5845,8 @@
         </p:nvSpPr>
         <p:spPr>
           <a:xfrm>
-            <a:off x="13994608" y="3159765"/>
-            <a:ext cx="16664940" cy="15595600"/>
+            <a:off x="9329738" y="4739647"/>
+            <a:ext cx="11109960" cy="23393400"/>
           </a:xfrm>
         </p:spPr>
         <p:txBody>
@@ -4798,39 +5854,39 @@
           <a:lstStyle>
             <a:lvl1pPr marL="0" indent="0">
               <a:buNone/>
-              <a:defRPr sz="7680"/>
+              <a:defRPr sz="5760"/>
             </a:lvl1pPr>
-            <a:lvl2pPr marL="1097280" indent="0">
-              <a:buNone/>
-              <a:defRPr sz="6720"/>
+            <a:lvl2pPr marL="822960" indent="0">
+              <a:buNone/>
+              <a:defRPr sz="5040"/>
             </a:lvl2pPr>
-            <a:lvl3pPr marL="2194560" indent="0">
-              <a:buNone/>
-              <a:defRPr sz="5760"/>
+            <a:lvl3pPr marL="1645920" indent="0">
+              <a:buNone/>
+              <a:defRPr sz="4320"/>
             </a:lvl3pPr>
-            <a:lvl4pPr marL="3291840" indent="0">
-              <a:buNone/>
-              <a:defRPr sz="4800"/>
+            <a:lvl4pPr marL="2468880" indent="0">
+              <a:buNone/>
+              <a:defRPr sz="3600"/>
             </a:lvl4pPr>
-            <a:lvl5pPr marL="4389120" indent="0">
-              <a:buNone/>
-              <a:defRPr sz="4800"/>
+            <a:lvl5pPr marL="3291840" indent="0">
+              <a:buNone/>
+              <a:defRPr sz="3600"/>
             </a:lvl5pPr>
-            <a:lvl6pPr marL="5486400" indent="0">
-              <a:buNone/>
-              <a:defRPr sz="4800"/>
+            <a:lvl6pPr marL="4114800" indent="0">
+              <a:buNone/>
+              <a:defRPr sz="3600"/>
             </a:lvl6pPr>
-            <a:lvl7pPr marL="6583680" indent="0">
-              <a:buNone/>
-              <a:defRPr sz="4800"/>
+            <a:lvl7pPr marL="4937760" indent="0">
+              <a:buNone/>
+              <a:defRPr sz="3600"/>
             </a:lvl7pPr>
-            <a:lvl8pPr marL="7680960" indent="0">
-              <a:buNone/>
-              <a:defRPr sz="4800"/>
+            <a:lvl8pPr marL="5760720" indent="0">
+              <a:buNone/>
+              <a:defRPr sz="3600"/>
             </a:lvl8pPr>
-            <a:lvl9pPr marL="8778240" indent="0">
-              <a:buNone/>
-              <a:defRPr sz="4800"/>
+            <a:lvl9pPr marL="6583680" indent="0">
+              <a:buNone/>
+              <a:defRPr sz="3600"/>
             </a:lvl9pPr>
           </a:lstStyle>
           <a:p>
@@ -4854,8 +5910,8 @@
         </p:nvSpPr>
         <p:spPr>
           <a:xfrm>
-            <a:off x="3024002" y="6583680"/>
-            <a:ext cx="9860468" cy="12197082"/>
+            <a:off x="2016001" y="9875520"/>
+            <a:ext cx="6573646" cy="18295622"/>
           </a:xfrm>
         </p:spPr>
         <p:txBody>
@@ -4865,7 +5921,7 @@
           <a:lstStyle>
             <a:lvl1pPr marL="0" indent="0">
               <a:buNone/>
-              <a:defRPr sz="4480">
+              <a:defRPr sz="3360">
                 <a:gradFill>
                   <a:gsLst>
                     <a:gs pos="15000">
@@ -4891,37 +5947,37 @@
                 </a:gradFill>
               </a:defRPr>
             </a:lvl1pPr>
-            <a:lvl2pPr marL="1097280" indent="0">
-              <a:buNone/>
-              <a:defRPr sz="3360"/>
+            <a:lvl2pPr marL="822960" indent="0">
+              <a:buNone/>
+              <a:defRPr sz="2520"/>
             </a:lvl2pPr>
-            <a:lvl3pPr marL="2194560" indent="0">
-              <a:buNone/>
-              <a:defRPr sz="2880"/>
+            <a:lvl3pPr marL="1645920" indent="0">
+              <a:buNone/>
+              <a:defRPr sz="2160"/>
             </a:lvl3pPr>
-            <a:lvl4pPr marL="3291840" indent="0">
-              <a:buNone/>
-              <a:defRPr sz="2400"/>
+            <a:lvl4pPr marL="2468880" indent="0">
+              <a:buNone/>
+              <a:defRPr sz="1800"/>
             </a:lvl4pPr>
-            <a:lvl5pPr marL="4389120" indent="0">
-              <a:buNone/>
-              <a:defRPr sz="2400"/>
+            <a:lvl5pPr marL="3291840" indent="0">
+              <a:buNone/>
+              <a:defRPr sz="1800"/>
             </a:lvl5pPr>
-            <a:lvl6pPr marL="5486400" indent="0">
-              <a:buNone/>
-              <a:defRPr sz="2400"/>
+            <a:lvl6pPr marL="4114800" indent="0">
+              <a:buNone/>
+              <a:defRPr sz="1800"/>
             </a:lvl6pPr>
-            <a:lvl7pPr marL="6583680" indent="0">
-              <a:buNone/>
-              <a:defRPr sz="2400"/>
+            <a:lvl7pPr marL="4937760" indent="0">
+              <a:buNone/>
+              <a:defRPr sz="1800"/>
             </a:lvl7pPr>
-            <a:lvl8pPr marL="7680960" indent="0">
-              <a:buNone/>
-              <a:defRPr sz="2400"/>
+            <a:lvl8pPr marL="5760720" indent="0">
+              <a:buNone/>
+              <a:defRPr sz="1800"/>
             </a:lvl8pPr>
-            <a:lvl9pPr marL="8778240" indent="0">
-              <a:buNone/>
-              <a:defRPr sz="2400"/>
+            <a:lvl9pPr marL="6583680" indent="0">
+              <a:buNone/>
+              <a:defRPr sz="1800"/>
             </a:lvl9pPr>
           </a:lstStyle>
           <a:p>
@@ -4950,7 +6006,7 @@
           <a:p>
             <a:fld id="{97BFA24D-4487-334F-A686-89F17C89AD59}" type="datetimeFigureOut">
               <a:rPr lang="en-US" smtClean="0"/>
-              <a:t>12/6/16</a:t>
+              <a:t>12/10/16</a:t>
             </a:fld>
             <a:endParaRPr lang="en-US"/>
           </a:p>
@@ -5049,8 +6105,8 @@
         </p:nvSpPr>
         <p:spPr>
           <a:xfrm>
-            <a:off x="2263140" y="1168405"/>
-            <a:ext cx="28392120" cy="4241802"/>
+            <a:off x="1508760" y="1752607"/>
+            <a:ext cx="18928080" cy="6362702"/>
           </a:xfrm>
           <a:prstGeom prst="rect">
             <a:avLst/>
@@ -5082,8 +6138,8 @@
         </p:nvSpPr>
         <p:spPr>
           <a:xfrm>
-            <a:off x="3024000" y="5842000"/>
-            <a:ext cx="27631260" cy="13924282"/>
+            <a:off x="2016000" y="8763000"/>
+            <a:ext cx="18420840" cy="20886422"/>
           </a:xfrm>
           <a:prstGeom prst="rect">
             <a:avLst/>
@@ -5144,8 +6200,8 @@
         </p:nvSpPr>
         <p:spPr>
           <a:xfrm>
-            <a:off x="2263140" y="20340325"/>
-            <a:ext cx="7406640" cy="1168400"/>
+            <a:off x="1508760" y="30510487"/>
+            <a:ext cx="4937760" cy="1752600"/>
           </a:xfrm>
           <a:prstGeom prst="rect">
             <a:avLst/>
@@ -5155,7 +6211,7 @@
           <a:bodyPr vert="horz" lIns="91440" tIns="45720" rIns="91440" bIns="45720" rtlCol="0" anchor="ctr"/>
           <a:lstStyle>
             <a:lvl1pPr algn="l">
-              <a:defRPr sz="2880">
+              <a:defRPr sz="2160">
                 <a:gradFill flip="none" rotWithShape="1">
                   <a:gsLst>
                     <a:gs pos="28000">
@@ -5185,7 +6241,7 @@
           <a:p>
             <a:fld id="{97BFA24D-4487-334F-A686-89F17C89AD59}" type="datetimeFigureOut">
               <a:rPr lang="en-US" smtClean="0"/>
-              <a:t>12/6/16</a:t>
+              <a:t>12/10/16</a:t>
             </a:fld>
             <a:endParaRPr lang="en-US"/>
           </a:p>
@@ -5203,8 +6259,8 @@
         </p:nvSpPr>
         <p:spPr>
           <a:xfrm>
-            <a:off x="10904220" y="20340325"/>
-            <a:ext cx="11109960" cy="1168400"/>
+            <a:off x="7269480" y="30510487"/>
+            <a:ext cx="7406640" cy="1752600"/>
           </a:xfrm>
           <a:prstGeom prst="rect">
             <a:avLst/>
@@ -5214,7 +6270,7 @@
           <a:bodyPr vert="horz" lIns="91440" tIns="45720" rIns="91440" bIns="45720" rtlCol="0" anchor="ctr"/>
           <a:lstStyle>
             <a:lvl1pPr algn="ctr">
-              <a:defRPr sz="2880">
+              <a:defRPr sz="2160">
                 <a:gradFill flip="none" rotWithShape="1">
                   <a:gsLst>
                     <a:gs pos="28000">
@@ -5258,8 +6314,8 @@
         </p:nvSpPr>
         <p:spPr>
           <a:xfrm>
-            <a:off x="23248620" y="20340325"/>
-            <a:ext cx="7406640" cy="1168400"/>
+            <a:off x="15499080" y="30510487"/>
+            <a:ext cx="4937760" cy="1752600"/>
           </a:xfrm>
           <a:prstGeom prst="rect">
             <a:avLst/>
@@ -5269,7 +6325,7 @@
           <a:bodyPr vert="horz" lIns="91440" tIns="45720" rIns="91440" bIns="45720" rtlCol="0" anchor="ctr"/>
           <a:lstStyle>
             <a:lvl1pPr algn="r">
-              <a:defRPr sz="2880">
+              <a:defRPr sz="2160">
                 <a:gradFill flip="none" rotWithShape="1">
                   <a:gsLst>
                     <a:gs pos="28000">
@@ -5308,33 +6364,33 @@
     </p:spTree>
     <p:extLst>
       <p:ext uri="{BB962C8B-B14F-4D97-AF65-F5344CB8AC3E}">
-        <p14:creationId xmlns:p14="http://schemas.microsoft.com/office/powerpoint/2010/main" val="1345427504"/>
+        <p14:creationId xmlns:p14="http://schemas.microsoft.com/office/powerpoint/2010/main" val="550203712"/>
       </p:ext>
     </p:extLst>
   </p:cSld>
   <p:clrMap bg1="dk1" tx1="lt1" bg2="dk2" tx2="lt2" accent1="accent1" accent2="accent2" accent3="accent3" accent4="accent4" accent5="accent5" accent6="accent6" hlink="hlink" folHlink="folHlink"/>
   <p:sldLayoutIdLst>
-    <p:sldLayoutId id="2147483983" r:id="rId1"/>
-    <p:sldLayoutId id="2147483984" r:id="rId2"/>
-    <p:sldLayoutId id="2147483985" r:id="rId3"/>
-    <p:sldLayoutId id="2147483986" r:id="rId4"/>
-    <p:sldLayoutId id="2147483987" r:id="rId5"/>
-    <p:sldLayoutId id="2147483988" r:id="rId6"/>
-    <p:sldLayoutId id="2147483989" r:id="rId7"/>
-    <p:sldLayoutId id="2147483990" r:id="rId8"/>
-    <p:sldLayoutId id="2147483991" r:id="rId9"/>
-    <p:sldLayoutId id="2147483992" r:id="rId10"/>
-    <p:sldLayoutId id="2147483993" r:id="rId11"/>
-    <p:sldLayoutId id="2147483994" r:id="rId12"/>
-    <p:sldLayoutId id="2147483995" r:id="rId13"/>
-    <p:sldLayoutId id="2147483996" r:id="rId14"/>
-    <p:sldLayoutId id="2147483997" r:id="rId15"/>
-    <p:sldLayoutId id="2147483998" r:id="rId16"/>
-    <p:sldLayoutId id="2147483999" r:id="rId17"/>
+    <p:sldLayoutId id="2147484001" r:id="rId1"/>
+    <p:sldLayoutId id="2147484002" r:id="rId2"/>
+    <p:sldLayoutId id="2147484003" r:id="rId3"/>
+    <p:sldLayoutId id="2147484004" r:id="rId4"/>
+    <p:sldLayoutId id="2147484005" r:id="rId5"/>
+    <p:sldLayoutId id="2147484006" r:id="rId6"/>
+    <p:sldLayoutId id="2147484007" r:id="rId7"/>
+    <p:sldLayoutId id="2147484008" r:id="rId8"/>
+    <p:sldLayoutId id="2147484009" r:id="rId9"/>
+    <p:sldLayoutId id="2147484010" r:id="rId10"/>
+    <p:sldLayoutId id="2147484011" r:id="rId11"/>
+    <p:sldLayoutId id="2147484012" r:id="rId12"/>
+    <p:sldLayoutId id="2147484013" r:id="rId13"/>
+    <p:sldLayoutId id="2147484014" r:id="rId14"/>
+    <p:sldLayoutId id="2147484015" r:id="rId15"/>
+    <p:sldLayoutId id="2147484016" r:id="rId16"/>
+    <p:sldLayoutId id="2147484017" r:id="rId17"/>
   </p:sldLayoutIdLst>
   <p:txStyles>
     <p:titleStyle>
-      <a:lvl1pPr algn="l" defTabSz="2194560" rtl="0" eaLnBrk="1" latinLnBrk="0" hangingPunct="1">
+      <a:lvl1pPr algn="l" defTabSz="1645920" rtl="0" eaLnBrk="1" latinLnBrk="0" hangingPunct="1">
         <a:lnSpc>
           <a:spcPct val="90000"/>
         </a:lnSpc>
@@ -5342,7 +6398,7 @@
           <a:spcPct val="0"/>
         </a:spcBef>
         <a:buNone/>
-        <a:defRPr sz="14080" b="0" kern="1200">
+        <a:defRPr sz="10560" b="0" kern="1200">
           <a:gradFill flip="none" rotWithShape="1">
             <a:gsLst>
               <a:gs pos="28000">
@@ -5373,16 +6429,16 @@
       </a:lvl1pPr>
     </p:titleStyle>
     <p:bodyStyle>
-      <a:lvl1pPr marL="548640" indent="-548640" algn="l" defTabSz="2194560" rtl="0" eaLnBrk="1" latinLnBrk="0" hangingPunct="1">
+      <a:lvl1pPr marL="411480" indent="-411480" algn="l" defTabSz="1645920" rtl="0" eaLnBrk="1" latinLnBrk="0" hangingPunct="1">
         <a:lnSpc>
           <a:spcPct val="90000"/>
         </a:lnSpc>
         <a:spcBef>
-          <a:spcPts val="2400"/>
+          <a:spcPts val="1800"/>
         </a:spcBef>
         <a:buFont typeface="Arial" panose="020B0604020202020204" pitchFamily="34" charset="0"/>
         <a:buChar char="•"/>
-        <a:defRPr sz="7680" kern="1200">
+        <a:defRPr sz="5760" kern="1200">
           <a:gradFill>
             <a:gsLst>
               <a:gs pos="34000">
@@ -5410,16 +6466,16 @@
           <a:cs typeface="+mn-cs"/>
         </a:defRPr>
       </a:lvl1pPr>
-      <a:lvl2pPr marL="1645920" indent="-548640" algn="l" defTabSz="2194560" rtl="0" eaLnBrk="1" latinLnBrk="0" hangingPunct="1">
+      <a:lvl2pPr marL="1234440" indent="-411480" algn="l" defTabSz="1645920" rtl="0" eaLnBrk="1" latinLnBrk="0" hangingPunct="1">
         <a:lnSpc>
           <a:spcPct val="90000"/>
         </a:lnSpc>
         <a:spcBef>
-          <a:spcPts val="1200"/>
+          <a:spcPts val="900"/>
         </a:spcBef>
         <a:buFont typeface="Arial" panose="020B0604020202020204" pitchFamily="34" charset="0"/>
         <a:buChar char="•"/>
-        <a:defRPr sz="6400" kern="1200">
+        <a:defRPr sz="4800" kern="1200">
           <a:gradFill>
             <a:gsLst>
               <a:gs pos="34000">
@@ -5447,16 +6503,16 @@
           <a:cs typeface="+mn-cs"/>
         </a:defRPr>
       </a:lvl2pPr>
-      <a:lvl3pPr marL="2743200" indent="-548640" algn="l" defTabSz="2194560" rtl="0" eaLnBrk="1" latinLnBrk="0" hangingPunct="1">
+      <a:lvl3pPr marL="2057400" indent="-411480" algn="l" defTabSz="1645920" rtl="0" eaLnBrk="1" latinLnBrk="0" hangingPunct="1">
         <a:lnSpc>
           <a:spcPct val="90000"/>
         </a:lnSpc>
         <a:spcBef>
-          <a:spcPts val="1200"/>
+          <a:spcPts val="900"/>
         </a:spcBef>
         <a:buFont typeface="Arial" panose="020B0604020202020204" pitchFamily="34" charset="0"/>
         <a:buChar char="•"/>
-        <a:defRPr sz="5120" kern="1200">
+        <a:defRPr sz="3840" kern="1200">
           <a:gradFill>
             <a:gsLst>
               <a:gs pos="34000">
@@ -5484,16 +6540,16 @@
           <a:cs typeface="+mn-cs"/>
         </a:defRPr>
       </a:lvl3pPr>
-      <a:lvl4pPr marL="3840480" indent="-548640" algn="l" defTabSz="2194560" rtl="0" eaLnBrk="1" latinLnBrk="0" hangingPunct="1">
+      <a:lvl4pPr marL="2880360" indent="-411480" algn="l" defTabSz="1645920" rtl="0" eaLnBrk="1" latinLnBrk="0" hangingPunct="1">
         <a:lnSpc>
           <a:spcPct val="90000"/>
         </a:lnSpc>
         <a:spcBef>
-          <a:spcPts val="1200"/>
+          <a:spcPts val="900"/>
         </a:spcBef>
         <a:buFont typeface="Arial" panose="020B0604020202020204" pitchFamily="34" charset="0"/>
         <a:buChar char="•"/>
-        <a:defRPr sz="4480" kern="1200">
+        <a:defRPr sz="3360" kern="1200">
           <a:gradFill>
             <a:gsLst>
               <a:gs pos="34000">
@@ -5521,16 +6577,16 @@
           <a:cs typeface="+mn-cs"/>
         </a:defRPr>
       </a:lvl4pPr>
-      <a:lvl5pPr marL="4937760" indent="-548640" algn="l" defTabSz="2194560" rtl="0" eaLnBrk="1" latinLnBrk="0" hangingPunct="1">
+      <a:lvl5pPr marL="3703320" indent="-411480" algn="l" defTabSz="1645920" rtl="0" eaLnBrk="1" latinLnBrk="0" hangingPunct="1">
         <a:lnSpc>
           <a:spcPct val="90000"/>
         </a:lnSpc>
         <a:spcBef>
-          <a:spcPts val="1200"/>
+          <a:spcPts val="900"/>
         </a:spcBef>
         <a:buFont typeface="Arial" panose="020B0604020202020204" pitchFamily="34" charset="0"/>
         <a:buChar char="•"/>
-        <a:defRPr sz="4480" kern="1200">
+        <a:defRPr sz="3360" kern="1200">
           <a:gradFill>
             <a:gsLst>
               <a:gs pos="34000">
@@ -5558,16 +6614,16 @@
           <a:cs typeface="+mn-cs"/>
         </a:defRPr>
       </a:lvl5pPr>
-      <a:lvl6pPr marL="6035040" indent="-548640" algn="l" defTabSz="2194560" rtl="0" eaLnBrk="1" latinLnBrk="0" hangingPunct="1">
+      <a:lvl6pPr marL="4526280" indent="-411480" algn="l" defTabSz="1645920" rtl="0" eaLnBrk="1" latinLnBrk="0" hangingPunct="1">
         <a:lnSpc>
           <a:spcPct val="90000"/>
         </a:lnSpc>
         <a:spcBef>
-          <a:spcPts val="1200"/>
+          <a:spcPts val="900"/>
         </a:spcBef>
         <a:buFont typeface="Arial" panose="020B0604020202020204" pitchFamily="34" charset="0"/>
         <a:buChar char="•"/>
-        <a:defRPr sz="4320" kern="1200">
+        <a:defRPr sz="3240" kern="1200">
           <a:solidFill>
             <a:schemeClr val="tx1"/>
           </a:solidFill>
@@ -5576,16 +6632,16 @@
           <a:cs typeface="+mn-cs"/>
         </a:defRPr>
       </a:lvl6pPr>
-      <a:lvl7pPr marL="7132320" indent="-548640" algn="l" defTabSz="2194560" rtl="0" eaLnBrk="1" latinLnBrk="0" hangingPunct="1">
+      <a:lvl7pPr marL="5349240" indent="-411480" algn="l" defTabSz="1645920" rtl="0" eaLnBrk="1" latinLnBrk="0" hangingPunct="1">
         <a:lnSpc>
           <a:spcPct val="90000"/>
         </a:lnSpc>
         <a:spcBef>
-          <a:spcPts val="1200"/>
+          <a:spcPts val="900"/>
         </a:spcBef>
         <a:buFont typeface="Arial" panose="020B0604020202020204" pitchFamily="34" charset="0"/>
         <a:buChar char="•"/>
-        <a:defRPr sz="4320" kern="1200">
+        <a:defRPr sz="3240" kern="1200">
           <a:solidFill>
             <a:schemeClr val="tx1"/>
           </a:solidFill>
@@ -5594,16 +6650,16 @@
           <a:cs typeface="+mn-cs"/>
         </a:defRPr>
       </a:lvl7pPr>
-      <a:lvl8pPr marL="8229600" indent="-548640" algn="l" defTabSz="2194560" rtl="0" eaLnBrk="1" latinLnBrk="0" hangingPunct="1">
+      <a:lvl8pPr marL="6172200" indent="-411480" algn="l" defTabSz="1645920" rtl="0" eaLnBrk="1" latinLnBrk="0" hangingPunct="1">
         <a:lnSpc>
           <a:spcPct val="90000"/>
         </a:lnSpc>
         <a:spcBef>
-          <a:spcPts val="1200"/>
+          <a:spcPts val="900"/>
         </a:spcBef>
         <a:buFont typeface="Arial" panose="020B0604020202020204" pitchFamily="34" charset="0"/>
         <a:buChar char="•"/>
-        <a:defRPr sz="4320" kern="1200">
+        <a:defRPr sz="3240" kern="1200">
           <a:solidFill>
             <a:schemeClr val="tx1"/>
           </a:solidFill>
@@ -5612,16 +6668,16 @@
           <a:cs typeface="+mn-cs"/>
         </a:defRPr>
       </a:lvl8pPr>
-      <a:lvl9pPr marL="9326880" indent="-548640" algn="l" defTabSz="2194560" rtl="0" eaLnBrk="1" latinLnBrk="0" hangingPunct="1">
+      <a:lvl9pPr marL="6995160" indent="-411480" algn="l" defTabSz="1645920" rtl="0" eaLnBrk="1" latinLnBrk="0" hangingPunct="1">
         <a:lnSpc>
           <a:spcPct val="90000"/>
         </a:lnSpc>
         <a:spcBef>
-          <a:spcPts val="1200"/>
+          <a:spcPts val="900"/>
         </a:spcBef>
         <a:buFont typeface="Arial" panose="020B0604020202020204" pitchFamily="34" charset="0"/>
         <a:buChar char="•"/>
-        <a:defRPr sz="4320" kern="1200">
+        <a:defRPr sz="3240" kern="1200">
           <a:solidFill>
             <a:schemeClr val="tx1"/>
           </a:solidFill>
@@ -5635,8 +6691,8 @@
       <a:defPPr>
         <a:defRPr lang="en-US"/>
       </a:defPPr>
-      <a:lvl1pPr marL="0" algn="l" defTabSz="2194560" rtl="0" eaLnBrk="1" latinLnBrk="0" hangingPunct="1">
-        <a:defRPr sz="4320" kern="1200">
+      <a:lvl1pPr marL="0" algn="l" defTabSz="1645920" rtl="0" eaLnBrk="1" latinLnBrk="0" hangingPunct="1">
+        <a:defRPr sz="3240" kern="1200">
           <a:solidFill>
             <a:schemeClr val="tx1"/>
           </a:solidFill>
@@ -5645,8 +6701,8 @@
           <a:cs typeface="+mn-cs"/>
         </a:defRPr>
       </a:lvl1pPr>
-      <a:lvl2pPr marL="1097280" algn="l" defTabSz="2194560" rtl="0" eaLnBrk="1" latinLnBrk="0" hangingPunct="1">
-        <a:defRPr sz="4320" kern="1200">
+      <a:lvl2pPr marL="822960" algn="l" defTabSz="1645920" rtl="0" eaLnBrk="1" latinLnBrk="0" hangingPunct="1">
+        <a:defRPr sz="3240" kern="1200">
           <a:solidFill>
             <a:schemeClr val="tx1"/>
           </a:solidFill>
@@ -5655,8 +6711,8 @@
           <a:cs typeface="+mn-cs"/>
         </a:defRPr>
       </a:lvl2pPr>
-      <a:lvl3pPr marL="2194560" algn="l" defTabSz="2194560" rtl="0" eaLnBrk="1" latinLnBrk="0" hangingPunct="1">
-        <a:defRPr sz="4320" kern="1200">
+      <a:lvl3pPr marL="1645920" algn="l" defTabSz="1645920" rtl="0" eaLnBrk="1" latinLnBrk="0" hangingPunct="1">
+        <a:defRPr sz="3240" kern="1200">
           <a:solidFill>
             <a:schemeClr val="tx1"/>
           </a:solidFill>
@@ -5665,8 +6721,8 @@
           <a:cs typeface="+mn-cs"/>
         </a:defRPr>
       </a:lvl3pPr>
-      <a:lvl4pPr marL="3291840" algn="l" defTabSz="2194560" rtl="0" eaLnBrk="1" latinLnBrk="0" hangingPunct="1">
-        <a:defRPr sz="4320" kern="1200">
+      <a:lvl4pPr marL="2468880" algn="l" defTabSz="1645920" rtl="0" eaLnBrk="1" latinLnBrk="0" hangingPunct="1">
+        <a:defRPr sz="3240" kern="1200">
           <a:solidFill>
             <a:schemeClr val="tx1"/>
           </a:solidFill>
@@ -5675,8 +6731,8 @@
           <a:cs typeface="+mn-cs"/>
         </a:defRPr>
       </a:lvl4pPr>
-      <a:lvl5pPr marL="4389120" algn="l" defTabSz="2194560" rtl="0" eaLnBrk="1" latinLnBrk="0" hangingPunct="1">
-        <a:defRPr sz="4320" kern="1200">
+      <a:lvl5pPr marL="3291840" algn="l" defTabSz="1645920" rtl="0" eaLnBrk="1" latinLnBrk="0" hangingPunct="1">
+        <a:defRPr sz="3240" kern="1200">
           <a:solidFill>
             <a:schemeClr val="tx1"/>
           </a:solidFill>
@@ -5685,8 +6741,8 @@
           <a:cs typeface="+mn-cs"/>
         </a:defRPr>
       </a:lvl5pPr>
-      <a:lvl6pPr marL="5486400" algn="l" defTabSz="2194560" rtl="0" eaLnBrk="1" latinLnBrk="0" hangingPunct="1">
-        <a:defRPr sz="4320" kern="1200">
+      <a:lvl6pPr marL="4114800" algn="l" defTabSz="1645920" rtl="0" eaLnBrk="1" latinLnBrk="0" hangingPunct="1">
+        <a:defRPr sz="3240" kern="1200">
           <a:solidFill>
             <a:schemeClr val="tx1"/>
           </a:solidFill>
@@ -5695,8 +6751,8 @@
           <a:cs typeface="+mn-cs"/>
         </a:defRPr>
       </a:lvl6pPr>
-      <a:lvl7pPr marL="6583680" algn="l" defTabSz="2194560" rtl="0" eaLnBrk="1" latinLnBrk="0" hangingPunct="1">
-        <a:defRPr sz="4320" kern="1200">
+      <a:lvl7pPr marL="4937760" algn="l" defTabSz="1645920" rtl="0" eaLnBrk="1" latinLnBrk="0" hangingPunct="1">
+        <a:defRPr sz="3240" kern="1200">
           <a:solidFill>
             <a:schemeClr val="tx1"/>
           </a:solidFill>
@@ -5705,8 +6761,8 @@
           <a:cs typeface="+mn-cs"/>
         </a:defRPr>
       </a:lvl7pPr>
-      <a:lvl8pPr marL="7680960" algn="l" defTabSz="2194560" rtl="0" eaLnBrk="1" latinLnBrk="0" hangingPunct="1">
-        <a:defRPr sz="4320" kern="1200">
+      <a:lvl8pPr marL="5760720" algn="l" defTabSz="1645920" rtl="0" eaLnBrk="1" latinLnBrk="0" hangingPunct="1">
+        <a:defRPr sz="3240" kern="1200">
           <a:solidFill>
             <a:schemeClr val="tx1"/>
           </a:solidFill>
@@ -5715,8 +6771,8 @@
           <a:cs typeface="+mn-cs"/>
         </a:defRPr>
       </a:lvl8pPr>
-      <a:lvl9pPr marL="8778240" algn="l" defTabSz="2194560" rtl="0" eaLnBrk="1" latinLnBrk="0" hangingPunct="1">
-        <a:defRPr sz="4320" kern="1200">
+      <a:lvl9pPr marL="6583680" algn="l" defTabSz="1645920" rtl="0" eaLnBrk="1" latinLnBrk="0" hangingPunct="1">
+        <a:defRPr sz="3240" kern="1200">
           <a:solidFill>
             <a:schemeClr val="tx1"/>
           </a:solidFill>
@@ -5764,8 +6820,8 @@
         </p:nvSpPr>
         <p:spPr>
           <a:xfrm>
-            <a:off x="9274629" y="578848"/>
-            <a:ext cx="13977257" cy="2891787"/>
+            <a:off x="6076220" y="824783"/>
+            <a:ext cx="9318171" cy="1927858"/>
           </a:xfrm>
         </p:spPr>
         <p:txBody>
@@ -5776,10 +6832,21 @@
           <a:p>
             <a:pPr algn="ctr"/>
             <a:r>
-              <a:rPr lang="en-US" sz="10000" b="1" dirty="0" smtClean="0"/>
-              <a:t>Historical Textual Analysis</a:t>
-            </a:r>
-            <a:endParaRPr lang="en-US" sz="10000" b="1" dirty="0"/>
+              <a:rPr lang="en-US" sz="6668" b="1"/>
+              <a:t>Historical </a:t>
+            </a:r>
+            <a:r>
+              <a:rPr lang="en-US" sz="6668" b="1" smtClean="0"/>
+              <a:t> Textual  </a:t>
+            </a:r>
+            <a:br>
+              <a:rPr lang="en-US" sz="6668" b="1" smtClean="0"/>
+            </a:br>
+            <a:r>
+              <a:rPr lang="en-US" sz="6668" b="1" smtClean="0"/>
+              <a:t>Analysis</a:t>
+            </a:r>
+            <a:endParaRPr lang="en-US" sz="6668" b="1" dirty="0"/>
           </a:p>
         </p:txBody>
       </p:sp>
@@ -5791,8 +6858,8 @@
         </p:nvSpPr>
         <p:spPr>
           <a:xfrm>
-            <a:off x="1001486" y="783771"/>
-            <a:ext cx="6662057" cy="2523768"/>
+            <a:off x="1519272" y="777788"/>
+            <a:ext cx="4441371" cy="1692964"/>
           </a:xfrm>
           <a:prstGeom prst="rect">
             <a:avLst/>
@@ -5806,30 +6873,30 @@
           <a:lstStyle/>
           <a:p>
             <a:r>
-              <a:rPr lang="en-US" sz="5200" dirty="0" smtClean="0"/>
+              <a:rPr lang="en-US" sz="3467" dirty="0"/>
               <a:t>Authors:</a:t>
             </a:r>
           </a:p>
           <a:p>
             <a:r>
-              <a:rPr lang="en-US" sz="5200" dirty="0" smtClean="0"/>
+              <a:rPr lang="en-US" sz="3467" dirty="0"/>
               <a:t>Alex Perez</a:t>
             </a:r>
           </a:p>
           <a:p>
             <a:r>
-              <a:rPr lang="en-US" sz="5200" dirty="0" err="1"/>
+              <a:rPr lang="en-US" sz="3467" dirty="0" err="1"/>
               <a:t>Yakov</a:t>
             </a:r>
             <a:r>
-              <a:rPr lang="en-US" sz="5200" dirty="0"/>
+              <a:rPr lang="en-US" sz="3467" dirty="0"/>
               <a:t> </a:t>
             </a:r>
             <a:r>
-              <a:rPr lang="en-US" sz="5200" dirty="0" err="1"/>
+              <a:rPr lang="en-US" sz="3467" dirty="0" err="1"/>
               <a:t>Neshcheretnyy</a:t>
             </a:r>
-            <a:endParaRPr lang="en-US" sz="5200" dirty="0"/>
+            <a:endParaRPr lang="en-US" sz="3467" dirty="0"/>
           </a:p>
         </p:txBody>
       </p:sp>
@@ -5841,8 +6908,8 @@
         </p:nvSpPr>
         <p:spPr>
           <a:xfrm>
-            <a:off x="25341943" y="783771"/>
-            <a:ext cx="6879772" cy="2485680"/>
+            <a:off x="16444540" y="824147"/>
+            <a:ext cx="4586515" cy="1692964"/>
           </a:xfrm>
           <a:prstGeom prst="rect">
             <a:avLst/>
@@ -5856,16 +6923,16 @@
           <a:lstStyle/>
           <a:p>
             <a:r>
-              <a:rPr lang="en-US" sz="5200" dirty="0" smtClean="0"/>
+              <a:rPr lang="en-US" sz="3467" dirty="0"/>
               <a:t>CS 585</a:t>
             </a:r>
           </a:p>
           <a:p>
             <a:r>
-              <a:rPr lang="en-US" sz="5200" dirty="0" smtClean="0"/>
+              <a:rPr lang="en-US" sz="3467" dirty="0"/>
               <a:t>University of Massachusetts Amherst</a:t>
             </a:r>
-            <a:endParaRPr lang="en-US" sz="5200" dirty="0"/>
+            <a:endParaRPr lang="en-US" sz="3467" dirty="0"/>
           </a:p>
         </p:txBody>
       </p:sp>
@@ -5877,8 +6944,8 @@
         </p:nvSpPr>
         <p:spPr>
           <a:xfrm>
-            <a:off x="1350641" y="4572000"/>
-            <a:ext cx="8706394" cy="15762514"/>
+            <a:off x="7764194" y="2872346"/>
+            <a:ext cx="5886189" cy="787772"/>
           </a:xfrm>
           <a:prstGeom prst="rect">
             <a:avLst/>
@@ -5896,7 +6963,7 @@
           </a:bodyPr>
           <a:lstStyle/>
           <a:p>
-            <a:endParaRPr lang="en-US" dirty="0"/>
+            <a:endParaRPr lang="en-US" sz="3456" dirty="0"/>
           </a:p>
         </p:txBody>
       </p:sp>
@@ -5908,8 +6975,8 @@
         </p:nvSpPr>
         <p:spPr>
           <a:xfrm>
-            <a:off x="11910060" y="4572000"/>
-            <a:ext cx="8706394" cy="15762514"/>
+            <a:off x="7764194" y="11823143"/>
+            <a:ext cx="6010844" cy="759240"/>
           </a:xfrm>
           <a:prstGeom prst="rect">
             <a:avLst/>
@@ -5927,7 +6994,7 @@
           </a:bodyPr>
           <a:lstStyle/>
           <a:p>
-            <a:endParaRPr lang="en-US" dirty="0"/>
+            <a:endParaRPr lang="en-US" sz="3456" dirty="0"/>
           </a:p>
         </p:txBody>
       </p:sp>
@@ -5939,8 +7006,8 @@
         </p:nvSpPr>
         <p:spPr>
           <a:xfrm>
-            <a:off x="23251886" y="4572000"/>
-            <a:ext cx="8706394" cy="15762514"/>
+            <a:off x="7764194" y="19274678"/>
+            <a:ext cx="6010844" cy="781285"/>
           </a:xfrm>
           <a:prstGeom prst="rect">
             <a:avLst/>
@@ -5958,7 +7025,7 @@
           </a:bodyPr>
           <a:lstStyle/>
           <a:p>
-            <a:endParaRPr lang="en-US" dirty="0"/>
+            <a:endParaRPr lang="en-US" sz="3456" dirty="0"/>
           </a:p>
         </p:txBody>
       </p:sp>
@@ -5970,8 +7037,8 @@
         </p:nvSpPr>
         <p:spPr>
           <a:xfrm>
-            <a:off x="2377440" y="5166361"/>
-            <a:ext cx="6897188" cy="890115"/>
+            <a:off x="8408225" y="2953591"/>
+            <a:ext cx="4598125" cy="707886"/>
           </a:xfrm>
           <a:prstGeom prst="rect">
             <a:avLst/>
@@ -5986,10 +7053,10 @@
           <a:p>
             <a:pPr algn="ctr"/>
             <a:r>
-              <a:rPr lang="en-US" sz="5000" b="1" dirty="0" smtClean="0"/>
+              <a:rPr lang="en-US" sz="4000" b="1" dirty="0"/>
               <a:t>Intro and Data</a:t>
             </a:r>
-            <a:endParaRPr lang="en-US" sz="5000" b="1" dirty="0"/>
+            <a:endParaRPr lang="en-US" sz="4000" b="1" dirty="0"/>
           </a:p>
         </p:txBody>
       </p:sp>
@@ -6001,8 +7068,8 @@
         </p:nvSpPr>
         <p:spPr>
           <a:xfrm>
-            <a:off x="13030200" y="5166361"/>
-            <a:ext cx="6492240" cy="890115"/>
+            <a:off x="8613210" y="11833097"/>
+            <a:ext cx="4328160" cy="707886"/>
           </a:xfrm>
           <a:prstGeom prst="rect">
             <a:avLst/>
@@ -6017,10 +7084,10 @@
           <a:p>
             <a:pPr algn="ctr"/>
             <a:r>
-              <a:rPr lang="en-US" sz="5000" b="1" dirty="0" smtClean="0"/>
+              <a:rPr lang="en-US" sz="4000" b="1" dirty="0"/>
               <a:t>Model</a:t>
             </a:r>
-            <a:endParaRPr lang="en-US" sz="5000" b="1" dirty="0"/>
+            <a:endParaRPr lang="en-US" sz="4000" b="1" dirty="0"/>
           </a:p>
         </p:txBody>
       </p:sp>
@@ -6032,8 +7099,8 @@
         </p:nvSpPr>
         <p:spPr>
           <a:xfrm>
-            <a:off x="24323040" y="5166361"/>
-            <a:ext cx="6949440" cy="890115"/>
+            <a:off x="8605447" y="19314775"/>
+            <a:ext cx="4632960" cy="707886"/>
           </a:xfrm>
           <a:prstGeom prst="rect">
             <a:avLst/>
@@ -6048,53 +7115,10 @@
           <a:p>
             <a:pPr algn="ctr"/>
             <a:r>
-              <a:rPr lang="en-US" sz="5000" b="1" dirty="0" smtClean="0"/>
+              <a:rPr lang="en-US" sz="4000" b="1" dirty="0"/>
               <a:t>Results</a:t>
             </a:r>
-            <a:endParaRPr lang="en-US" sz="5000" b="1" dirty="0"/>
-          </a:p>
-        </p:txBody>
-      </p:sp>
-      <p:sp>
-        <p:nvSpPr>
-          <p:cNvPr id="13" name="TextBox 12"/>
-          <p:cNvSpPr txBox="1"/>
-          <p:nvPr/>
-        </p:nvSpPr>
-        <p:spPr>
-          <a:xfrm>
-            <a:off x="2145629" y="9917513"/>
-            <a:ext cx="7116417" cy="9218541"/>
-          </a:xfrm>
-          <a:prstGeom prst="rect">
-            <a:avLst/>
-          </a:prstGeom>
-          <a:noFill/>
-        </p:spPr>
-        <p:txBody>
-          <a:bodyPr wrap="square" rtlCol="0">
-            <a:noAutofit/>
-          </a:bodyPr>
-          <a:lstStyle/>
-          <a:p>
-            <a:pPr marL="685800" marR="0" lvl="0" indent="-685800" defTabSz="914400" eaLnBrk="1" fontAlgn="auto" latinLnBrk="0" hangingPunct="1">
-              <a:lnSpc>
-                <a:spcPct val="100000"/>
-              </a:lnSpc>
-              <a:spcBef>
-                <a:spcPts val="0"/>
-              </a:spcBef>
-              <a:spcAft>
-                <a:spcPts val="0"/>
-              </a:spcAft>
-              <a:buClrTx/>
-              <a:buSzTx/>
-              <a:buFont typeface="Arial" charset="0"/>
-              <a:buNone/>
-              <a:tabLst/>
-              <a:defRPr/>
-            </a:pPr>
-            <a:endParaRPr lang="en-US" sz="3000" dirty="0"/>
+            <a:endParaRPr lang="en-US" sz="4000" b="1" dirty="0"/>
           </a:p>
         </p:txBody>
       </p:sp>
@@ -6120,8 +7144,8 @@
         </p:blipFill>
         <p:spPr>
           <a:xfrm>
-            <a:off x="2696656" y="13518538"/>
-            <a:ext cx="1121134" cy="1237399"/>
+            <a:off x="5642956" y="9963862"/>
+            <a:ext cx="747423" cy="824933"/>
           </a:xfrm>
           <a:prstGeom prst="rect">
             <a:avLst/>
@@ -6136,8 +7160,8 @@
         </p:nvSpPr>
         <p:spPr>
           <a:xfrm>
-            <a:off x="4612778" y="10643013"/>
-            <a:ext cx="3329341" cy="553998"/>
+            <a:off x="9625526" y="7690902"/>
+            <a:ext cx="2219561" cy="400110"/>
           </a:xfrm>
           <a:prstGeom prst="rect">
             <a:avLst/>
@@ -6151,10 +7175,10 @@
           <a:lstStyle/>
           <a:p>
             <a:r>
-              <a:rPr lang="en-US" sz="3000" dirty="0" smtClean="0"/>
+              <a:rPr lang="en-US" sz="2000" dirty="0"/>
               <a:t>Corpus</a:t>
             </a:r>
-            <a:endParaRPr lang="en-US" sz="3000" dirty="0"/>
+            <a:endParaRPr lang="en-US" sz="2000" dirty="0"/>
           </a:p>
         </p:txBody>
       </p:sp>
@@ -6166,8 +7190,8 @@
         </p:nvCxnSpPr>
         <p:spPr>
           <a:xfrm flipH="1">
-            <a:off x="3522889" y="11944539"/>
-            <a:ext cx="970762" cy="978151"/>
+            <a:off x="6016667" y="8610893"/>
+            <a:ext cx="3376468" cy="1262367"/>
           </a:xfrm>
           <a:prstGeom prst="straightConnector1">
             <a:avLst/>
@@ -6202,8 +7226,8 @@
         </p:nvCxnSpPr>
         <p:spPr>
           <a:xfrm>
-            <a:off x="6037214" y="11952130"/>
-            <a:ext cx="589963" cy="848259"/>
+            <a:off x="10382948" y="8663080"/>
+            <a:ext cx="3357781" cy="1261788"/>
           </a:xfrm>
           <a:prstGeom prst="straightConnector1">
             <a:avLst/>
@@ -6232,14 +7256,14 @@
       </p:cxnSp>
       <p:sp>
         <p:nvSpPr>
-          <p:cNvPr id="29" name="TextBox 28"/>
+          <p:cNvPr id="30" name="TextBox 29"/>
           <p:cNvSpPr txBox="1"/>
           <p:nvPr/>
         </p:nvSpPr>
         <p:spPr>
           <a:xfrm>
-            <a:off x="2976920" y="12931625"/>
-            <a:ext cx="1635858" cy="553998"/>
+            <a:off x="11651827" y="8301111"/>
+            <a:ext cx="1720493" cy="769441"/>
           </a:xfrm>
           <a:prstGeom prst="rect">
             <a:avLst/>
@@ -6253,70 +7277,10 @@
           <a:lstStyle/>
           <a:p>
             <a:r>
-              <a:rPr lang="en-US" sz="3000" dirty="0" smtClean="0"/>
-              <a:t>Test</a:t>
-            </a:r>
-            <a:endParaRPr lang="en-US" sz="3000" dirty="0"/>
-          </a:p>
-        </p:txBody>
-      </p:sp>
-      <p:sp>
-        <p:nvSpPr>
-          <p:cNvPr id="30" name="TextBox 29"/>
-          <p:cNvSpPr txBox="1"/>
-          <p:nvPr/>
-        </p:nvSpPr>
-        <p:spPr>
-          <a:xfrm>
-            <a:off x="6670497" y="12918496"/>
-            <a:ext cx="1664671" cy="553998"/>
-          </a:xfrm>
-          <a:prstGeom prst="rect">
-            <a:avLst/>
-          </a:prstGeom>
-          <a:noFill/>
-        </p:spPr>
-        <p:txBody>
-          <a:bodyPr wrap="square" rtlCol="0">
-            <a:spAutoFit/>
-          </a:bodyPr>
-          <a:lstStyle/>
-          <a:p>
-            <a:r>
-              <a:rPr lang="en-US" sz="3000" dirty="0" smtClean="0"/>
-              <a:t>Train</a:t>
-            </a:r>
-            <a:endParaRPr lang="en-US" sz="3000" dirty="0"/>
-          </a:p>
-        </p:txBody>
-      </p:sp>
-      <p:sp>
-        <p:nvSpPr>
-          <p:cNvPr id="31" name="TextBox 30"/>
-          <p:cNvSpPr txBox="1"/>
-          <p:nvPr/>
-        </p:nvSpPr>
-        <p:spPr>
-          <a:xfrm>
-            <a:off x="2101275" y="17336582"/>
-            <a:ext cx="2664460" cy="2169825"/>
-          </a:xfrm>
-          <a:prstGeom prst="rect">
-            <a:avLst/>
-          </a:prstGeom>
-          <a:noFill/>
-        </p:spPr>
-        <p:txBody>
-          <a:bodyPr wrap="square" rtlCol="0">
-            <a:spAutoFit/>
-          </a:bodyPr>
-          <a:lstStyle/>
-          <a:p>
-            <a:r>
-              <a:rPr lang="en-US" sz="2700" dirty="0" smtClean="0"/>
-              <a:t>Given a corpus split it into very large even date ranges (3 – 70 year periods)</a:t>
-            </a:r>
-            <a:endParaRPr lang="en-US" sz="2700" dirty="0"/>
+              <a:rPr lang="en-US" sz="2200" dirty="0"/>
+              <a:t>30 year intervals</a:t>
+            </a:r>
+            <a:endParaRPr lang="en-US" sz="2200" dirty="0"/>
           </a:p>
         </p:txBody>
       </p:sp>
@@ -6342,8 +7306,8 @@
         </p:blipFill>
         <p:spPr>
           <a:xfrm>
-            <a:off x="4674093" y="11397128"/>
-            <a:ext cx="1121134" cy="1237399"/>
+            <a:off x="9645101" y="8125162"/>
+            <a:ext cx="747423" cy="824933"/>
           </a:xfrm>
           <a:prstGeom prst="rect">
             <a:avLst/>
@@ -6372,8 +7336,8 @@
         </p:blipFill>
         <p:spPr>
           <a:xfrm>
-            <a:off x="6670497" y="13547375"/>
-            <a:ext cx="1121134" cy="1237399"/>
+            <a:off x="13740729" y="10041698"/>
+            <a:ext cx="747423" cy="824933"/>
           </a:xfrm>
           <a:prstGeom prst="rect">
             <a:avLst/>
@@ -6388,8 +7352,8 @@
         </p:nvSpPr>
         <p:spPr>
           <a:xfrm>
-            <a:off x="2101275" y="5905511"/>
-            <a:ext cx="7696200" cy="630942"/>
+            <a:off x="3617275" y="3884274"/>
+            <a:ext cx="5130800" cy="553998"/>
           </a:xfrm>
           <a:prstGeom prst="rect">
             <a:avLst/>
@@ -6403,10 +7367,10 @@
           <a:lstStyle/>
           <a:p>
             <a:r>
-              <a:rPr lang="en-US" sz="3500" b="1" dirty="0" smtClean="0"/>
+              <a:rPr lang="en-US" sz="3000" b="1" dirty="0"/>
               <a:t>Research Questions</a:t>
             </a:r>
-            <a:endParaRPr lang="en-US" sz="3500" b="1" dirty="0"/>
+            <a:endParaRPr lang="en-US" sz="3000" b="1" dirty="0"/>
           </a:p>
         </p:txBody>
       </p:sp>
@@ -6418,8 +7382,8 @@
         </p:nvSpPr>
         <p:spPr>
           <a:xfrm>
-            <a:off x="2101275" y="6536453"/>
-            <a:ext cx="7017325" cy="1754326"/>
+            <a:off x="3617145" y="4587217"/>
+            <a:ext cx="13936488" cy="1015663"/>
           </a:xfrm>
           <a:prstGeom prst="rect">
             <a:avLst/>
@@ -6435,25 +7399,25 @@
           </a:bodyPr>
           <a:lstStyle/>
           <a:p>
-            <a:pPr marL="457200" indent="-457200">
+            <a:pPr marL="304877" indent="-304877">
               <a:buFont typeface="Arial" charset="0"/>
               <a:buChar char="•"/>
             </a:pPr>
             <a:r>
-              <a:rPr lang="en-US" sz="2700" dirty="0" smtClean="0"/>
+              <a:rPr lang="en-US" sz="3000" dirty="0"/>
               <a:t>Can we look at a written document and tell you when it was made with certainty?</a:t>
             </a:r>
           </a:p>
           <a:p>
-            <a:pPr marL="457200" indent="-457200">
+            <a:pPr marL="304877" indent="-304877">
               <a:buFont typeface="Arial" charset="0"/>
               <a:buChar char="•"/>
             </a:pPr>
             <a:r>
-              <a:rPr lang="en-US" sz="2700" dirty="0" smtClean="0"/>
+              <a:rPr lang="en-US" sz="3000" dirty="0"/>
               <a:t>What can we learn about the evolution of writing over time?</a:t>
             </a:r>
-            <a:endParaRPr lang="en-US" sz="2700" dirty="0"/>
+            <a:endParaRPr lang="en-US" sz="3000" dirty="0"/>
           </a:p>
         </p:txBody>
       </p:sp>
@@ -6465,8 +7429,8 @@
         </p:nvSpPr>
         <p:spPr>
           <a:xfrm>
-            <a:off x="2145630" y="8991386"/>
-            <a:ext cx="7696200" cy="1461939"/>
+            <a:off x="3611093" y="5738049"/>
+            <a:ext cx="8010732" cy="1477328"/>
           </a:xfrm>
           <a:prstGeom prst="rect">
             <a:avLst/>
@@ -6480,27 +7444,27 @@
           <a:lstStyle/>
           <a:p>
             <a:r>
-              <a:rPr lang="en-US" sz="3500" b="1" dirty="0" smtClean="0"/>
+              <a:rPr lang="en-US" sz="3000" b="1" dirty="0"/>
               <a:t>Data:</a:t>
             </a:r>
           </a:p>
           <a:p>
-            <a:pPr marL="457200" indent="-457200">
+            <a:pPr marL="304877" indent="-304877">
               <a:buFont typeface="Arial" charset="0"/>
               <a:buChar char="•"/>
             </a:pPr>
             <a:r>
-              <a:rPr lang="en-US" sz="2700" dirty="0" smtClean="0"/>
+              <a:rPr lang="en-US" sz="3000" dirty="0"/>
               <a:t>Corpus of Late Modern English Texts (CLMET)</a:t>
             </a:r>
           </a:p>
           <a:p>
-            <a:pPr marL="457200" indent="-457200">
+            <a:pPr marL="304877" indent="-304877">
               <a:buFont typeface="Arial" charset="0"/>
               <a:buChar char="•"/>
             </a:pPr>
             <a:r>
-              <a:rPr lang="en-US" sz="2700" dirty="0" smtClean="0"/>
+              <a:rPr lang="en-US" sz="3000" dirty="0"/>
               <a:t>Corpus ranges from 1710’s-1920’s (333 texts)</a:t>
             </a:r>
           </a:p>
@@ -6514,8 +7478,8 @@
         </p:nvSpPr>
         <p:spPr>
           <a:xfrm>
-            <a:off x="2145630" y="15379207"/>
-            <a:ext cx="7696200" cy="630942"/>
+            <a:off x="2447508" y="8981068"/>
+            <a:ext cx="5130800" cy="553998"/>
           </a:xfrm>
           <a:prstGeom prst="rect">
             <a:avLst/>
@@ -6529,190 +7493,9 @@
           <a:lstStyle/>
           <a:p>
             <a:r>
-              <a:rPr lang="en-US" sz="3500" b="1" dirty="0" smtClean="0"/>
-              <a:t>Splitting the Data</a:t>
-            </a:r>
-            <a:endParaRPr lang="en-US" sz="3500" b="1" dirty="0"/>
-          </a:p>
-        </p:txBody>
-      </p:sp>
-      <p:sp>
-        <p:nvSpPr>
-          <p:cNvPr id="39" name="TextBox 38"/>
-          <p:cNvSpPr txBox="1"/>
-          <p:nvPr/>
-        </p:nvSpPr>
-        <p:spPr>
-          <a:xfrm>
-            <a:off x="6146017" y="17336582"/>
-            <a:ext cx="2664460" cy="2169825"/>
-          </a:xfrm>
-          <a:prstGeom prst="rect">
-            <a:avLst/>
-          </a:prstGeom>
-          <a:noFill/>
-        </p:spPr>
-        <p:txBody>
-          <a:bodyPr wrap="square" rtlCol="0">
-            <a:spAutoFit/>
-          </a:bodyPr>
-          <a:lstStyle/>
-          <a:p>
-            <a:r>
-              <a:rPr lang="en-US" sz="2700" dirty="0" smtClean="0"/>
-              <a:t>Given a corpus split it into very small even date ranges (7 – 30 year periods)</a:t>
-            </a:r>
-            <a:endParaRPr lang="en-US" sz="2700" dirty="0"/>
-          </a:p>
-        </p:txBody>
-      </p:sp>
-      <p:sp>
-        <p:nvSpPr>
-          <p:cNvPr id="40" name="TextBox 39"/>
-          <p:cNvSpPr txBox="1"/>
-          <p:nvPr/>
-        </p:nvSpPr>
-        <p:spPr>
-          <a:xfrm>
-            <a:off x="4765735" y="16536220"/>
-            <a:ext cx="1411369" cy="890115"/>
-          </a:xfrm>
-          <a:prstGeom prst="rect">
-            <a:avLst/>
-          </a:prstGeom>
-          <a:noFill/>
-        </p:spPr>
-        <p:txBody>
-          <a:bodyPr wrap="square" rtlCol="0">
-            <a:spAutoFit/>
-          </a:bodyPr>
-          <a:lstStyle/>
-          <a:p>
-            <a:r>
-              <a:rPr lang="en-US" dirty="0" smtClean="0"/>
-              <a:t>V.S.</a:t>
-            </a:r>
-            <a:endParaRPr lang="en-US" dirty="0"/>
-          </a:p>
-        </p:txBody>
-      </p:sp>
-      <p:sp>
-        <p:nvSpPr>
-          <p:cNvPr id="41" name="TextBox 40"/>
-          <p:cNvSpPr txBox="1"/>
-          <p:nvPr/>
-        </p:nvSpPr>
-        <p:spPr>
-          <a:xfrm>
-            <a:off x="2146148" y="16536220"/>
-            <a:ext cx="2347503" cy="890115"/>
-          </a:xfrm>
-          <a:prstGeom prst="rect">
-            <a:avLst/>
-          </a:prstGeom>
-          <a:noFill/>
-        </p:spPr>
-        <p:txBody>
-          <a:bodyPr wrap="square" rtlCol="0">
-            <a:spAutoFit/>
-          </a:bodyPr>
-          <a:lstStyle/>
-          <a:p>
-            <a:r>
-              <a:rPr lang="en-US" smtClean="0"/>
-              <a:t>Broad</a:t>
-            </a:r>
-            <a:endParaRPr lang="en-US" dirty="0"/>
-          </a:p>
-        </p:txBody>
-      </p:sp>
-      <p:sp>
-        <p:nvSpPr>
-          <p:cNvPr id="42" name="TextBox 41"/>
-          <p:cNvSpPr txBox="1"/>
-          <p:nvPr/>
-        </p:nvSpPr>
-        <p:spPr>
-          <a:xfrm>
-            <a:off x="6304495" y="16536220"/>
-            <a:ext cx="2347503" cy="890115"/>
-          </a:xfrm>
-          <a:prstGeom prst="rect">
-            <a:avLst/>
-          </a:prstGeom>
-          <a:noFill/>
-        </p:spPr>
-        <p:txBody>
-          <a:bodyPr wrap="square" rtlCol="0">
-            <a:spAutoFit/>
-          </a:bodyPr>
-          <a:lstStyle/>
-          <a:p>
-            <a:r>
-              <a:rPr lang="en-US" dirty="0" smtClean="0"/>
-              <a:t>Specific</a:t>
-            </a:r>
-            <a:endParaRPr lang="en-US" dirty="0"/>
-          </a:p>
-        </p:txBody>
-      </p:sp>
-      <p:sp>
-        <p:nvSpPr>
-          <p:cNvPr id="43" name="TextBox 42"/>
-          <p:cNvSpPr txBox="1"/>
-          <p:nvPr/>
-        </p:nvSpPr>
-        <p:spPr>
-          <a:xfrm>
-            <a:off x="3410410" y="11851556"/>
-            <a:ext cx="1311614" cy="553998"/>
-          </a:xfrm>
-          <a:prstGeom prst="rect">
-            <a:avLst/>
-          </a:prstGeom>
-          <a:noFill/>
-        </p:spPr>
-        <p:txBody>
-          <a:bodyPr wrap="square" rtlCol="0">
-            <a:spAutoFit/>
-          </a:bodyPr>
-          <a:lstStyle/>
-          <a:p>
-            <a:r>
-              <a:rPr lang="en-US" sz="3000" smtClean="0"/>
-              <a:t>50%</a:t>
-            </a:r>
-            <a:endParaRPr lang="en-US" sz="3000" dirty="0"/>
-          </a:p>
-        </p:txBody>
-      </p:sp>
-      <p:sp>
-        <p:nvSpPr>
-          <p:cNvPr id="44" name="TextBox 43"/>
-          <p:cNvSpPr txBox="1"/>
-          <p:nvPr/>
-        </p:nvSpPr>
-        <p:spPr>
-          <a:xfrm>
-            <a:off x="6346676" y="11877249"/>
-            <a:ext cx="1311614" cy="553998"/>
-          </a:xfrm>
-          <a:prstGeom prst="rect">
-            <a:avLst/>
-          </a:prstGeom>
-          <a:noFill/>
-        </p:spPr>
-        <p:txBody>
-          <a:bodyPr wrap="square" rtlCol="0">
-            <a:spAutoFit/>
-          </a:bodyPr>
-          <a:lstStyle/>
-          <a:p>
-            <a:r>
-              <a:rPr lang="en-US" sz="3000" smtClean="0"/>
-              <a:t>50%</a:t>
-            </a:r>
-            <a:endParaRPr lang="en-US" sz="3000" dirty="0"/>
+              <a:rPr lang="en-US" sz="3000" b="1" dirty="0"/>
+              <a:t>Splitting the Data:</a:t>
+            </a:r>
           </a:p>
         </p:txBody>
       </p:sp>
@@ -6738,8 +7521,8 @@
         </p:blipFill>
         <p:spPr>
           <a:xfrm>
-            <a:off x="13059582" y="7584173"/>
-            <a:ext cx="1121134" cy="1237399"/>
+            <a:off x="5194687" y="18001906"/>
+            <a:ext cx="747423" cy="824933"/>
           </a:xfrm>
           <a:prstGeom prst="rect">
             <a:avLst/>
@@ -6768,8 +7551,8 @@
         </p:blipFill>
         <p:spPr>
           <a:xfrm>
-            <a:off x="13558877" y="7309833"/>
-            <a:ext cx="1121134" cy="1237399"/>
+            <a:off x="5499959" y="17854620"/>
+            <a:ext cx="747423" cy="824933"/>
           </a:xfrm>
           <a:prstGeom prst="rect">
             <a:avLst/>
@@ -6798,8 +7581,8 @@
         </p:blipFill>
         <p:spPr>
           <a:xfrm>
-            <a:off x="18401306" y="7608165"/>
-            <a:ext cx="1121134" cy="1213408"/>
+            <a:off x="5248476" y="13809217"/>
+            <a:ext cx="747423" cy="808939"/>
           </a:xfrm>
           <a:prstGeom prst="rect">
             <a:avLst/>
@@ -6828,8 +7611,8 @@
         </p:blipFill>
         <p:spPr>
           <a:xfrm>
-            <a:off x="18041131" y="7309832"/>
-            <a:ext cx="1121134" cy="1237399"/>
+            <a:off x="5186877" y="15763329"/>
+            <a:ext cx="747423" cy="824933"/>
           </a:xfrm>
           <a:prstGeom prst="rect">
             <a:avLst/>
@@ -6844,8 +7627,8 @@
         </p:nvSpPr>
         <p:spPr>
           <a:xfrm>
-            <a:off x="13074112" y="6603843"/>
-            <a:ext cx="1937288" cy="553998"/>
+            <a:off x="5079463" y="17408966"/>
+            <a:ext cx="1291525" cy="400110"/>
           </a:xfrm>
           <a:prstGeom prst="rect">
             <a:avLst/>
@@ -6859,10 +7642,10 @@
           <a:lstStyle/>
           <a:p>
             <a:r>
-              <a:rPr lang="en-US" sz="3000" smtClean="0"/>
-              <a:t>Broad Set</a:t>
-            </a:r>
-            <a:endParaRPr lang="en-US" sz="3000" dirty="0"/>
+              <a:rPr lang="en-US" sz="2000" dirty="0"/>
+              <a:t>3 Periods</a:t>
+            </a:r>
+            <a:endParaRPr lang="en-US" sz="2000" dirty="0"/>
           </a:p>
         </p:txBody>
       </p:sp>
@@ -6874,8 +7657,8 @@
         </p:nvSpPr>
         <p:spPr>
           <a:xfrm>
-            <a:off x="17980171" y="6676080"/>
-            <a:ext cx="2318757" cy="553998"/>
+            <a:off x="5222982" y="13209467"/>
+            <a:ext cx="1545838" cy="400110"/>
           </a:xfrm>
           <a:prstGeom prst="rect">
             <a:avLst/>
@@ -6889,10 +7672,10 @@
           <a:lstStyle/>
           <a:p>
             <a:r>
-              <a:rPr lang="en-US" sz="3000" smtClean="0"/>
-              <a:t>Specific Set</a:t>
-            </a:r>
-            <a:endParaRPr lang="en-US" sz="3000" dirty="0"/>
+              <a:rPr lang="en-US" sz="2000" dirty="0"/>
+              <a:t>7 periods</a:t>
+            </a:r>
+            <a:endParaRPr lang="en-US" sz="2000" dirty="0"/>
           </a:p>
         </p:txBody>
       </p:sp>
@@ -6903,9 +7686,9 @@
           <p:nvPr/>
         </p:nvCxnSpPr>
         <p:spPr>
-          <a:xfrm>
-            <a:off x="14042756" y="9867899"/>
-            <a:ext cx="4358550" cy="0"/>
+          <a:xfrm flipV="1">
+            <a:off x="7147474" y="14090234"/>
+            <a:ext cx="33422" cy="4155601"/>
           </a:xfrm>
           <a:prstGeom prst="line">
             <a:avLst/>
@@ -6939,8 +7722,8 @@
         </p:nvCxnSpPr>
         <p:spPr>
           <a:xfrm>
-            <a:off x="14072675" y="8991386"/>
-            <a:ext cx="0" cy="876513"/>
+            <a:off x="6392556" y="18267086"/>
+            <a:ext cx="752527" cy="0"/>
           </a:xfrm>
           <a:prstGeom prst="line">
             <a:avLst/>
@@ -6974,8 +7757,8 @@
         </p:nvCxnSpPr>
         <p:spPr>
           <a:xfrm>
-            <a:off x="18401306" y="8991385"/>
-            <a:ext cx="0" cy="876513"/>
+            <a:off x="6598830" y="14077308"/>
+            <a:ext cx="577384" cy="12926"/>
           </a:xfrm>
           <a:prstGeom prst="line">
             <a:avLst/>
@@ -7008,9 +7791,9 @@
           <p:nvPr/>
         </p:nvCxnSpPr>
         <p:spPr>
-          <a:xfrm>
-            <a:off x="16222031" y="9867898"/>
-            <a:ext cx="0" cy="795539"/>
+          <a:xfrm flipV="1">
+            <a:off x="7176214" y="16026616"/>
+            <a:ext cx="648581" cy="316"/>
           </a:xfrm>
           <a:prstGeom prst="straightConnector1">
             <a:avLst/>
@@ -7045,14 +7828,14 @@
         </p:nvSpPr>
         <p:spPr>
           <a:xfrm>
-            <a:off x="14768783" y="10663437"/>
-            <a:ext cx="3015073" cy="2005265"/>
+            <a:off x="7847340" y="15336584"/>
+            <a:ext cx="2010049" cy="1336843"/>
           </a:xfrm>
           <a:prstGeom prst="diamond">
             <a:avLst/>
           </a:prstGeom>
           <a:solidFill>
-            <a:schemeClr val="tx1"/>
+            <a:schemeClr val="accent3"/>
           </a:solidFill>
         </p:spPr>
         <p:style>
@@ -7076,7 +7859,19 @@
           <a:lstStyle/>
           <a:p>
             <a:pPr algn="ctr"/>
-            <a:endParaRPr lang="en-US"/>
+            <a:endParaRPr lang="en-US" sz="3456">
+              <a:ln w="0"/>
+              <a:solidFill>
+                <a:schemeClr val="tx1"/>
+              </a:solidFill>
+              <a:effectLst>
+                <a:outerShdw blurRad="38100" dist="19050" dir="2700000" algn="tl" rotWithShape="0">
+                  <a:schemeClr val="dk1">
+                    <a:alpha val="40000"/>
+                  </a:schemeClr>
+                </a:outerShdw>
+              </a:effectLst>
+            </a:endParaRPr>
           </a:p>
         </p:txBody>
       </p:sp>
@@ -7088,8 +7883,8 @@
         </p:nvSpPr>
         <p:spPr>
           <a:xfrm>
-            <a:off x="15011400" y="11256970"/>
-            <a:ext cx="2530469" cy="1015663"/>
+            <a:off x="8079749" y="15794932"/>
+            <a:ext cx="1686979" cy="707886"/>
           </a:xfrm>
           <a:prstGeom prst="rect">
             <a:avLst/>
@@ -7104,14 +7899,14 @@
           <a:p>
             <a:pPr algn="ctr"/>
             <a:r>
-              <a:rPr lang="en-US" sz="3000" dirty="0" smtClean="0">
+              <a:rPr lang="en-US" sz="2000">
                 <a:solidFill>
                   <a:sysClr val="windowText" lastClr="000000"/>
                 </a:solidFill>
               </a:rPr>
               <a:t>Multinomial NB</a:t>
             </a:r>
-            <a:endParaRPr lang="en-US" sz="3000" dirty="0">
+            <a:endParaRPr lang="en-US" sz="2000" dirty="0">
               <a:solidFill>
                 <a:sysClr val="windowText" lastClr="000000"/>
               </a:solidFill>
@@ -7122,15 +7917,13 @@
       <p:cxnSp>
         <p:nvCxnSpPr>
           <p:cNvPr id="61" name="Straight Arrow Connector 60"/>
-          <p:cNvCxnSpPr>
-            <a:stCxn id="58" idx="2"/>
-          </p:cNvCxnSpPr>
+          <p:cNvCxnSpPr/>
           <p:nvPr/>
         </p:nvCxnSpPr>
         <p:spPr>
-          <a:xfrm flipH="1">
-            <a:off x="16276319" y="12668702"/>
-            <a:ext cx="1" cy="878673"/>
+          <a:xfrm>
+            <a:off x="9879934" y="16013665"/>
+            <a:ext cx="392175" cy="1"/>
           </a:xfrm>
           <a:prstGeom prst="straightConnector1">
             <a:avLst/>
@@ -7165,14 +7958,14 @@
         </p:nvSpPr>
         <p:spPr>
           <a:xfrm>
-            <a:off x="15281756" y="13610869"/>
-            <a:ext cx="1989125" cy="1831832"/>
+            <a:off x="8188055" y="13547238"/>
+            <a:ext cx="1326083" cy="1221221"/>
           </a:xfrm>
           <a:prstGeom prst="ellipse">
             <a:avLst/>
           </a:prstGeom>
           <a:solidFill>
-            <a:schemeClr val="tx1"/>
+            <a:schemeClr val="tx2"/>
           </a:solidFill>
         </p:spPr>
         <p:style>
@@ -7196,7 +7989,7 @@
           <a:lstStyle/>
           <a:p>
             <a:pPr algn="ctr"/>
-            <a:endParaRPr lang="en-US"/>
+            <a:endParaRPr lang="en-US" sz="3456"/>
           </a:p>
         </p:txBody>
       </p:sp>
@@ -7208,8 +8001,8 @@
         </p:nvSpPr>
         <p:spPr>
           <a:xfrm>
-            <a:off x="15614466" y="14018953"/>
-            <a:ext cx="1656415" cy="1015663"/>
+            <a:off x="8364413" y="13749817"/>
+            <a:ext cx="1268871" cy="707886"/>
           </a:xfrm>
           <a:prstGeom prst="rect">
             <a:avLst/>
@@ -7223,18 +8016,1151 @@
           <a:lstStyle/>
           <a:p>
             <a:r>
-              <a:rPr lang="en-US" sz="3000" smtClean="0">
+              <a:rPr lang="en-US" sz="2000" dirty="0">
+                <a:solidFill>
+                  <a:schemeClr val="bg1"/>
+                </a:solidFill>
+              </a:rPr>
+              <a:t>Historical Text</a:t>
+            </a:r>
+            <a:endParaRPr lang="en-US" sz="2000" dirty="0">
+              <a:solidFill>
+                <a:schemeClr val="bg1"/>
+              </a:solidFill>
+            </a:endParaRPr>
+          </a:p>
+        </p:txBody>
+      </p:sp>
+      <p:sp>
+        <p:nvSpPr>
+          <p:cNvPr id="51" name="Oval 50"/>
+          <p:cNvSpPr/>
+          <p:nvPr/>
+        </p:nvSpPr>
+        <p:spPr>
+          <a:xfrm>
+            <a:off x="8227356" y="17221104"/>
+            <a:ext cx="1326083" cy="1221221"/>
+          </a:xfrm>
+          <a:prstGeom prst="ellipse">
+            <a:avLst/>
+          </a:prstGeom>
+          <a:solidFill>
+            <a:schemeClr val="tx2"/>
+          </a:solidFill>
+        </p:spPr>
+        <p:style>
+          <a:lnRef idx="2">
+            <a:schemeClr val="accent1">
+              <a:shade val="50000"/>
+            </a:schemeClr>
+          </a:lnRef>
+          <a:fillRef idx="1">
+            <a:schemeClr val="accent1"/>
+          </a:fillRef>
+          <a:effectRef idx="0">
+            <a:schemeClr val="accent1"/>
+          </a:effectRef>
+          <a:fontRef idx="minor">
+            <a:schemeClr val="lt1"/>
+          </a:fontRef>
+        </p:style>
+        <p:txBody>
+          <a:bodyPr rtlCol="0" anchor="ctr"/>
+          <a:lstStyle/>
+          <a:p>
+            <a:pPr algn="ctr"/>
+            <a:endParaRPr lang="en-US" sz="3456"/>
+          </a:p>
+        </p:txBody>
+      </p:sp>
+      <p:sp>
+        <p:nvSpPr>
+          <p:cNvPr id="53" name="TextBox 52"/>
+          <p:cNvSpPr txBox="1"/>
+          <p:nvPr/>
+        </p:nvSpPr>
+        <p:spPr>
+          <a:xfrm>
+            <a:off x="8340044" y="17330854"/>
+            <a:ext cx="1268871" cy="1015663"/>
+          </a:xfrm>
+          <a:prstGeom prst="rect">
+            <a:avLst/>
+          </a:prstGeom>
+          <a:noFill/>
+        </p:spPr>
+        <p:txBody>
+          <a:bodyPr wrap="square" rtlCol="0">
+            <a:spAutoFit/>
+          </a:bodyPr>
+          <a:lstStyle/>
+          <a:p>
+            <a:r>
+              <a:rPr lang="en-US" sz="2000">
+                <a:solidFill>
+                  <a:schemeClr val="bg1"/>
+                </a:solidFill>
+              </a:rPr>
+              <a:t>Predicted</a:t>
+            </a:r>
+          </a:p>
+          <a:p>
+            <a:r>
+              <a:rPr lang="en-US" sz="2000" dirty="0">
                 <a:solidFill>
                   <a:schemeClr val="bg1"/>
                 </a:solidFill>
               </a:rPr>
               <a:t>Date Range</a:t>
             </a:r>
-            <a:endParaRPr lang="en-US" sz="3000">
+            <a:endParaRPr lang="en-US" sz="2000" dirty="0">
               <a:solidFill>
                 <a:schemeClr val="bg1"/>
               </a:solidFill>
             </a:endParaRPr>
+          </a:p>
+        </p:txBody>
+      </p:sp>
+      <p:cxnSp>
+        <p:nvCxnSpPr>
+          <p:cNvPr id="56" name="Straight Arrow Connector 55"/>
+          <p:cNvCxnSpPr/>
+          <p:nvPr/>
+        </p:nvCxnSpPr>
+        <p:spPr>
+          <a:xfrm>
+            <a:off x="12351819" y="16013664"/>
+            <a:ext cx="440927" cy="0"/>
+          </a:xfrm>
+          <a:prstGeom prst="straightConnector1">
+            <a:avLst/>
+          </a:prstGeom>
+          <a:ln>
+            <a:solidFill>
+              <a:schemeClr val="tx1"/>
+            </a:solidFill>
+            <a:tailEnd type="triangle"/>
+          </a:ln>
+        </p:spPr>
+        <p:style>
+          <a:lnRef idx="1">
+            <a:schemeClr val="accent1"/>
+          </a:lnRef>
+          <a:fillRef idx="0">
+            <a:schemeClr val="accent1"/>
+          </a:fillRef>
+          <a:effectRef idx="0">
+            <a:schemeClr val="accent1"/>
+          </a:effectRef>
+          <a:fontRef idx="minor">
+            <a:schemeClr val="tx1"/>
+          </a:fontRef>
+        </p:style>
+      </p:cxnSp>
+      <p:sp>
+        <p:nvSpPr>
+          <p:cNvPr id="62" name="TextBox 61"/>
+          <p:cNvSpPr txBox="1"/>
+          <p:nvPr/>
+        </p:nvSpPr>
+        <p:spPr>
+          <a:xfrm>
+            <a:off x="6922941" y="8374576"/>
+            <a:ext cx="1682506" cy="769441"/>
+          </a:xfrm>
+          <a:prstGeom prst="rect">
+            <a:avLst/>
+          </a:prstGeom>
+          <a:noFill/>
+        </p:spPr>
+        <p:txBody>
+          <a:bodyPr wrap="square" rtlCol="0">
+            <a:spAutoFit/>
+          </a:bodyPr>
+          <a:lstStyle/>
+          <a:p>
+            <a:r>
+              <a:rPr lang="en-US" sz="2200" dirty="0"/>
+              <a:t>70 year intervals</a:t>
+            </a:r>
+            <a:endParaRPr lang="en-US" sz="2200" dirty="0"/>
+          </a:p>
+        </p:txBody>
+      </p:sp>
+      <p:sp>
+        <p:nvSpPr>
+          <p:cNvPr id="65" name="TextBox 64"/>
+          <p:cNvSpPr txBox="1"/>
+          <p:nvPr/>
+        </p:nvSpPr>
+        <p:spPr>
+          <a:xfrm>
+            <a:off x="8665473" y="9106537"/>
+            <a:ext cx="1330174" cy="769441"/>
+          </a:xfrm>
+          <a:prstGeom prst="rect">
+            <a:avLst/>
+          </a:prstGeom>
+          <a:noFill/>
+        </p:spPr>
+        <p:txBody>
+          <a:bodyPr wrap="square" rtlCol="0">
+            <a:spAutoFit/>
+          </a:bodyPr>
+          <a:lstStyle/>
+          <a:p>
+            <a:r>
+              <a:rPr lang="en-US" sz="2200" dirty="0" smtClean="0"/>
+              <a:t>42 year intervals</a:t>
+            </a:r>
+            <a:endParaRPr lang="en-US" sz="2200" dirty="0"/>
+          </a:p>
+        </p:txBody>
+      </p:sp>
+      <p:cxnSp>
+        <p:nvCxnSpPr>
+          <p:cNvPr id="66" name="Straight Arrow Connector 65"/>
+          <p:cNvCxnSpPr/>
+          <p:nvPr/>
+        </p:nvCxnSpPr>
+        <p:spPr>
+          <a:xfrm flipH="1">
+            <a:off x="9967670" y="9114605"/>
+            <a:ext cx="27977" cy="849257"/>
+          </a:xfrm>
+          <a:prstGeom prst="straightConnector1">
+            <a:avLst/>
+          </a:prstGeom>
+          <a:ln>
+            <a:solidFill>
+              <a:schemeClr val="tx1"/>
+            </a:solidFill>
+            <a:tailEnd type="triangle"/>
+          </a:ln>
+        </p:spPr>
+        <p:style>
+          <a:lnRef idx="1">
+            <a:schemeClr val="accent1"/>
+          </a:lnRef>
+          <a:fillRef idx="0">
+            <a:schemeClr val="accent1"/>
+          </a:fillRef>
+          <a:effectRef idx="0">
+            <a:schemeClr val="accent1"/>
+          </a:effectRef>
+          <a:fontRef idx="minor">
+            <a:schemeClr val="tx1"/>
+          </a:fontRef>
+        </p:style>
+      </p:cxnSp>
+      <p:pic>
+        <p:nvPicPr>
+          <p:cNvPr id="67" name="Picture 66"/>
+          <p:cNvPicPr>
+            <a:picLocks noChangeAspect="1"/>
+          </p:cNvPicPr>
+          <p:nvPr/>
+        </p:nvPicPr>
+        <p:blipFill>
+          <a:blip r:embed="rId2">
+            <a:extLst>
+              <a:ext uri="{28A0092B-C50C-407E-A947-70E740481C1C}">
+                <a14:useLocalDpi xmlns:a14="http://schemas.microsoft.com/office/drawing/2010/main" val="0"/>
+              </a:ext>
+            </a:extLst>
+          </a:blip>
+          <a:stretch>
+            <a:fillRect/>
+          </a:stretch>
+        </p:blipFill>
+        <p:spPr>
+          <a:xfrm>
+            <a:off x="9555946" y="10041698"/>
+            <a:ext cx="747423" cy="824933"/>
+          </a:xfrm>
+          <a:prstGeom prst="rect">
+            <a:avLst/>
+          </a:prstGeom>
+        </p:spPr>
+      </p:pic>
+      <p:sp>
+        <p:nvSpPr>
+          <p:cNvPr id="68" name="TextBox 67"/>
+          <p:cNvSpPr txBox="1"/>
+          <p:nvPr/>
+        </p:nvSpPr>
+        <p:spPr>
+          <a:xfrm>
+            <a:off x="5684370" y="10994205"/>
+            <a:ext cx="1109781" cy="348878"/>
+          </a:xfrm>
+          <a:prstGeom prst="rect">
+            <a:avLst/>
+          </a:prstGeom>
+          <a:noFill/>
+        </p:spPr>
+        <p:txBody>
+          <a:bodyPr wrap="square" rtlCol="0">
+            <a:spAutoFit/>
+          </a:bodyPr>
+          <a:lstStyle/>
+          <a:p>
+            <a:r>
+              <a:rPr lang="en-US" sz="1667"/>
+              <a:t>3 periods</a:t>
+            </a:r>
+            <a:endParaRPr lang="en-US" sz="1667" dirty="0"/>
+          </a:p>
+        </p:txBody>
+      </p:sp>
+      <p:sp>
+        <p:nvSpPr>
+          <p:cNvPr id="69" name="TextBox 68"/>
+          <p:cNvSpPr txBox="1"/>
+          <p:nvPr/>
+        </p:nvSpPr>
+        <p:spPr>
+          <a:xfrm>
+            <a:off x="9426767" y="10994205"/>
+            <a:ext cx="1109781" cy="348878"/>
+          </a:xfrm>
+          <a:prstGeom prst="rect">
+            <a:avLst/>
+          </a:prstGeom>
+          <a:noFill/>
+        </p:spPr>
+        <p:txBody>
+          <a:bodyPr wrap="square" rtlCol="0">
+            <a:spAutoFit/>
+          </a:bodyPr>
+          <a:lstStyle/>
+          <a:p>
+            <a:r>
+              <a:rPr lang="en-US" sz="1667" dirty="0"/>
+              <a:t>5 periods</a:t>
+            </a:r>
+            <a:endParaRPr lang="en-US" sz="1667" dirty="0"/>
+          </a:p>
+        </p:txBody>
+      </p:sp>
+      <p:sp>
+        <p:nvSpPr>
+          <p:cNvPr id="70" name="TextBox 69"/>
+          <p:cNvSpPr txBox="1"/>
+          <p:nvPr/>
+        </p:nvSpPr>
+        <p:spPr>
+          <a:xfrm>
+            <a:off x="13612071" y="10941466"/>
+            <a:ext cx="1109781" cy="348878"/>
+          </a:xfrm>
+          <a:prstGeom prst="rect">
+            <a:avLst/>
+          </a:prstGeom>
+          <a:noFill/>
+        </p:spPr>
+        <p:txBody>
+          <a:bodyPr wrap="square" rtlCol="0">
+            <a:spAutoFit/>
+          </a:bodyPr>
+          <a:lstStyle/>
+          <a:p>
+            <a:r>
+              <a:rPr lang="en-US" sz="1667" dirty="0"/>
+              <a:t>7 periods</a:t>
+            </a:r>
+            <a:endParaRPr lang="en-US" sz="1667" dirty="0"/>
+          </a:p>
+        </p:txBody>
+      </p:sp>
+      <p:pic>
+        <p:nvPicPr>
+          <p:cNvPr id="72" name="Picture 71"/>
+          <p:cNvPicPr>
+            <a:picLocks noChangeAspect="1"/>
+          </p:cNvPicPr>
+          <p:nvPr/>
+        </p:nvPicPr>
+        <p:blipFill>
+          <a:blip r:embed="rId2">
+            <a:extLst>
+              <a:ext uri="{28A0092B-C50C-407E-A947-70E740481C1C}">
+                <a14:useLocalDpi xmlns:a14="http://schemas.microsoft.com/office/drawing/2010/main" val="0"/>
+              </a:ext>
+            </a:extLst>
+          </a:blip>
+          <a:stretch>
+            <a:fillRect/>
+          </a:stretch>
+        </p:blipFill>
+        <p:spPr>
+          <a:xfrm>
+            <a:off x="5521742" y="15548074"/>
+            <a:ext cx="747423" cy="824933"/>
+          </a:xfrm>
+          <a:prstGeom prst="rect">
+            <a:avLst/>
+          </a:prstGeom>
+        </p:spPr>
+      </p:pic>
+      <p:pic>
+        <p:nvPicPr>
+          <p:cNvPr id="73" name="Picture 72"/>
+          <p:cNvPicPr>
+            <a:picLocks noChangeAspect="1"/>
+          </p:cNvPicPr>
+          <p:nvPr/>
+        </p:nvPicPr>
+        <p:blipFill>
+          <a:blip r:embed="rId2">
+            <a:extLst>
+              <a:ext uri="{28A0092B-C50C-407E-A947-70E740481C1C}">
+                <a14:useLocalDpi xmlns:a14="http://schemas.microsoft.com/office/drawing/2010/main" val="0"/>
+              </a:ext>
+            </a:extLst>
+          </a:blip>
+          <a:stretch>
+            <a:fillRect/>
+          </a:stretch>
+        </p:blipFill>
+        <p:spPr>
+          <a:xfrm>
+            <a:off x="5563674" y="13632770"/>
+            <a:ext cx="747423" cy="824933"/>
+          </a:xfrm>
+          <a:prstGeom prst="rect">
+            <a:avLst/>
+          </a:prstGeom>
+        </p:spPr>
+      </p:pic>
+      <p:sp>
+        <p:nvSpPr>
+          <p:cNvPr id="74" name="TextBox 73"/>
+          <p:cNvSpPr txBox="1"/>
+          <p:nvPr/>
+        </p:nvSpPr>
+        <p:spPr>
+          <a:xfrm>
+            <a:off x="5222982" y="15128590"/>
+            <a:ext cx="1545838" cy="400110"/>
+          </a:xfrm>
+          <a:prstGeom prst="rect">
+            <a:avLst/>
+          </a:prstGeom>
+          <a:noFill/>
+        </p:spPr>
+        <p:txBody>
+          <a:bodyPr wrap="square" rtlCol="0">
+            <a:spAutoFit/>
+          </a:bodyPr>
+          <a:lstStyle/>
+          <a:p>
+            <a:r>
+              <a:rPr lang="en-US" sz="2000" dirty="0"/>
+              <a:t>5 periods</a:t>
+            </a:r>
+            <a:endParaRPr lang="en-US" sz="2000" dirty="0"/>
+          </a:p>
+        </p:txBody>
+      </p:sp>
+      <p:cxnSp>
+        <p:nvCxnSpPr>
+          <p:cNvPr id="75" name="Straight Connector 74"/>
+          <p:cNvCxnSpPr/>
+          <p:nvPr/>
+        </p:nvCxnSpPr>
+        <p:spPr>
+          <a:xfrm>
+            <a:off x="6503575" y="16009357"/>
+            <a:ext cx="672639" cy="8619"/>
+          </a:xfrm>
+          <a:prstGeom prst="line">
+            <a:avLst/>
+          </a:prstGeom>
+          <a:ln>
+            <a:solidFill>
+              <a:schemeClr val="tx1"/>
+            </a:solidFill>
+          </a:ln>
+        </p:spPr>
+        <p:style>
+          <a:lnRef idx="1">
+            <a:schemeClr val="accent1"/>
+          </a:lnRef>
+          <a:fillRef idx="0">
+            <a:schemeClr val="accent1"/>
+          </a:fillRef>
+          <a:effectRef idx="0">
+            <a:schemeClr val="accent1"/>
+          </a:effectRef>
+          <a:fontRef idx="minor">
+            <a:schemeClr val="tx1"/>
+          </a:fontRef>
+        </p:style>
+      </p:cxnSp>
+      <p:cxnSp>
+        <p:nvCxnSpPr>
+          <p:cNvPr id="76" name="Straight Arrow Connector 75"/>
+          <p:cNvCxnSpPr/>
+          <p:nvPr/>
+        </p:nvCxnSpPr>
+        <p:spPr>
+          <a:xfrm>
+            <a:off x="8851096" y="14798286"/>
+            <a:ext cx="0" cy="530359"/>
+          </a:xfrm>
+          <a:prstGeom prst="straightConnector1">
+            <a:avLst/>
+          </a:prstGeom>
+          <a:ln>
+            <a:solidFill>
+              <a:schemeClr val="tx1"/>
+            </a:solidFill>
+            <a:tailEnd type="triangle"/>
+          </a:ln>
+        </p:spPr>
+        <p:style>
+          <a:lnRef idx="1">
+            <a:schemeClr val="accent1"/>
+          </a:lnRef>
+          <a:fillRef idx="0">
+            <a:schemeClr val="accent1"/>
+          </a:fillRef>
+          <a:effectRef idx="0">
+            <a:schemeClr val="accent1"/>
+          </a:effectRef>
+          <a:fontRef idx="minor">
+            <a:schemeClr val="tx1"/>
+          </a:fontRef>
+        </p:style>
+      </p:cxnSp>
+      <p:sp>
+        <p:nvSpPr>
+          <p:cNvPr id="77" name="Diamond 76"/>
+          <p:cNvSpPr/>
+          <p:nvPr/>
+        </p:nvSpPr>
+        <p:spPr>
+          <a:xfrm>
+            <a:off x="10301446" y="15345243"/>
+            <a:ext cx="2010049" cy="1336843"/>
+          </a:xfrm>
+          <a:prstGeom prst="diamond">
+            <a:avLst/>
+          </a:prstGeom>
+          <a:solidFill>
+            <a:schemeClr val="accent3"/>
+          </a:solidFill>
+        </p:spPr>
+        <p:style>
+          <a:lnRef idx="2">
+            <a:schemeClr val="accent1">
+              <a:shade val="50000"/>
+            </a:schemeClr>
+          </a:lnRef>
+          <a:fillRef idx="1">
+            <a:schemeClr val="accent1"/>
+          </a:fillRef>
+          <a:effectRef idx="0">
+            <a:schemeClr val="accent1"/>
+          </a:effectRef>
+          <a:fontRef idx="minor">
+            <a:schemeClr val="lt1"/>
+          </a:fontRef>
+        </p:style>
+        <p:txBody>
+          <a:bodyPr rtlCol="0" anchor="ctr"/>
+          <a:lstStyle/>
+          <a:p>
+            <a:pPr algn="ctr"/>
+            <a:endParaRPr lang="en-US" sz="3456">
+              <a:ln w="0"/>
+              <a:solidFill>
+                <a:schemeClr val="tx1"/>
+              </a:solidFill>
+              <a:effectLst>
+                <a:outerShdw blurRad="38100" dist="19050" dir="2700000" algn="tl" rotWithShape="0">
+                  <a:schemeClr val="dk1">
+                    <a:alpha val="40000"/>
+                  </a:schemeClr>
+                </a:outerShdw>
+              </a:effectLst>
+            </a:endParaRPr>
+          </a:p>
+        </p:txBody>
+      </p:sp>
+      <p:sp>
+        <p:nvSpPr>
+          <p:cNvPr id="78" name="TextBox 77"/>
+          <p:cNvSpPr txBox="1"/>
+          <p:nvPr/>
+        </p:nvSpPr>
+        <p:spPr>
+          <a:xfrm>
+            <a:off x="10476359" y="15693512"/>
+            <a:ext cx="1686979" cy="707886"/>
+          </a:xfrm>
+          <a:prstGeom prst="rect">
+            <a:avLst/>
+          </a:prstGeom>
+          <a:noFill/>
+        </p:spPr>
+        <p:txBody>
+          <a:bodyPr wrap="square" rtlCol="0">
+            <a:spAutoFit/>
+          </a:bodyPr>
+          <a:lstStyle/>
+          <a:p>
+            <a:pPr algn="ctr"/>
+            <a:r>
+              <a:rPr lang="en-US" sz="2000" dirty="0">
+                <a:solidFill>
+                  <a:sysClr val="windowText" lastClr="000000"/>
+                </a:solidFill>
+              </a:rPr>
+              <a:t>K-Folds</a:t>
+            </a:r>
+          </a:p>
+          <a:p>
+            <a:pPr algn="ctr"/>
+            <a:r>
+              <a:rPr lang="en-US" sz="2000" dirty="0">
+                <a:solidFill>
+                  <a:sysClr val="windowText" lastClr="000000"/>
+                </a:solidFill>
+              </a:rPr>
+              <a:t>(10 folds)</a:t>
+            </a:r>
+            <a:endParaRPr lang="en-US" sz="2000" dirty="0">
+              <a:solidFill>
+                <a:sysClr val="windowText" lastClr="000000"/>
+              </a:solidFill>
+            </a:endParaRPr>
+          </a:p>
+        </p:txBody>
+      </p:sp>
+      <p:cxnSp>
+        <p:nvCxnSpPr>
+          <p:cNvPr id="79" name="Straight Arrow Connector 78"/>
+          <p:cNvCxnSpPr/>
+          <p:nvPr/>
+        </p:nvCxnSpPr>
+        <p:spPr>
+          <a:xfrm>
+            <a:off x="8851096" y="16682086"/>
+            <a:ext cx="0" cy="530359"/>
+          </a:xfrm>
+          <a:prstGeom prst="straightConnector1">
+            <a:avLst/>
+          </a:prstGeom>
+          <a:ln>
+            <a:solidFill>
+              <a:schemeClr val="tx1"/>
+            </a:solidFill>
+            <a:tailEnd type="triangle"/>
+          </a:ln>
+        </p:spPr>
+        <p:style>
+          <a:lnRef idx="1">
+            <a:schemeClr val="accent1"/>
+          </a:lnRef>
+          <a:fillRef idx="0">
+            <a:schemeClr val="accent1"/>
+          </a:fillRef>
+          <a:effectRef idx="0">
+            <a:schemeClr val="accent1"/>
+          </a:effectRef>
+          <a:fontRef idx="minor">
+            <a:schemeClr val="tx1"/>
+          </a:fontRef>
+        </p:style>
+      </p:cxnSp>
+      <p:sp>
+        <p:nvSpPr>
+          <p:cNvPr id="80" name="Oval 79"/>
+          <p:cNvSpPr/>
+          <p:nvPr/>
+        </p:nvSpPr>
+        <p:spPr>
+          <a:xfrm>
+            <a:off x="12774279" y="15452206"/>
+            <a:ext cx="1326083" cy="1221221"/>
+          </a:xfrm>
+          <a:prstGeom prst="ellipse">
+            <a:avLst/>
+          </a:prstGeom>
+          <a:solidFill>
+            <a:schemeClr val="tx2"/>
+          </a:solidFill>
+        </p:spPr>
+        <p:style>
+          <a:lnRef idx="2">
+            <a:schemeClr val="accent1">
+              <a:shade val="50000"/>
+            </a:schemeClr>
+          </a:lnRef>
+          <a:fillRef idx="1">
+            <a:schemeClr val="accent1"/>
+          </a:fillRef>
+          <a:effectRef idx="0">
+            <a:schemeClr val="accent1"/>
+          </a:effectRef>
+          <a:fontRef idx="minor">
+            <a:schemeClr val="lt1"/>
+          </a:fontRef>
+        </p:style>
+        <p:txBody>
+          <a:bodyPr rtlCol="0" anchor="ctr"/>
+          <a:lstStyle/>
+          <a:p>
+            <a:pPr algn="ctr"/>
+            <a:endParaRPr lang="en-US" sz="3456"/>
+          </a:p>
+        </p:txBody>
+      </p:sp>
+      <p:sp>
+        <p:nvSpPr>
+          <p:cNvPr id="81" name="TextBox 80"/>
+          <p:cNvSpPr txBox="1"/>
+          <p:nvPr/>
+        </p:nvSpPr>
+        <p:spPr>
+          <a:xfrm>
+            <a:off x="12854368" y="15804950"/>
+            <a:ext cx="1268871" cy="400110"/>
+          </a:xfrm>
+          <a:prstGeom prst="rect">
+            <a:avLst/>
+          </a:prstGeom>
+          <a:noFill/>
+        </p:spPr>
+        <p:txBody>
+          <a:bodyPr wrap="square" rtlCol="0">
+            <a:spAutoFit/>
+          </a:bodyPr>
+          <a:lstStyle/>
+          <a:p>
+            <a:r>
+              <a:rPr lang="en-US" sz="2000">
+                <a:solidFill>
+                  <a:schemeClr val="bg1"/>
+                </a:solidFill>
+              </a:rPr>
+              <a:t>Analysis</a:t>
+            </a:r>
+            <a:endParaRPr lang="en-US" sz="2000" dirty="0">
+              <a:solidFill>
+                <a:schemeClr val="bg1"/>
+              </a:solidFill>
+            </a:endParaRPr>
+          </a:p>
+        </p:txBody>
+      </p:sp>
+      <p:graphicFrame>
+        <p:nvGraphicFramePr>
+          <p:cNvPr id="82" name="Chart 81"/>
+          <p:cNvGraphicFramePr>
+            <a:graphicFrameLocks/>
+          </p:cNvGraphicFramePr>
+          <p:nvPr>
+            <p:extLst>
+              <p:ext uri="{D42A27DB-BD31-4B8C-83A1-F6EECF244321}">
+                <p14:modId xmlns:p14="http://schemas.microsoft.com/office/powerpoint/2010/main" val="99498764"/>
+              </p:ext>
+            </p:extLst>
+          </p:nvPr>
+        </p:nvGraphicFramePr>
+        <p:xfrm>
+          <a:off x="6685075" y="20411722"/>
+          <a:ext cx="6811928" cy="4073761"/>
+        </p:xfrm>
+        <a:graphic>
+          <a:graphicData uri="http://schemas.openxmlformats.org/drawingml/2006/chart">
+            <c:chart xmlns:c="http://schemas.openxmlformats.org/drawingml/2006/chart" xmlns:r="http://schemas.openxmlformats.org/officeDocument/2006/relationships" r:id="rId3"/>
+          </a:graphicData>
+        </a:graphic>
+      </p:graphicFrame>
+      <p:pic>
+        <p:nvPicPr>
+          <p:cNvPr id="83" name="Picture 82"/>
+          <p:cNvPicPr>
+            <a:picLocks noChangeAspect="1"/>
+          </p:cNvPicPr>
+          <p:nvPr/>
+        </p:nvPicPr>
+        <p:blipFill>
+          <a:blip r:embed="rId4">
+            <a:extLst>
+              <a:ext uri="{28A0092B-C50C-407E-A947-70E740481C1C}">
+                <a14:useLocalDpi xmlns:a14="http://schemas.microsoft.com/office/drawing/2010/main" val="0"/>
+              </a:ext>
+            </a:extLst>
+          </a:blip>
+          <a:stretch>
+            <a:fillRect/>
+          </a:stretch>
+        </p:blipFill>
+        <p:spPr>
+          <a:xfrm>
+            <a:off x="1083551" y="20664478"/>
+            <a:ext cx="5067188" cy="3200369"/>
+          </a:xfrm>
+          <a:prstGeom prst="rect">
+            <a:avLst/>
+          </a:prstGeom>
+        </p:spPr>
+      </p:pic>
+      <p:sp>
+        <p:nvSpPr>
+          <p:cNvPr id="84" name="TextBox 83"/>
+          <p:cNvSpPr txBox="1"/>
+          <p:nvPr/>
+        </p:nvSpPr>
+        <p:spPr>
+          <a:xfrm>
+            <a:off x="1452883" y="20664478"/>
+            <a:ext cx="4433879" cy="328231"/>
+          </a:xfrm>
+          <a:prstGeom prst="rect">
+            <a:avLst/>
+          </a:prstGeom>
+          <a:noFill/>
+        </p:spPr>
+        <p:txBody>
+          <a:bodyPr wrap="square" rtlCol="0">
+            <a:spAutoFit/>
+          </a:bodyPr>
+          <a:lstStyle/>
+          <a:p>
+            <a:r>
+              <a:rPr lang="en-US" sz="1533" dirty="0">
+                <a:solidFill>
+                  <a:schemeClr val="bg1"/>
+                </a:solidFill>
+              </a:rPr>
+              <a:t>Probability </a:t>
+            </a:r>
+            <a:r>
+              <a:rPr lang="en-US" sz="1533">
+                <a:solidFill>
+                  <a:schemeClr val="bg1"/>
+                </a:solidFill>
+              </a:rPr>
+              <a:t>of </a:t>
+            </a:r>
+            <a:r>
+              <a:rPr lang="en-US" sz="1533" smtClean="0">
+                <a:solidFill>
+                  <a:schemeClr val="bg1"/>
+                </a:solidFill>
+              </a:rPr>
+              <a:t>Shakespearean words </a:t>
+            </a:r>
+            <a:r>
+              <a:rPr lang="en-US" sz="1533" dirty="0">
+                <a:solidFill>
+                  <a:schemeClr val="bg1"/>
+                </a:solidFill>
+              </a:rPr>
+              <a:t>at each period</a:t>
+            </a:r>
+          </a:p>
+        </p:txBody>
+      </p:sp>
+      <p:sp>
+        <p:nvSpPr>
+          <p:cNvPr id="85" name="TextBox 84"/>
+          <p:cNvSpPr txBox="1"/>
+          <p:nvPr/>
+        </p:nvSpPr>
+        <p:spPr>
+          <a:xfrm rot="16200000">
+            <a:off x="239146" y="21638772"/>
+            <a:ext cx="1989690" cy="369332"/>
+          </a:xfrm>
+          <a:prstGeom prst="rect">
+            <a:avLst/>
+          </a:prstGeom>
+          <a:noFill/>
+        </p:spPr>
+        <p:txBody>
+          <a:bodyPr wrap="square" rtlCol="0">
+            <a:spAutoFit/>
+          </a:bodyPr>
+          <a:lstStyle/>
+          <a:p>
+            <a:r>
+              <a:rPr lang="en-US" sz="1800" dirty="0" smtClean="0">
+                <a:solidFill>
+                  <a:schemeClr val="bg1"/>
+                </a:solidFill>
+              </a:rPr>
+              <a:t>Probability</a:t>
+            </a:r>
+          </a:p>
+        </p:txBody>
+      </p:sp>
+      <p:pic>
+        <p:nvPicPr>
+          <p:cNvPr id="111" name="Picture 110"/>
+          <p:cNvPicPr>
+            <a:picLocks noChangeAspect="1"/>
+          </p:cNvPicPr>
+          <p:nvPr/>
+        </p:nvPicPr>
+        <p:blipFill>
+          <a:blip r:embed="rId5">
+            <a:extLst>
+              <a:ext uri="{28A0092B-C50C-407E-A947-70E740481C1C}">
+                <a14:useLocalDpi xmlns:a14="http://schemas.microsoft.com/office/drawing/2010/main" val="0"/>
+              </a:ext>
+            </a:extLst>
+          </a:blip>
+          <a:stretch>
+            <a:fillRect/>
+          </a:stretch>
+        </p:blipFill>
+        <p:spPr>
+          <a:xfrm>
+            <a:off x="14295316" y="20552449"/>
+            <a:ext cx="5491284" cy="3312398"/>
+          </a:xfrm>
+          <a:prstGeom prst="rect">
+            <a:avLst/>
+          </a:prstGeom>
+        </p:spPr>
+      </p:pic>
+      <p:sp>
+        <p:nvSpPr>
+          <p:cNvPr id="112" name="TextBox 111"/>
+          <p:cNvSpPr txBox="1"/>
+          <p:nvPr/>
+        </p:nvSpPr>
+        <p:spPr>
+          <a:xfrm>
+            <a:off x="15394391" y="20536183"/>
+            <a:ext cx="3669792" cy="328231"/>
+          </a:xfrm>
+          <a:prstGeom prst="rect">
+            <a:avLst/>
+          </a:prstGeom>
+          <a:noFill/>
+        </p:spPr>
+        <p:txBody>
+          <a:bodyPr wrap="square" rtlCol="0">
+            <a:spAutoFit/>
+          </a:bodyPr>
+          <a:lstStyle/>
+          <a:p>
+            <a:r>
+              <a:rPr lang="en-US" sz="1533">
+                <a:solidFill>
+                  <a:schemeClr val="bg1"/>
+                </a:solidFill>
+              </a:rPr>
+              <a:t>Probability </a:t>
+            </a:r>
+            <a:r>
+              <a:rPr lang="en-US" sz="1533" smtClean="0">
+                <a:solidFill>
+                  <a:schemeClr val="bg1"/>
+                </a:solidFill>
+              </a:rPr>
+              <a:t>common of </a:t>
+            </a:r>
+            <a:r>
+              <a:rPr lang="en-US" sz="1533" dirty="0">
+                <a:solidFill>
+                  <a:schemeClr val="bg1"/>
+                </a:solidFill>
+              </a:rPr>
+              <a:t>word at each period</a:t>
+            </a:r>
+          </a:p>
+        </p:txBody>
+      </p:sp>
+      <p:sp>
+        <p:nvSpPr>
+          <p:cNvPr id="113" name="TextBox 112"/>
+          <p:cNvSpPr txBox="1"/>
+          <p:nvPr/>
+        </p:nvSpPr>
+        <p:spPr>
+          <a:xfrm rot="16200000">
+            <a:off x="13542341" y="21551163"/>
+            <a:ext cx="1989690" cy="369332"/>
+          </a:xfrm>
+          <a:prstGeom prst="rect">
+            <a:avLst/>
+          </a:prstGeom>
+          <a:noFill/>
+        </p:spPr>
+        <p:txBody>
+          <a:bodyPr wrap="square" rtlCol="0">
+            <a:spAutoFit/>
+          </a:bodyPr>
+          <a:lstStyle/>
+          <a:p>
+            <a:r>
+              <a:rPr lang="en-US" sz="1800" dirty="0" smtClean="0">
+                <a:solidFill>
+                  <a:schemeClr val="bg1"/>
+                </a:solidFill>
+              </a:rPr>
+              <a:t>Probability</a:t>
+            </a:r>
+          </a:p>
+        </p:txBody>
+      </p:sp>
+      <p:sp>
+        <p:nvSpPr>
+          <p:cNvPr id="114" name="TextBox 113"/>
+          <p:cNvSpPr txBox="1"/>
+          <p:nvPr/>
+        </p:nvSpPr>
+        <p:spPr>
+          <a:xfrm>
+            <a:off x="7578308" y="25050201"/>
+            <a:ext cx="6196730" cy="740931"/>
+          </a:xfrm>
+          <a:prstGeom prst="rect">
+            <a:avLst/>
+          </a:prstGeom>
+          <a:noFill/>
+          <a:ln>
+            <a:solidFill>
+              <a:schemeClr val="accent1"/>
+            </a:solidFill>
+          </a:ln>
+        </p:spPr>
+        <p:txBody>
+          <a:bodyPr wrap="square" rtlCol="0">
+            <a:spAutoFit/>
+          </a:bodyPr>
+          <a:lstStyle/>
+          <a:p>
+            <a:endParaRPr lang="en-US" sz="3456" dirty="0"/>
+          </a:p>
+        </p:txBody>
+      </p:sp>
+      <p:sp>
+        <p:nvSpPr>
+          <p:cNvPr id="115" name="TextBox 114"/>
+          <p:cNvSpPr txBox="1"/>
+          <p:nvPr/>
+        </p:nvSpPr>
+        <p:spPr>
+          <a:xfrm>
+            <a:off x="8460810" y="25134620"/>
+            <a:ext cx="4632960" cy="707886"/>
+          </a:xfrm>
+          <a:prstGeom prst="rect">
+            <a:avLst/>
+          </a:prstGeom>
+          <a:noFill/>
+        </p:spPr>
+        <p:txBody>
+          <a:bodyPr wrap="square" rtlCol="0">
+            <a:spAutoFit/>
+          </a:bodyPr>
+          <a:lstStyle/>
+          <a:p>
+            <a:pPr algn="ctr"/>
+            <a:r>
+              <a:rPr lang="en-US" sz="4000" b="1" dirty="0" smtClean="0"/>
+              <a:t>Conclusion</a:t>
+            </a:r>
+          </a:p>
+        </p:txBody>
+      </p:sp>
+      <p:sp>
+        <p:nvSpPr>
+          <p:cNvPr id="116" name="TextBox 115"/>
+          <p:cNvSpPr txBox="1"/>
+          <p:nvPr/>
+        </p:nvSpPr>
+        <p:spPr>
+          <a:xfrm>
+            <a:off x="4066404" y="26387763"/>
+            <a:ext cx="13421772" cy="4247317"/>
+          </a:xfrm>
+          <a:prstGeom prst="rect">
+            <a:avLst/>
+          </a:prstGeom>
+          <a:noFill/>
+        </p:spPr>
+        <p:txBody>
+          <a:bodyPr wrap="square" rtlCol="0">
+            <a:spAutoFit/>
+          </a:bodyPr>
+          <a:lstStyle/>
+          <a:p>
+            <a:pPr marL="685800" marR="0" lvl="0" indent="-685800" defTabSz="914400" eaLnBrk="1" fontAlgn="auto" latinLnBrk="0" hangingPunct="1">
+              <a:lnSpc>
+                <a:spcPct val="100000"/>
+              </a:lnSpc>
+              <a:spcBef>
+                <a:spcPts val="0"/>
+              </a:spcBef>
+              <a:spcAft>
+                <a:spcPts val="0"/>
+              </a:spcAft>
+              <a:buClrTx/>
+              <a:buSzTx/>
+              <a:buFont typeface="Arial" charset="0"/>
+              <a:buChar char="•"/>
+              <a:tabLst/>
+              <a:defRPr/>
+            </a:pPr>
+            <a:r>
+              <a:rPr lang="en-US" sz="3000" dirty="0" smtClean="0"/>
+              <a:t>Using the 3 period approach we can determine the progression of words through these periods with 84.02% precision.</a:t>
+            </a:r>
+          </a:p>
+          <a:p>
+            <a:pPr marL="685800" marR="0" lvl="0" indent="-685800" defTabSz="914400" eaLnBrk="1" fontAlgn="auto" latinLnBrk="0" hangingPunct="1">
+              <a:lnSpc>
+                <a:spcPct val="100000"/>
+              </a:lnSpc>
+              <a:spcBef>
+                <a:spcPts val="0"/>
+              </a:spcBef>
+              <a:spcAft>
+                <a:spcPts val="0"/>
+              </a:spcAft>
+              <a:buClrTx/>
+              <a:buSzTx/>
+              <a:buFont typeface="Arial" charset="0"/>
+              <a:buChar char="•"/>
+              <a:tabLst/>
+              <a:defRPr/>
+            </a:pPr>
+            <a:r>
+              <a:rPr lang="en-US" sz="3000" dirty="0" smtClean="0"/>
+              <a:t>Lots more training data is needed to accurately predict more specific time periods.</a:t>
+            </a:r>
+          </a:p>
+          <a:p>
+            <a:pPr marL="2002536" lvl="1" indent="-685800" defTabSz="914400">
+              <a:buFont typeface="Arial" charset="0"/>
+              <a:buChar char="•"/>
+            </a:pPr>
+            <a:r>
+              <a:rPr lang="en-US" sz="3000" dirty="0" smtClean="0"/>
+              <a:t>The more specific you get the less significant difference you have between texts of that time.</a:t>
+            </a:r>
+          </a:p>
+          <a:p>
+            <a:pPr marL="2002536" lvl="1" indent="-685800" defTabSz="914400">
+              <a:buFont typeface="Arial" charset="0"/>
+              <a:buChar char="•"/>
+            </a:pPr>
+            <a:r>
+              <a:rPr lang="en-US" sz="3000" dirty="0" smtClean="0"/>
+              <a:t>By creating more classes you have to divide up your training set into all those classes therefore you need a lot more data to keep up an accurate training regiment. </a:t>
+            </a:r>
+            <a:endParaRPr lang="en-US" sz="3000" dirty="0"/>
           </a:p>
         </p:txBody>
       </p:sp>

--- a/results/Presentation.pptx
+++ b/results/Presentation.pptx
@@ -8766,14 +8766,14 @@
           <p:nvPr>
             <p:extLst>
               <p:ext uri="{D42A27DB-BD31-4B8C-83A1-F6EECF244321}">
-                <p14:modId xmlns:p14="http://schemas.microsoft.com/office/powerpoint/2010/main" val="99498764"/>
+                <p14:modId xmlns:p14="http://schemas.microsoft.com/office/powerpoint/2010/main" val="182716767"/>
               </p:ext>
             </p:extLst>
           </p:nvPr>
         </p:nvGraphicFramePr>
         <p:xfrm>
           <a:off x="6685075" y="20411722"/>
-          <a:ext cx="6811928" cy="4073761"/>
+          <a:ext cx="7346264" cy="4362403"/>
         </p:xfrm>
         <a:graphic>
           <a:graphicData uri="http://schemas.openxmlformats.org/drawingml/2006/chart">
